--- a/Azure.pptx
+++ b/Azure.pptx
@@ -3987,7 +3987,10 @@
           <a:bodyPr/>
           <a:lstStyle/>
           <a:p>
-            <a:endParaRPr lang="en-IN"/>
+            <a:r>
+              <a:rPr lang="en-IN"/>
+              <a:t>Azure services</a:t>
+            </a:r>
           </a:p>
         </p:txBody>
       </p:sp>

--- a/Azure.pptx
+++ b/Azure.pptx
@@ -5,7 +5,7 @@
     <p:sldMasterId id="2147483648" r:id="rId1"/>
   </p:sldMasterIdLst>
   <p:notesMasterIdLst>
-    <p:notesMasterId r:id="rId35"/>
+    <p:notesMasterId r:id="rId36"/>
   </p:notesMasterIdLst>
   <p:sldIdLst>
     <p:sldId id="256" r:id="rId2"/>
@@ -26,21 +26,22 @@
     <p:sldId id="271" r:id="rId17"/>
     <p:sldId id="272" r:id="rId18"/>
     <p:sldId id="273" r:id="rId19"/>
-    <p:sldId id="274" r:id="rId20"/>
-    <p:sldId id="275" r:id="rId21"/>
-    <p:sldId id="276" r:id="rId22"/>
-    <p:sldId id="277" r:id="rId23"/>
-    <p:sldId id="278" r:id="rId24"/>
-    <p:sldId id="279" r:id="rId25"/>
-    <p:sldId id="280" r:id="rId26"/>
-    <p:sldId id="281" r:id="rId27"/>
-    <p:sldId id="282" r:id="rId28"/>
-    <p:sldId id="283" r:id="rId29"/>
-    <p:sldId id="284" r:id="rId30"/>
-    <p:sldId id="285" r:id="rId31"/>
-    <p:sldId id="286" r:id="rId32"/>
-    <p:sldId id="287" r:id="rId33"/>
-    <p:sldId id="288" r:id="rId34"/>
+    <p:sldId id="290" r:id="rId20"/>
+    <p:sldId id="274" r:id="rId21"/>
+    <p:sldId id="275" r:id="rId22"/>
+    <p:sldId id="276" r:id="rId23"/>
+    <p:sldId id="277" r:id="rId24"/>
+    <p:sldId id="278" r:id="rId25"/>
+    <p:sldId id="279" r:id="rId26"/>
+    <p:sldId id="280" r:id="rId27"/>
+    <p:sldId id="281" r:id="rId28"/>
+    <p:sldId id="282" r:id="rId29"/>
+    <p:sldId id="283" r:id="rId30"/>
+    <p:sldId id="284" r:id="rId31"/>
+    <p:sldId id="285" r:id="rId32"/>
+    <p:sldId id="286" r:id="rId33"/>
+    <p:sldId id="287" r:id="rId34"/>
+    <p:sldId id="288" r:id="rId35"/>
   </p:sldIdLst>
   <p:sldSz cx="12192000" cy="6858000"/>
   <p:notesSz cx="6858000" cy="9144000"/>
@@ -162,6 +163,7 @@
             <p14:sldId id="271"/>
             <p14:sldId id="272"/>
             <p14:sldId id="273"/>
+            <p14:sldId id="290"/>
             <p14:sldId id="274"/>
             <p14:sldId id="275"/>
             <p14:sldId id="276"/>
@@ -270,7 +272,7 @@
           <a:p>
             <a:fld id="{205C001E-9790-4C42-A9D7-1F1ABD7FEE09}" type="datetimeFigureOut">
               <a:rPr lang="en-IN" smtClean="0"/>
-              <a:t>29-07-2019</a:t>
+              <a:t>23-08-2019</a:t>
             </a:fld>
             <a:endParaRPr lang="en-IN"/>
           </a:p>
@@ -715,7 +717,7 @@
           <a:p>
             <a:fld id="{A8F287BB-7DA6-4AB0-9994-096E203BDC23}" type="slidenum">
               <a:rPr lang="en-IN" smtClean="0"/>
-              <a:t>19</a:t>
+              <a:t>20</a:t>
             </a:fld>
             <a:endParaRPr lang="en-IN"/>
           </a:p>
@@ -883,7 +885,7 @@
           <a:p>
             <a:fld id="{51C3D46B-08F1-44F2-8B38-D916BA5C2161}" type="datetimeFigureOut">
               <a:rPr lang="en-IN" smtClean="0"/>
-              <a:t>29-07-2019</a:t>
+              <a:t>23-08-2019</a:t>
             </a:fld>
             <a:endParaRPr lang="en-IN"/>
           </a:p>
@@ -1083,7 +1085,7 @@
           <a:p>
             <a:fld id="{51C3D46B-08F1-44F2-8B38-D916BA5C2161}" type="datetimeFigureOut">
               <a:rPr lang="en-IN" smtClean="0"/>
-              <a:t>29-07-2019</a:t>
+              <a:t>23-08-2019</a:t>
             </a:fld>
             <a:endParaRPr lang="en-IN"/>
           </a:p>
@@ -1293,7 +1295,7 @@
           <a:p>
             <a:fld id="{51C3D46B-08F1-44F2-8B38-D916BA5C2161}" type="datetimeFigureOut">
               <a:rPr lang="en-IN" smtClean="0"/>
-              <a:t>29-07-2019</a:t>
+              <a:t>23-08-2019</a:t>
             </a:fld>
             <a:endParaRPr lang="en-IN"/>
           </a:p>
@@ -1493,7 +1495,7 @@
           <a:p>
             <a:fld id="{51C3D46B-08F1-44F2-8B38-D916BA5C2161}" type="datetimeFigureOut">
               <a:rPr lang="en-IN" smtClean="0"/>
-              <a:t>29-07-2019</a:t>
+              <a:t>23-08-2019</a:t>
             </a:fld>
             <a:endParaRPr lang="en-IN"/>
           </a:p>
@@ -1769,7 +1771,7 @@
           <a:p>
             <a:fld id="{51C3D46B-08F1-44F2-8B38-D916BA5C2161}" type="datetimeFigureOut">
               <a:rPr lang="en-IN" smtClean="0"/>
-              <a:t>29-07-2019</a:t>
+              <a:t>23-08-2019</a:t>
             </a:fld>
             <a:endParaRPr lang="en-IN"/>
           </a:p>
@@ -2037,7 +2039,7 @@
           <a:p>
             <a:fld id="{51C3D46B-08F1-44F2-8B38-D916BA5C2161}" type="datetimeFigureOut">
               <a:rPr lang="en-IN" smtClean="0"/>
-              <a:t>29-07-2019</a:t>
+              <a:t>23-08-2019</a:t>
             </a:fld>
             <a:endParaRPr lang="en-IN"/>
           </a:p>
@@ -2452,7 +2454,7 @@
           <a:p>
             <a:fld id="{51C3D46B-08F1-44F2-8B38-D916BA5C2161}" type="datetimeFigureOut">
               <a:rPr lang="en-IN" smtClean="0"/>
-              <a:t>29-07-2019</a:t>
+              <a:t>23-08-2019</a:t>
             </a:fld>
             <a:endParaRPr lang="en-IN"/>
           </a:p>
@@ -2594,7 +2596,7 @@
           <a:p>
             <a:fld id="{51C3D46B-08F1-44F2-8B38-D916BA5C2161}" type="datetimeFigureOut">
               <a:rPr lang="en-IN" smtClean="0"/>
-              <a:t>29-07-2019</a:t>
+              <a:t>23-08-2019</a:t>
             </a:fld>
             <a:endParaRPr lang="en-IN"/>
           </a:p>
@@ -2707,7 +2709,7 @@
           <a:p>
             <a:fld id="{51C3D46B-08F1-44F2-8B38-D916BA5C2161}" type="datetimeFigureOut">
               <a:rPr lang="en-IN" smtClean="0"/>
-              <a:t>29-07-2019</a:t>
+              <a:t>23-08-2019</a:t>
             </a:fld>
             <a:endParaRPr lang="en-IN"/>
           </a:p>
@@ -3020,7 +3022,7 @@
           <a:p>
             <a:fld id="{51C3D46B-08F1-44F2-8B38-D916BA5C2161}" type="datetimeFigureOut">
               <a:rPr lang="en-IN" smtClean="0"/>
-              <a:t>29-07-2019</a:t>
+              <a:t>23-08-2019</a:t>
             </a:fld>
             <a:endParaRPr lang="en-IN"/>
           </a:p>
@@ -3309,7 +3311,7 @@
           <a:p>
             <a:fld id="{51C3D46B-08F1-44F2-8B38-D916BA5C2161}" type="datetimeFigureOut">
               <a:rPr lang="en-IN" smtClean="0"/>
-              <a:t>29-07-2019</a:t>
+              <a:t>23-08-2019</a:t>
             </a:fld>
             <a:endParaRPr lang="en-IN"/>
           </a:p>
@@ -3552,7 +3554,7 @@
           <a:p>
             <a:fld id="{51C3D46B-08F1-44F2-8B38-D916BA5C2161}" type="datetimeFigureOut">
               <a:rPr lang="en-IN" smtClean="0"/>
-              <a:t>29-07-2019</a:t>
+              <a:t>23-08-2019</a:t>
             </a:fld>
             <a:endParaRPr lang="en-IN"/>
           </a:p>
@@ -7607,13 +7609,8 @@
           <a:p>
             <a:r>
               <a:rPr lang="en-IN" dirty="0"/>
-              <a:t>App=</a:t>
-            </a:r>
-            <a:r>
-              <a:rPr lang="en-IN" dirty="0" err="1"/>
-              <a:t>myapp</a:t>
-            </a:r>
-            <a:endParaRPr lang="en-IN" dirty="0"/>
+              <a:t>App=Event2</a:t>
+            </a:r>
           </a:p>
           <a:p>
             <a:r>
@@ -7714,6 +7711,41 @@
             <a:r>
               <a:rPr lang="en-IN" dirty="0"/>
               <a:t>1 UI RS =&gt; 1 UI Pod</a:t>
+            </a:r>
+          </a:p>
+        </p:txBody>
+      </p:sp>
+      <p:sp>
+        <p:nvSpPr>
+          <p:cNvPr id="42" name="TextBox 41">
+            <a:extLst>
+              <a:ext uri="{FF2B5EF4-FFF2-40B4-BE49-F238E27FC236}">
+                <a16:creationId xmlns:a16="http://schemas.microsoft.com/office/drawing/2014/main" id="{6D63F895-F550-405F-A230-D02195EDD048}"/>
+              </a:ext>
+            </a:extLst>
+          </p:cNvPr>
+          <p:cNvSpPr txBox="1"/>
+          <p:nvPr/>
+        </p:nvSpPr>
+        <p:spPr>
+          <a:xfrm>
+            <a:off x="6077421" y="3578921"/>
+            <a:ext cx="1579418" cy="369332"/>
+          </a:xfrm>
+          <a:prstGeom prst="rect">
+            <a:avLst/>
+          </a:prstGeom>
+          <a:noFill/>
+        </p:spPr>
+        <p:txBody>
+          <a:bodyPr wrap="square" rtlCol="0">
+            <a:spAutoFit/>
+          </a:bodyPr>
+          <a:lstStyle/>
+          <a:p>
+            <a:r>
+              <a:rPr lang="en-IN" dirty="0"/>
+              <a:t>App=Identity</a:t>
             </a:r>
           </a:p>
         </p:txBody>
@@ -13092,7 +13124,7 @@
         </p:blipFill>
         <p:spPr>
           <a:xfrm>
-            <a:off x="1935241" y="1570369"/>
+            <a:off x="1935241" y="1608469"/>
             <a:ext cx="599042" cy="599042"/>
           </a:xfrm>
           <a:prstGeom prst="rect">
@@ -13131,7 +13163,7 @@
         </p:blipFill>
         <p:spPr>
           <a:xfrm>
-            <a:off x="1948494" y="346861"/>
+            <a:off x="1948494" y="270661"/>
             <a:ext cx="585789" cy="585789"/>
           </a:xfrm>
           <a:prstGeom prst="rect">
@@ -13268,7 +13300,7 @@
         </p:blipFill>
         <p:spPr>
           <a:xfrm>
-            <a:off x="1850347" y="3600538"/>
+            <a:off x="1850347" y="3638638"/>
             <a:ext cx="723900" cy="723900"/>
           </a:xfrm>
           <a:prstGeom prst="rect">
@@ -13486,7 +13518,7 @@
         </p:blipFill>
         <p:spPr>
           <a:xfrm>
-            <a:off x="1877056" y="5668053"/>
+            <a:off x="1877056" y="5706153"/>
             <a:ext cx="476250" cy="476250"/>
           </a:xfrm>
           <a:prstGeom prst="rect">
@@ -13525,7 +13557,7 @@
         </p:blipFill>
         <p:spPr>
           <a:xfrm>
-            <a:off x="1850347" y="4704317"/>
+            <a:off x="1850347" y="4742417"/>
             <a:ext cx="609600" cy="609600"/>
           </a:xfrm>
           <a:prstGeom prst="rect">
@@ -13694,8 +13726,8 @@
         </p:nvCxnSpPr>
         <p:spPr>
           <a:xfrm>
-            <a:off x="2534283" y="639756"/>
-            <a:ext cx="2834869" cy="2766153"/>
+            <a:off x="2534283" y="563556"/>
+            <a:ext cx="2834869" cy="2842353"/>
           </a:xfrm>
           <a:prstGeom prst="straightConnector1">
             <a:avLst/>
@@ -13738,8 +13770,8 @@
         </p:nvCxnSpPr>
         <p:spPr>
           <a:xfrm>
-            <a:off x="2534283" y="1869890"/>
-            <a:ext cx="2834869" cy="1536019"/>
+            <a:off x="2534283" y="1907990"/>
+            <a:ext cx="2834869" cy="1497919"/>
           </a:xfrm>
           <a:prstGeom prst="straightConnector1">
             <a:avLst/>
@@ -13825,7 +13857,7 @@
         <p:spPr>
           <a:xfrm flipV="1">
             <a:off x="2574247" y="3405909"/>
-            <a:ext cx="2794905" cy="556579"/>
+            <a:ext cx="2794905" cy="594679"/>
           </a:xfrm>
           <a:prstGeom prst="straightConnector1">
             <a:avLst/>
@@ -13868,7 +13900,7 @@
         <p:spPr>
           <a:xfrm flipV="1">
             <a:off x="2459947" y="3405909"/>
-            <a:ext cx="2909205" cy="1603208"/>
+            <a:ext cx="2909205" cy="1641308"/>
           </a:xfrm>
           <a:prstGeom prst="straightConnector1">
             <a:avLst/>
@@ -13911,7 +13943,7 @@
         <p:spPr>
           <a:xfrm flipV="1">
             <a:off x="2353306" y="3405909"/>
-            <a:ext cx="3015846" cy="2500269"/>
+            <a:ext cx="3015846" cy="2538369"/>
           </a:xfrm>
           <a:prstGeom prst="straightConnector1">
             <a:avLst/>
@@ -14283,7 +14315,7 @@
           <p:cNvPr id="2" name="Title 1">
             <a:extLst>
               <a:ext uri="{FF2B5EF4-FFF2-40B4-BE49-F238E27FC236}">
-                <a16:creationId xmlns:a16="http://schemas.microsoft.com/office/drawing/2014/main" id="{68627FA4-A35F-49A6-85D5-82437F867992}"/>
+                <a16:creationId xmlns:a16="http://schemas.microsoft.com/office/drawing/2014/main" id="{476B10AC-67C8-4EFB-AFF7-E94E18F96ABE}"/>
               </a:ext>
             </a:extLst>
           </p:cNvPr>
@@ -14294,93 +14326,613 @@
             <p:ph type="title"/>
           </p:nvPr>
         </p:nvSpPr>
-        <p:spPr/>
+        <p:spPr>
+          <a:xfrm>
+            <a:off x="1009650" y="-1136651"/>
+            <a:ext cx="10515600" cy="1325563"/>
+          </a:xfrm>
+        </p:spPr>
         <p:txBody>
           <a:bodyPr/>
           <a:lstStyle/>
           <a:p>
-            <a:r>
-              <a:rPr lang="en-IN" dirty="0"/>
-              <a:t>Components of APIM</a:t>
-            </a:r>
-          </a:p>
-        </p:txBody>
-      </p:sp>
-      <p:sp>
-        <p:nvSpPr>
-          <p:cNvPr id="3" name="Content Placeholder 2">
-            <a:extLst>
-              <a:ext uri="{FF2B5EF4-FFF2-40B4-BE49-F238E27FC236}">
-                <a16:creationId xmlns:a16="http://schemas.microsoft.com/office/drawing/2014/main" id="{CCF4ADD0-8C5F-4F5B-B405-3A1D688F1D60}"/>
-              </a:ext>
-            </a:extLst>
-          </p:cNvPr>
-          <p:cNvSpPr>
-            <a:spLocks noGrp="1"/>
-          </p:cNvSpPr>
-          <p:nvPr>
-            <p:ph idx="1"/>
-          </p:nvPr>
-        </p:nvSpPr>
-        <p:spPr/>
-        <p:txBody>
-          <a:bodyPr/>
-          <a:lstStyle/>
-          <a:p>
-            <a:r>
-              <a:rPr lang="en-IN" dirty="0"/>
-              <a:t>Products</a:t>
-            </a:r>
-          </a:p>
-          <a:p>
-            <a:r>
-              <a:rPr lang="en-IN" dirty="0"/>
-              <a:t>API</a:t>
-            </a:r>
-          </a:p>
-          <a:p>
-            <a:r>
-              <a:rPr lang="en-IN" dirty="0"/>
-              <a:t>Operations</a:t>
-            </a:r>
-          </a:p>
-          <a:p>
-            <a:r>
-              <a:rPr lang="en-IN" dirty="0"/>
-              <a:t>Subscription Key</a:t>
-            </a:r>
-          </a:p>
-          <a:p>
-            <a:r>
-              <a:rPr lang="en-IN" dirty="0"/>
-              <a:t>Request Header – </a:t>
-            </a:r>
-            <a:r>
-              <a:rPr lang="en-IN" dirty="0" err="1"/>
-              <a:t>Ocp</a:t>
-            </a:r>
-            <a:r>
-              <a:rPr lang="en-IN" dirty="0"/>
-              <a:t>-</a:t>
-            </a:r>
-            <a:r>
-              <a:rPr lang="en-IN" dirty="0" err="1"/>
-              <a:t>Apim</a:t>
-            </a:r>
-            <a:r>
-              <a:rPr lang="en-IN" dirty="0"/>
-              <a:t>-Subscription-key = &lt;key&gt;</a:t>
-            </a:r>
-          </a:p>
-          <a:p>
-            <a:endParaRPr lang="en-IN" dirty="0"/>
+            <a:endParaRPr lang="en-IN"/>
+          </a:p>
+        </p:txBody>
+      </p:sp>
+      <p:sp>
+        <p:nvSpPr>
+          <p:cNvPr id="4" name="Rectangle 3">
+            <a:extLst>
+              <a:ext uri="{FF2B5EF4-FFF2-40B4-BE49-F238E27FC236}">
+                <a16:creationId xmlns:a16="http://schemas.microsoft.com/office/drawing/2014/main" id="{FC36FABE-F390-4BA5-AD1B-DC9F06B27716}"/>
+              </a:ext>
+            </a:extLst>
+          </p:cNvPr>
+          <p:cNvSpPr/>
+          <p:nvPr/>
+        </p:nvSpPr>
+        <p:spPr>
+          <a:xfrm>
+            <a:off x="1085850" y="3590925"/>
+            <a:ext cx="1676400" cy="457200"/>
+          </a:xfrm>
+          <a:prstGeom prst="rect">
+            <a:avLst/>
+          </a:prstGeom>
+        </p:spPr>
+        <p:style>
+          <a:lnRef idx="2">
+            <a:schemeClr val="accent1">
+              <a:shade val="50000"/>
+            </a:schemeClr>
+          </a:lnRef>
+          <a:fillRef idx="1">
+            <a:schemeClr val="accent1"/>
+          </a:fillRef>
+          <a:effectRef idx="0">
+            <a:schemeClr val="accent1"/>
+          </a:effectRef>
+          <a:fontRef idx="minor">
+            <a:schemeClr val="lt1"/>
+          </a:fontRef>
+        </p:style>
+        <p:txBody>
+          <a:bodyPr rtlCol="0" anchor="ctr"/>
+          <a:lstStyle/>
+          <a:p>
+            <a:pPr algn="ctr"/>
+            <a:r>
+              <a:rPr lang="en-IN" dirty="0"/>
+              <a:t>Event SVC</a:t>
+            </a:r>
+          </a:p>
+        </p:txBody>
+      </p:sp>
+      <p:sp>
+        <p:nvSpPr>
+          <p:cNvPr id="5" name="Rectangle 4">
+            <a:extLst>
+              <a:ext uri="{FF2B5EF4-FFF2-40B4-BE49-F238E27FC236}">
+                <a16:creationId xmlns:a16="http://schemas.microsoft.com/office/drawing/2014/main" id="{1DF10A94-5192-4C2F-B174-7759F8F347AA}"/>
+              </a:ext>
+            </a:extLst>
+          </p:cNvPr>
+          <p:cNvSpPr/>
+          <p:nvPr/>
+        </p:nvSpPr>
+        <p:spPr>
+          <a:xfrm>
+            <a:off x="5172075" y="1962150"/>
+            <a:ext cx="2333625" cy="962025"/>
+          </a:xfrm>
+          <a:prstGeom prst="rect">
+            <a:avLst/>
+          </a:prstGeom>
+        </p:spPr>
+        <p:style>
+          <a:lnRef idx="2">
+            <a:schemeClr val="accent1">
+              <a:shade val="50000"/>
+            </a:schemeClr>
+          </a:lnRef>
+          <a:fillRef idx="1">
+            <a:schemeClr val="accent1"/>
+          </a:fillRef>
+          <a:effectRef idx="0">
+            <a:schemeClr val="accent1"/>
+          </a:effectRef>
+          <a:fontRef idx="minor">
+            <a:schemeClr val="lt1"/>
+          </a:fontRef>
+        </p:style>
+        <p:txBody>
+          <a:bodyPr rtlCol="0" anchor="ctr"/>
+          <a:lstStyle/>
+          <a:p>
+            <a:pPr algn="ctr"/>
+            <a:r>
+              <a:rPr lang="en-IN" dirty="0"/>
+              <a:t>Gateway1</a:t>
+            </a:r>
+          </a:p>
+        </p:txBody>
+      </p:sp>
+      <p:sp>
+        <p:nvSpPr>
+          <p:cNvPr id="6" name="Rectangle 5">
+            <a:extLst>
+              <a:ext uri="{FF2B5EF4-FFF2-40B4-BE49-F238E27FC236}">
+                <a16:creationId xmlns:a16="http://schemas.microsoft.com/office/drawing/2014/main" id="{30345D12-EB63-4040-AAD1-D87161048A43}"/>
+              </a:ext>
+            </a:extLst>
+          </p:cNvPr>
+          <p:cNvSpPr/>
+          <p:nvPr/>
+        </p:nvSpPr>
+        <p:spPr>
+          <a:xfrm>
+            <a:off x="5172075" y="4448175"/>
+            <a:ext cx="2466975" cy="1066800"/>
+          </a:xfrm>
+          <a:prstGeom prst="rect">
+            <a:avLst/>
+          </a:prstGeom>
+        </p:spPr>
+        <p:style>
+          <a:lnRef idx="2">
+            <a:schemeClr val="accent1">
+              <a:shade val="50000"/>
+            </a:schemeClr>
+          </a:lnRef>
+          <a:fillRef idx="1">
+            <a:schemeClr val="accent1"/>
+          </a:fillRef>
+          <a:effectRef idx="0">
+            <a:schemeClr val="accent1"/>
+          </a:effectRef>
+          <a:fontRef idx="minor">
+            <a:schemeClr val="lt1"/>
+          </a:fontRef>
+        </p:style>
+        <p:txBody>
+          <a:bodyPr rtlCol="0" anchor="ctr"/>
+          <a:lstStyle/>
+          <a:p>
+            <a:pPr algn="ctr"/>
+            <a:r>
+              <a:rPr lang="en-IN" dirty="0"/>
+              <a:t>Gateway 2</a:t>
+            </a:r>
+          </a:p>
+        </p:txBody>
+      </p:sp>
+      <p:sp>
+        <p:nvSpPr>
+          <p:cNvPr id="7" name="Rectangle 6">
+            <a:extLst>
+              <a:ext uri="{FF2B5EF4-FFF2-40B4-BE49-F238E27FC236}">
+                <a16:creationId xmlns:a16="http://schemas.microsoft.com/office/drawing/2014/main" id="{82230274-6A9D-4789-BF98-C850BC4245D5}"/>
+              </a:ext>
+            </a:extLst>
+          </p:cNvPr>
+          <p:cNvSpPr/>
+          <p:nvPr/>
+        </p:nvSpPr>
+        <p:spPr>
+          <a:xfrm>
+            <a:off x="10115550" y="2209800"/>
+            <a:ext cx="1476375" cy="457200"/>
+          </a:xfrm>
+          <a:prstGeom prst="rect">
+            <a:avLst/>
+          </a:prstGeom>
+        </p:spPr>
+        <p:style>
+          <a:lnRef idx="2">
+            <a:schemeClr val="accent1">
+              <a:shade val="50000"/>
+            </a:schemeClr>
+          </a:lnRef>
+          <a:fillRef idx="1">
+            <a:schemeClr val="accent1"/>
+          </a:fillRef>
+          <a:effectRef idx="0">
+            <a:schemeClr val="accent1"/>
+          </a:effectRef>
+          <a:fontRef idx="minor">
+            <a:schemeClr val="lt1"/>
+          </a:fontRef>
+        </p:style>
+        <p:txBody>
+          <a:bodyPr rtlCol="0" anchor="ctr"/>
+          <a:lstStyle/>
+          <a:p>
+            <a:pPr algn="ctr"/>
+            <a:r>
+              <a:rPr lang="en-IN" dirty="0"/>
+              <a:t>Client</a:t>
+            </a:r>
+          </a:p>
+        </p:txBody>
+      </p:sp>
+      <p:cxnSp>
+        <p:nvCxnSpPr>
+          <p:cNvPr id="9" name="Straight Arrow Connector 8">
+            <a:extLst>
+              <a:ext uri="{FF2B5EF4-FFF2-40B4-BE49-F238E27FC236}">
+                <a16:creationId xmlns:a16="http://schemas.microsoft.com/office/drawing/2014/main" id="{947801F5-8BC5-4E4C-8B33-BC689D1668ED}"/>
+              </a:ext>
+            </a:extLst>
+          </p:cNvPr>
+          <p:cNvCxnSpPr>
+            <a:stCxn id="7" idx="1"/>
+            <a:endCxn id="5" idx="3"/>
+          </p:cNvCxnSpPr>
+          <p:nvPr/>
+        </p:nvCxnSpPr>
+        <p:spPr>
+          <a:xfrm flipH="1">
+            <a:off x="7505700" y="2438400"/>
+            <a:ext cx="2609850" cy="4763"/>
+          </a:xfrm>
+          <a:prstGeom prst="straightConnector1">
+            <a:avLst/>
+          </a:prstGeom>
+          <a:ln>
+            <a:tailEnd type="triangle"/>
+          </a:ln>
+        </p:spPr>
+        <p:style>
+          <a:lnRef idx="1">
+            <a:schemeClr val="accent1"/>
+          </a:lnRef>
+          <a:fillRef idx="0">
+            <a:schemeClr val="accent1"/>
+          </a:fillRef>
+          <a:effectRef idx="0">
+            <a:schemeClr val="accent1"/>
+          </a:effectRef>
+          <a:fontRef idx="minor">
+            <a:schemeClr val="tx1"/>
+          </a:fontRef>
+        </p:style>
+      </p:cxnSp>
+      <p:sp>
+        <p:nvSpPr>
+          <p:cNvPr id="10" name="Rectangle 9">
+            <a:extLst>
+              <a:ext uri="{FF2B5EF4-FFF2-40B4-BE49-F238E27FC236}">
+                <a16:creationId xmlns:a16="http://schemas.microsoft.com/office/drawing/2014/main" id="{69AE2925-53FD-4531-B786-66821F6C3714}"/>
+              </a:ext>
+            </a:extLst>
+          </p:cNvPr>
+          <p:cNvSpPr/>
+          <p:nvPr/>
+        </p:nvSpPr>
+        <p:spPr>
+          <a:xfrm>
+            <a:off x="10115550" y="4829175"/>
+            <a:ext cx="1476375" cy="533400"/>
+          </a:xfrm>
+          <a:prstGeom prst="rect">
+            <a:avLst/>
+          </a:prstGeom>
+        </p:spPr>
+        <p:style>
+          <a:lnRef idx="2">
+            <a:schemeClr val="accent1">
+              <a:shade val="50000"/>
+            </a:schemeClr>
+          </a:lnRef>
+          <a:fillRef idx="1">
+            <a:schemeClr val="accent1"/>
+          </a:fillRef>
+          <a:effectRef idx="0">
+            <a:schemeClr val="accent1"/>
+          </a:effectRef>
+          <a:fontRef idx="minor">
+            <a:schemeClr val="lt1"/>
+          </a:fontRef>
+        </p:style>
+        <p:txBody>
+          <a:bodyPr rtlCol="0" anchor="ctr"/>
+          <a:lstStyle/>
+          <a:p>
+            <a:pPr algn="ctr"/>
+            <a:r>
+              <a:rPr lang="en-IN" dirty="0"/>
+              <a:t>Client</a:t>
+            </a:r>
+          </a:p>
+        </p:txBody>
+      </p:sp>
+      <p:cxnSp>
+        <p:nvCxnSpPr>
+          <p:cNvPr id="12" name="Straight Arrow Connector 11">
+            <a:extLst>
+              <a:ext uri="{FF2B5EF4-FFF2-40B4-BE49-F238E27FC236}">
+                <a16:creationId xmlns:a16="http://schemas.microsoft.com/office/drawing/2014/main" id="{E294B06C-A264-4A39-B347-83F5FA4A5820}"/>
+              </a:ext>
+            </a:extLst>
+          </p:cNvPr>
+          <p:cNvCxnSpPr>
+            <a:stCxn id="10" idx="1"/>
+            <a:endCxn id="6" idx="3"/>
+          </p:cNvCxnSpPr>
+          <p:nvPr/>
+        </p:nvCxnSpPr>
+        <p:spPr>
+          <a:xfrm flipH="1" flipV="1">
+            <a:off x="7639050" y="4981575"/>
+            <a:ext cx="2476500" cy="114300"/>
+          </a:xfrm>
+          <a:prstGeom prst="straightConnector1">
+            <a:avLst/>
+          </a:prstGeom>
+          <a:ln>
+            <a:tailEnd type="triangle"/>
+          </a:ln>
+        </p:spPr>
+        <p:style>
+          <a:lnRef idx="1">
+            <a:schemeClr val="accent1"/>
+          </a:lnRef>
+          <a:fillRef idx="0">
+            <a:schemeClr val="accent1"/>
+          </a:fillRef>
+          <a:effectRef idx="0">
+            <a:schemeClr val="accent1"/>
+          </a:effectRef>
+          <a:fontRef idx="minor">
+            <a:schemeClr val="tx1"/>
+          </a:fontRef>
+        </p:style>
+      </p:cxnSp>
+      <p:cxnSp>
+        <p:nvCxnSpPr>
+          <p:cNvPr id="14" name="Straight Arrow Connector 13">
+            <a:extLst>
+              <a:ext uri="{FF2B5EF4-FFF2-40B4-BE49-F238E27FC236}">
+                <a16:creationId xmlns:a16="http://schemas.microsoft.com/office/drawing/2014/main" id="{BF2C14FA-4327-4917-A01B-9016A77C5E6D}"/>
+              </a:ext>
+            </a:extLst>
+          </p:cNvPr>
+          <p:cNvCxnSpPr>
+            <a:stCxn id="5" idx="1"/>
+            <a:endCxn id="4" idx="3"/>
+          </p:cNvCxnSpPr>
+          <p:nvPr/>
+        </p:nvCxnSpPr>
+        <p:spPr>
+          <a:xfrm flipH="1">
+            <a:off x="2762250" y="2443163"/>
+            <a:ext cx="2409825" cy="1376362"/>
+          </a:xfrm>
+          <a:prstGeom prst="straightConnector1">
+            <a:avLst/>
+          </a:prstGeom>
+          <a:ln>
+            <a:tailEnd type="triangle"/>
+          </a:ln>
+        </p:spPr>
+        <p:style>
+          <a:lnRef idx="1">
+            <a:schemeClr val="accent1"/>
+          </a:lnRef>
+          <a:fillRef idx="0">
+            <a:schemeClr val="accent1"/>
+          </a:fillRef>
+          <a:effectRef idx="0">
+            <a:schemeClr val="accent1"/>
+          </a:effectRef>
+          <a:fontRef idx="minor">
+            <a:schemeClr val="tx1"/>
+          </a:fontRef>
+        </p:style>
+      </p:cxnSp>
+      <p:cxnSp>
+        <p:nvCxnSpPr>
+          <p:cNvPr id="16" name="Straight Arrow Connector 15">
+            <a:extLst>
+              <a:ext uri="{FF2B5EF4-FFF2-40B4-BE49-F238E27FC236}">
+                <a16:creationId xmlns:a16="http://schemas.microsoft.com/office/drawing/2014/main" id="{9B395CBF-4118-403C-B416-C3F7D987A8A4}"/>
+              </a:ext>
+            </a:extLst>
+          </p:cNvPr>
+          <p:cNvCxnSpPr>
+            <a:cxnSpLocks/>
+            <a:stCxn id="6" idx="1"/>
+            <a:endCxn id="4" idx="3"/>
+          </p:cNvCxnSpPr>
+          <p:nvPr/>
+        </p:nvCxnSpPr>
+        <p:spPr>
+          <a:xfrm flipH="1" flipV="1">
+            <a:off x="2762250" y="3819525"/>
+            <a:ext cx="2409825" cy="1162050"/>
+          </a:xfrm>
+          <a:prstGeom prst="straightConnector1">
+            <a:avLst/>
+          </a:prstGeom>
+          <a:ln>
+            <a:tailEnd type="triangle"/>
+          </a:ln>
+        </p:spPr>
+        <p:style>
+          <a:lnRef idx="1">
+            <a:schemeClr val="accent1"/>
+          </a:lnRef>
+          <a:fillRef idx="0">
+            <a:schemeClr val="accent1"/>
+          </a:fillRef>
+          <a:effectRef idx="0">
+            <a:schemeClr val="accent1"/>
+          </a:effectRef>
+          <a:fontRef idx="minor">
+            <a:schemeClr val="tx1"/>
+          </a:fontRef>
+        </p:style>
+      </p:cxnSp>
+      <p:sp>
+        <p:nvSpPr>
+          <p:cNvPr id="18" name="TextBox 17">
+            <a:extLst>
+              <a:ext uri="{FF2B5EF4-FFF2-40B4-BE49-F238E27FC236}">
+                <a16:creationId xmlns:a16="http://schemas.microsoft.com/office/drawing/2014/main" id="{73420F5E-6D70-434E-8897-78889E0E0BFF}"/>
+              </a:ext>
+            </a:extLst>
+          </p:cNvPr>
+          <p:cNvSpPr txBox="1"/>
+          <p:nvPr/>
+        </p:nvSpPr>
+        <p:spPr>
+          <a:xfrm>
+            <a:off x="10296525" y="2840831"/>
+            <a:ext cx="1600200" cy="369332"/>
+          </a:xfrm>
+          <a:prstGeom prst="rect">
+            <a:avLst/>
+          </a:prstGeom>
+          <a:noFill/>
+        </p:spPr>
+        <p:txBody>
+          <a:bodyPr wrap="square" rtlCol="0">
+            <a:spAutoFit/>
+          </a:bodyPr>
+          <a:lstStyle/>
+          <a:p>
+            <a:r>
+              <a:rPr lang="en-IN" dirty="0"/>
+              <a:t>10.0.4.5</a:t>
+            </a:r>
+          </a:p>
+        </p:txBody>
+      </p:sp>
+      <p:sp>
+        <p:nvSpPr>
+          <p:cNvPr id="19" name="TextBox 18">
+            <a:extLst>
+              <a:ext uri="{FF2B5EF4-FFF2-40B4-BE49-F238E27FC236}">
+                <a16:creationId xmlns:a16="http://schemas.microsoft.com/office/drawing/2014/main" id="{F762C027-C044-441E-BC92-FF5EE5085835}"/>
+              </a:ext>
+            </a:extLst>
+          </p:cNvPr>
+          <p:cNvSpPr txBox="1"/>
+          <p:nvPr/>
+        </p:nvSpPr>
+        <p:spPr>
+          <a:xfrm>
+            <a:off x="10010775" y="5514975"/>
+            <a:ext cx="1771650" cy="381000"/>
+          </a:xfrm>
+          <a:prstGeom prst="rect">
+            <a:avLst/>
+          </a:prstGeom>
+          <a:noFill/>
+        </p:spPr>
+        <p:txBody>
+          <a:bodyPr wrap="square" rtlCol="0">
+            <a:spAutoFit/>
+          </a:bodyPr>
+          <a:lstStyle/>
+          <a:p>
+            <a:r>
+              <a:rPr lang="en-IN" dirty="0"/>
+              <a:t>12.5.3.2</a:t>
+            </a:r>
+          </a:p>
+        </p:txBody>
+      </p:sp>
+      <p:sp>
+        <p:nvSpPr>
+          <p:cNvPr id="20" name="TextBox 19">
+            <a:extLst>
+              <a:ext uri="{FF2B5EF4-FFF2-40B4-BE49-F238E27FC236}">
+                <a16:creationId xmlns:a16="http://schemas.microsoft.com/office/drawing/2014/main" id="{DE3ED628-1E85-415F-AE56-A44C990E792A}"/>
+              </a:ext>
+            </a:extLst>
+          </p:cNvPr>
+          <p:cNvSpPr txBox="1"/>
+          <p:nvPr/>
+        </p:nvSpPr>
+        <p:spPr>
+          <a:xfrm>
+            <a:off x="7648575" y="2166938"/>
+            <a:ext cx="619125" cy="369332"/>
+          </a:xfrm>
+          <a:prstGeom prst="rect">
+            <a:avLst/>
+          </a:prstGeom>
+          <a:noFill/>
+        </p:spPr>
+        <p:txBody>
+          <a:bodyPr wrap="square" rtlCol="0">
+            <a:spAutoFit/>
+          </a:bodyPr>
+          <a:lstStyle/>
+          <a:p>
+            <a:r>
+              <a:rPr lang="en-IN" dirty="0"/>
+              <a:t>10</a:t>
+            </a:r>
+          </a:p>
+        </p:txBody>
+      </p:sp>
+      <p:sp>
+        <p:nvSpPr>
+          <p:cNvPr id="21" name="TextBox 20">
+            <a:extLst>
+              <a:ext uri="{FF2B5EF4-FFF2-40B4-BE49-F238E27FC236}">
+                <a16:creationId xmlns:a16="http://schemas.microsoft.com/office/drawing/2014/main" id="{9BCE1423-2E9C-4646-B365-BD457D4170B5}"/>
+              </a:ext>
+            </a:extLst>
+          </p:cNvPr>
+          <p:cNvSpPr txBox="1"/>
+          <p:nvPr/>
+        </p:nvSpPr>
+        <p:spPr>
+          <a:xfrm>
+            <a:off x="7781925" y="4629150"/>
+            <a:ext cx="704850" cy="369332"/>
+          </a:xfrm>
+          <a:prstGeom prst="rect">
+            <a:avLst/>
+          </a:prstGeom>
+          <a:noFill/>
+        </p:spPr>
+        <p:txBody>
+          <a:bodyPr wrap="square" rtlCol="0">
+            <a:spAutoFit/>
+          </a:bodyPr>
+          <a:lstStyle/>
+          <a:p>
+            <a:r>
+              <a:rPr lang="en-IN" dirty="0"/>
+              <a:t>5</a:t>
+            </a:r>
+          </a:p>
+        </p:txBody>
+      </p:sp>
+      <p:sp>
+        <p:nvSpPr>
+          <p:cNvPr id="22" name="TextBox 21">
+            <a:extLst>
+              <a:ext uri="{FF2B5EF4-FFF2-40B4-BE49-F238E27FC236}">
+                <a16:creationId xmlns:a16="http://schemas.microsoft.com/office/drawing/2014/main" id="{C45C6E82-A842-4FB1-A598-EF14646C321F}"/>
+              </a:ext>
+            </a:extLst>
+          </p:cNvPr>
+          <p:cNvSpPr txBox="1"/>
+          <p:nvPr/>
+        </p:nvSpPr>
+        <p:spPr>
+          <a:xfrm>
+            <a:off x="1085850" y="4162425"/>
+            <a:ext cx="1971675" cy="369332"/>
+          </a:xfrm>
+          <a:prstGeom prst="rect">
+            <a:avLst/>
+          </a:prstGeom>
+          <a:noFill/>
+        </p:spPr>
+        <p:txBody>
+          <a:bodyPr wrap="square" rtlCol="0">
+            <a:spAutoFit/>
+          </a:bodyPr>
+          <a:lstStyle/>
+          <a:p>
+            <a:r>
+              <a:rPr lang="en-IN" dirty="0"/>
+              <a:t>13.5.44.2</a:t>
+            </a:r>
           </a:p>
         </p:txBody>
       </p:sp>
     </p:spTree>
     <p:extLst>
       <p:ext uri="{BB962C8B-B14F-4D97-AF65-F5344CB8AC3E}">
-        <p14:creationId xmlns:p14="http://schemas.microsoft.com/office/powerpoint/2010/main" val="2760474302"/>
+        <p14:creationId xmlns:p14="http://schemas.microsoft.com/office/powerpoint/2010/main" val="2372716069"/>
       </p:ext>
     </p:extLst>
   </p:cSld>
@@ -15240,7 +15792,7 @@
           <p:cNvPr id="2" name="Title 1">
             <a:extLst>
               <a:ext uri="{FF2B5EF4-FFF2-40B4-BE49-F238E27FC236}">
-                <a16:creationId xmlns:a16="http://schemas.microsoft.com/office/drawing/2014/main" id="{D365D89A-D4BC-442A-96C4-EBEA76BD6DD0}"/>
+                <a16:creationId xmlns:a16="http://schemas.microsoft.com/office/drawing/2014/main" id="{68627FA4-A35F-49A6-85D5-82437F867992}"/>
               </a:ext>
             </a:extLst>
           </p:cNvPr>
@@ -15258,7 +15810,7 @@
           <a:p>
             <a:r>
               <a:rPr lang="en-IN" dirty="0"/>
-              <a:t>Version and revisions</a:t>
+              <a:t>Components of APIM</a:t>
             </a:r>
           </a:p>
         </p:txBody>
@@ -15268,7 +15820,7 @@
           <p:cNvPr id="3" name="Content Placeholder 2">
             <a:extLst>
               <a:ext uri="{FF2B5EF4-FFF2-40B4-BE49-F238E27FC236}">
-                <a16:creationId xmlns:a16="http://schemas.microsoft.com/office/drawing/2014/main" id="{564D29E7-AC53-4275-91BF-C42B822D7D1E}"/>
+                <a16:creationId xmlns:a16="http://schemas.microsoft.com/office/drawing/2014/main" id="{CCF4ADD0-8C5F-4F5B-B405-3A1D688F1D60}"/>
               </a:ext>
             </a:extLst>
           </p:cNvPr>
@@ -15286,93 +15838,58 @@
           <a:p>
             <a:r>
               <a:rPr lang="en-IN" dirty="0"/>
-              <a:t>Version – A new version of API with some added features.</a:t>
-            </a:r>
-          </a:p>
-          <a:p>
-            <a:pPr lvl="1"/>
-            <a:r>
-              <a:rPr lang="en-IN" dirty="0"/>
-              <a:t>Origin </a:t>
+              <a:t>Products</a:t>
+            </a:r>
+          </a:p>
+          <a:p>
+            <a:r>
+              <a:rPr lang="en-IN" dirty="0"/>
+              <a:t>API</a:t>
+            </a:r>
+          </a:p>
+          <a:p>
+            <a:r>
+              <a:rPr lang="en-IN" dirty="0"/>
+              <a:t>Operations</a:t>
+            </a:r>
+          </a:p>
+          <a:p>
+            <a:r>
+              <a:rPr lang="en-IN" dirty="0"/>
+              <a:t>Subscription Key</a:t>
+            </a:r>
+          </a:p>
+          <a:p>
+            <a:r>
+              <a:rPr lang="en-IN" dirty="0"/>
+              <a:t>Request Header – </a:t>
             </a:r>
             <a:r>
               <a:rPr lang="en-IN" dirty="0" err="1"/>
-              <a:t>api</a:t>
-            </a:r>
-            <a:r>
-              <a:rPr lang="en-IN" dirty="0"/>
-              <a:t> </a:t>
+              <a:t>Ocp</a:t>
+            </a:r>
+            <a:r>
+              <a:rPr lang="en-IN" dirty="0"/>
+              <a:t>-</a:t>
             </a:r>
             <a:r>
               <a:rPr lang="en-IN" dirty="0" err="1"/>
-              <a:t>url</a:t>
-            </a:r>
-            <a:r>
-              <a:rPr lang="en-IN" dirty="0"/>
-              <a:t> = </a:t>
-            </a:r>
-            <a:r>
-              <a:rPr lang="en-IN" dirty="0">
-                <a:hlinkClick r:id="rId2"/>
-              </a:rPr>
-              <a:t>http://contoso.com/api/messages</a:t>
-            </a:r>
+              <a:t>Apim</a:t>
+            </a:r>
+            <a:r>
+              <a:rPr lang="en-IN" dirty="0"/>
+              <a:t>-Subscription-key = &lt;key&gt;</a:t>
+            </a:r>
+          </a:p>
+          <a:p>
             <a:endParaRPr lang="en-IN" dirty="0"/>
-          </a:p>
-          <a:p>
-            <a:pPr lvl="1"/>
-            <a:r>
-              <a:rPr lang="en-IN" dirty="0"/>
-              <a:t>Version 2 of API = </a:t>
-            </a:r>
-          </a:p>
-          <a:p>
-            <a:pPr lvl="2"/>
-            <a:r>
-              <a:rPr lang="en-IN" dirty="0">
-                <a:hlinkClick r:id="rId3"/>
-              </a:rPr>
-              <a:t>http://contoso.com/v2/api/messages</a:t>
-            </a:r>
-            <a:r>
-              <a:rPr lang="en-IN" dirty="0"/>
-              <a:t>  - Path</a:t>
-            </a:r>
-          </a:p>
-          <a:p>
-            <a:pPr lvl="2"/>
-            <a:r>
-              <a:rPr lang="en-IN" dirty="0">
-                <a:hlinkClick r:id="rId4"/>
-              </a:rPr>
-              <a:t>http://contoso.com/api/messages?version=2018-09</a:t>
-            </a:r>
-            <a:r>
-              <a:rPr lang="en-IN" dirty="0"/>
-              <a:t>  - Query string</a:t>
-            </a:r>
-          </a:p>
-          <a:p>
-            <a:endParaRPr lang="en-IN" dirty="0"/>
-          </a:p>
-          <a:p>
-            <a:r>
-              <a:rPr lang="en-IN" dirty="0"/>
-              <a:t>Revision – Add features to the API without breaking the users experience</a:t>
-            </a:r>
-          </a:p>
-          <a:p>
-            <a:r>
-              <a:rPr lang="en-IN" dirty="0"/>
-              <a:t>Adding new methods, bug fixes etc can be done to existing API version</a:t>
-            </a:r>
           </a:p>
         </p:txBody>
       </p:sp>
     </p:spTree>
     <p:extLst>
       <p:ext uri="{BB962C8B-B14F-4D97-AF65-F5344CB8AC3E}">
-        <p14:creationId xmlns:p14="http://schemas.microsoft.com/office/powerpoint/2010/main" val="2201165441"/>
+        <p14:creationId xmlns:p14="http://schemas.microsoft.com/office/powerpoint/2010/main" val="2760474302"/>
       </p:ext>
     </p:extLst>
   </p:cSld>
@@ -15404,7 +15921,7 @@
           <p:cNvPr id="2" name="Title 1">
             <a:extLst>
               <a:ext uri="{FF2B5EF4-FFF2-40B4-BE49-F238E27FC236}">
-                <a16:creationId xmlns:a16="http://schemas.microsoft.com/office/drawing/2014/main" id="{C7A0D6D7-84F2-4A3A-9BA9-42AEE5E36F2F}"/>
+                <a16:creationId xmlns:a16="http://schemas.microsoft.com/office/drawing/2014/main" id="{D365D89A-D4BC-442A-96C4-EBEA76BD6DD0}"/>
               </a:ext>
             </a:extLst>
           </p:cNvPr>
@@ -15422,7 +15939,7 @@
           <a:p>
             <a:r>
               <a:rPr lang="en-IN" dirty="0"/>
-              <a:t>Policies</a:t>
+              <a:t>Version and revisions</a:t>
             </a:r>
           </a:p>
         </p:txBody>
@@ -15432,7 +15949,7 @@
           <p:cNvPr id="3" name="Content Placeholder 2">
             <a:extLst>
               <a:ext uri="{FF2B5EF4-FFF2-40B4-BE49-F238E27FC236}">
-                <a16:creationId xmlns:a16="http://schemas.microsoft.com/office/drawing/2014/main" id="{854D9EBA-C992-4CA3-BA7D-64FB548E8543}"/>
+                <a16:creationId xmlns:a16="http://schemas.microsoft.com/office/drawing/2014/main" id="{564D29E7-AC53-4275-91BF-C42B822D7D1E}"/>
               </a:ext>
             </a:extLst>
           </p:cNvPr>
@@ -15450,83 +15967,93 @@
           <a:p>
             <a:r>
               <a:rPr lang="en-IN" dirty="0"/>
-              <a:t>Rules and configuration that is applied to Incoming request or outgoing response.</a:t>
+              <a:t>Version – A new version of API with some added features.</a:t>
             </a:r>
           </a:p>
           <a:p>
             <a:pPr lvl="1"/>
             <a:r>
               <a:rPr lang="en-IN" dirty="0"/>
-              <a:t>CORS – Inbound policy</a:t>
-            </a:r>
+              <a:t>Origin </a:t>
+            </a:r>
+            <a:r>
+              <a:rPr lang="en-IN" dirty="0" err="1"/>
+              <a:t>api</a:t>
+            </a:r>
+            <a:r>
+              <a:rPr lang="en-IN" dirty="0"/>
+              <a:t> </a:t>
+            </a:r>
+            <a:r>
+              <a:rPr lang="en-IN" dirty="0" err="1"/>
+              <a:t>url</a:t>
+            </a:r>
+            <a:r>
+              <a:rPr lang="en-IN" dirty="0"/>
+              <a:t> = </a:t>
+            </a:r>
+            <a:r>
+              <a:rPr lang="en-IN" dirty="0">
+                <a:hlinkClick r:id="rId2"/>
+              </a:rPr>
+              <a:t>http://contoso.com/api/messages</a:t>
+            </a:r>
+            <a:endParaRPr lang="en-IN" dirty="0"/>
           </a:p>
           <a:p>
             <a:pPr lvl="1"/>
             <a:r>
               <a:rPr lang="en-IN" dirty="0"/>
-              <a:t>IP restriction – Inbound policy</a:t>
-            </a:r>
-          </a:p>
-          <a:p>
-            <a:pPr lvl="1"/>
-            <a:r>
-              <a:rPr lang="en-IN" dirty="0"/>
-              <a:t>Rate limiting – Inbound policy</a:t>
-            </a:r>
-          </a:p>
-          <a:p>
-            <a:pPr lvl="1"/>
-            <a:r>
-              <a:rPr lang="en-IN" dirty="0"/>
-              <a:t>Mock response- Inbound policy</a:t>
-            </a:r>
-          </a:p>
-          <a:p>
-            <a:pPr lvl="1"/>
-            <a:r>
-              <a:rPr lang="en-IN" dirty="0"/>
-              <a:t>JSON to XML – Outbound policy</a:t>
-            </a:r>
-          </a:p>
-          <a:p>
-            <a:pPr lvl="1"/>
-            <a:r>
-              <a:rPr lang="en-IN" dirty="0"/>
-              <a:t>Set Header – Outbound policy</a:t>
-            </a:r>
-          </a:p>
-          <a:p>
-            <a:pPr lvl="1"/>
-            <a:r>
-              <a:rPr lang="en-IN" dirty="0"/>
-              <a:t>Find and replace string – Outbound policy</a:t>
-            </a:r>
-          </a:p>
-          <a:p>
-            <a:pPr lvl="1"/>
-            <a:r>
-              <a:rPr lang="en-IN" dirty="0"/>
-              <a:t>Combine response from multiple backend </a:t>
-            </a:r>
-            <a:r>
-              <a:rPr lang="en-IN" dirty="0" err="1"/>
-              <a:t>apis</a:t>
-            </a:r>
-            <a:r>
-              <a:rPr lang="en-IN" dirty="0"/>
-              <a:t> – backend policy</a:t>
-            </a:r>
-          </a:p>
-          <a:p>
-            <a:pPr lvl="1"/>
+              <a:t>Version 2 of API = </a:t>
+            </a:r>
+          </a:p>
+          <a:p>
+            <a:pPr lvl="2"/>
+            <a:r>
+              <a:rPr lang="en-IN" dirty="0">
+                <a:hlinkClick r:id="rId3"/>
+              </a:rPr>
+              <a:t>http://contoso.com/v2/api/messages</a:t>
+            </a:r>
+            <a:r>
+              <a:rPr lang="en-IN" dirty="0"/>
+              <a:t>  - Path</a:t>
+            </a:r>
+          </a:p>
+          <a:p>
+            <a:pPr lvl="2"/>
+            <a:r>
+              <a:rPr lang="en-IN" dirty="0">
+                <a:hlinkClick r:id="rId4"/>
+              </a:rPr>
+              <a:t>http://contoso.com/api/messages?version=2018-09</a:t>
+            </a:r>
+            <a:r>
+              <a:rPr lang="en-IN" dirty="0"/>
+              <a:t>  - Query string</a:t>
+            </a:r>
+          </a:p>
+          <a:p>
             <a:endParaRPr lang="en-IN" dirty="0"/>
+          </a:p>
+          <a:p>
+            <a:r>
+              <a:rPr lang="en-IN" dirty="0"/>
+              <a:t>Revision – Add features to the API without breaking the users experience</a:t>
+            </a:r>
+          </a:p>
+          <a:p>
+            <a:r>
+              <a:rPr lang="en-IN" dirty="0"/>
+              <a:t>Adding new methods, bug fixes etc can be done to existing API version</a:t>
+            </a:r>
           </a:p>
         </p:txBody>
       </p:sp>
     </p:spTree>
     <p:extLst>
       <p:ext uri="{BB962C8B-B14F-4D97-AF65-F5344CB8AC3E}">
-        <p14:creationId xmlns:p14="http://schemas.microsoft.com/office/powerpoint/2010/main" val="2587949962"/>
+        <p14:creationId xmlns:p14="http://schemas.microsoft.com/office/powerpoint/2010/main" val="2201165441"/>
       </p:ext>
     </p:extLst>
   </p:cSld>
@@ -15555,518 +16082,132 @@
       </p:grpSpPr>
       <p:sp>
         <p:nvSpPr>
-          <p:cNvPr id="4" name="Rectangle 3">
-            <a:extLst>
-              <a:ext uri="{FF2B5EF4-FFF2-40B4-BE49-F238E27FC236}">
-                <a16:creationId xmlns:a16="http://schemas.microsoft.com/office/drawing/2014/main" id="{28A2DDB5-59EE-4DD5-87F6-A6CBCFC824D3}"/>
-              </a:ext>
-            </a:extLst>
-          </p:cNvPr>
-          <p:cNvSpPr/>
-          <p:nvPr/>
-        </p:nvSpPr>
-        <p:spPr>
-          <a:xfrm>
-            <a:off x="7718323" y="1425677"/>
-            <a:ext cx="3913238" cy="570271"/>
-          </a:xfrm>
-          <a:prstGeom prst="rect">
-            <a:avLst/>
-          </a:prstGeom>
-        </p:spPr>
-        <p:style>
-          <a:lnRef idx="2">
-            <a:schemeClr val="accent1">
-              <a:shade val="50000"/>
-            </a:schemeClr>
-          </a:lnRef>
-          <a:fillRef idx="1">
-            <a:schemeClr val="accent1"/>
-          </a:fillRef>
-          <a:effectRef idx="0">
-            <a:schemeClr val="accent1"/>
-          </a:effectRef>
-          <a:fontRef idx="minor">
-            <a:schemeClr val="lt1"/>
-          </a:fontRef>
-        </p:style>
-        <p:txBody>
-          <a:bodyPr rtlCol="0" anchor="ctr"/>
-          <a:lstStyle/>
-          <a:p>
-            <a:pPr algn="ctr"/>
-            <a:r>
-              <a:rPr lang="en-IN" dirty="0"/>
-              <a:t>http://xyz.azurewebsites.net/api/data</a:t>
-            </a:r>
-          </a:p>
-        </p:txBody>
-      </p:sp>
-      <p:sp>
-        <p:nvSpPr>
-          <p:cNvPr id="5" name="Rectangle 4">
-            <a:extLst>
-              <a:ext uri="{FF2B5EF4-FFF2-40B4-BE49-F238E27FC236}">
-                <a16:creationId xmlns:a16="http://schemas.microsoft.com/office/drawing/2014/main" id="{8812C32E-7D7D-4A0E-9829-74749B962DB9}"/>
-              </a:ext>
-            </a:extLst>
-          </p:cNvPr>
-          <p:cNvSpPr/>
-          <p:nvPr/>
-        </p:nvSpPr>
-        <p:spPr>
-          <a:xfrm>
-            <a:off x="7718323" y="4114799"/>
-            <a:ext cx="3913238" cy="570271"/>
-          </a:xfrm>
-          <a:prstGeom prst="rect">
-            <a:avLst/>
-          </a:prstGeom>
-        </p:spPr>
-        <p:style>
-          <a:lnRef idx="2">
-            <a:schemeClr val="accent1">
-              <a:shade val="50000"/>
-            </a:schemeClr>
-          </a:lnRef>
-          <a:fillRef idx="1">
-            <a:schemeClr val="accent1"/>
-          </a:fillRef>
-          <a:effectRef idx="0">
-            <a:schemeClr val="accent1"/>
-          </a:effectRef>
-          <a:fontRef idx="minor">
-            <a:schemeClr val="lt1"/>
-          </a:fontRef>
-        </p:style>
-        <p:txBody>
-          <a:bodyPr rtlCol="0" anchor="ctr"/>
-          <a:lstStyle/>
-          <a:p>
-            <a:pPr algn="ctr"/>
-            <a:r>
-              <a:rPr lang="en-IN" dirty="0"/>
-              <a:t>http://abc.azurewebsites.net/api/info</a:t>
-            </a:r>
-          </a:p>
-        </p:txBody>
-      </p:sp>
-      <p:sp>
-        <p:nvSpPr>
-          <p:cNvPr id="6" name="Oval 5">
-            <a:extLst>
-              <a:ext uri="{FF2B5EF4-FFF2-40B4-BE49-F238E27FC236}">
-                <a16:creationId xmlns:a16="http://schemas.microsoft.com/office/drawing/2014/main" id="{FF55BF57-6CDE-4FF9-BE16-EDEEBF697E97}"/>
-              </a:ext>
-            </a:extLst>
-          </p:cNvPr>
-          <p:cNvSpPr/>
-          <p:nvPr/>
-        </p:nvSpPr>
-        <p:spPr>
-          <a:xfrm>
-            <a:off x="265471" y="2711245"/>
-            <a:ext cx="1327355" cy="1120877"/>
-          </a:xfrm>
-          <a:prstGeom prst="ellipse">
-            <a:avLst/>
-          </a:prstGeom>
-        </p:spPr>
-        <p:style>
-          <a:lnRef idx="2">
-            <a:schemeClr val="accent1">
-              <a:shade val="50000"/>
-            </a:schemeClr>
-          </a:lnRef>
-          <a:fillRef idx="1">
-            <a:schemeClr val="accent1"/>
-          </a:fillRef>
-          <a:effectRef idx="0">
-            <a:schemeClr val="accent1"/>
-          </a:effectRef>
-          <a:fontRef idx="minor">
-            <a:schemeClr val="lt1"/>
-          </a:fontRef>
-        </p:style>
-        <p:txBody>
-          <a:bodyPr rtlCol="0" anchor="ctr"/>
-          <a:lstStyle/>
-          <a:p>
-            <a:pPr algn="ctr"/>
-            <a:r>
-              <a:rPr lang="en-IN" dirty="0"/>
-              <a:t>Client</a:t>
-            </a:r>
-          </a:p>
-        </p:txBody>
-      </p:sp>
-      <p:sp>
-        <p:nvSpPr>
-          <p:cNvPr id="10" name="TextBox 9">
-            <a:extLst>
-              <a:ext uri="{FF2B5EF4-FFF2-40B4-BE49-F238E27FC236}">
-                <a16:creationId xmlns:a16="http://schemas.microsoft.com/office/drawing/2014/main" id="{6CD3682C-9032-439F-9AF9-0AB3956DD68B}"/>
-              </a:ext>
-            </a:extLst>
-          </p:cNvPr>
-          <p:cNvSpPr txBox="1"/>
-          <p:nvPr/>
-        </p:nvSpPr>
-        <p:spPr>
-          <a:xfrm>
-            <a:off x="698090" y="2222697"/>
-            <a:ext cx="4026310" cy="369332"/>
-          </a:xfrm>
-          <a:prstGeom prst="rect">
-            <a:avLst/>
-          </a:prstGeom>
-          <a:noFill/>
-        </p:spPr>
-        <p:txBody>
-          <a:bodyPr wrap="square" rtlCol="0">
-            <a:spAutoFit/>
-          </a:bodyPr>
-          <a:lstStyle/>
-          <a:p>
-            <a:r>
-              <a:rPr lang="en-IN" dirty="0"/>
-              <a:t>http://hex.azure-api.net/api/getall</a:t>
-            </a:r>
-          </a:p>
-        </p:txBody>
-      </p:sp>
-      <p:sp>
-        <p:nvSpPr>
-          <p:cNvPr id="14" name="Rectangle 13">
-            <a:extLst>
-              <a:ext uri="{FF2B5EF4-FFF2-40B4-BE49-F238E27FC236}">
-                <a16:creationId xmlns:a16="http://schemas.microsoft.com/office/drawing/2014/main" id="{DC286EA2-958F-443F-AEF6-8DD9FFF4F311}"/>
-              </a:ext>
-            </a:extLst>
-          </p:cNvPr>
-          <p:cNvSpPr/>
-          <p:nvPr/>
-        </p:nvSpPr>
-        <p:spPr>
-          <a:xfrm>
-            <a:off x="4119715" y="1283109"/>
-            <a:ext cx="1553497" cy="4050891"/>
-          </a:xfrm>
-          <a:prstGeom prst="rect">
-            <a:avLst/>
-          </a:prstGeom>
-        </p:spPr>
-        <p:style>
-          <a:lnRef idx="2">
-            <a:schemeClr val="accent1">
-              <a:shade val="50000"/>
-            </a:schemeClr>
-          </a:lnRef>
-          <a:fillRef idx="1">
-            <a:schemeClr val="accent1"/>
-          </a:fillRef>
-          <a:effectRef idx="0">
-            <a:schemeClr val="accent1"/>
-          </a:effectRef>
-          <a:fontRef idx="minor">
-            <a:schemeClr val="lt1"/>
-          </a:fontRef>
-        </p:style>
-        <p:txBody>
-          <a:bodyPr rtlCol="0" anchor="ctr"/>
-          <a:lstStyle/>
-          <a:p>
-            <a:pPr algn="ctr"/>
-            <a:r>
-              <a:rPr lang="en-IN" dirty="0"/>
-              <a:t>Gateway</a:t>
-            </a:r>
-          </a:p>
-        </p:txBody>
-      </p:sp>
-      <p:cxnSp>
-        <p:nvCxnSpPr>
-          <p:cNvPr id="16" name="Straight Arrow Connector 15">
-            <a:extLst>
-              <a:ext uri="{FF2B5EF4-FFF2-40B4-BE49-F238E27FC236}">
-                <a16:creationId xmlns:a16="http://schemas.microsoft.com/office/drawing/2014/main" id="{5AA1754D-ADFE-44C6-8F61-062E5359FC7B}"/>
-              </a:ext>
-            </a:extLst>
-          </p:cNvPr>
-          <p:cNvCxnSpPr>
-            <a:stCxn id="6" idx="6"/>
-            <a:endCxn id="14" idx="1"/>
-          </p:cNvCxnSpPr>
-          <p:nvPr/>
-        </p:nvCxnSpPr>
-        <p:spPr>
-          <a:xfrm>
-            <a:off x="1592826" y="3271684"/>
-            <a:ext cx="2526889" cy="36871"/>
-          </a:xfrm>
-          <a:prstGeom prst="straightConnector1">
-            <a:avLst/>
-          </a:prstGeom>
-          <a:ln>
-            <a:tailEnd type="triangle"/>
-          </a:ln>
-        </p:spPr>
-        <p:style>
-          <a:lnRef idx="1">
-            <a:schemeClr val="accent1"/>
-          </a:lnRef>
-          <a:fillRef idx="0">
-            <a:schemeClr val="accent1"/>
-          </a:fillRef>
-          <a:effectRef idx="0">
-            <a:schemeClr val="accent1"/>
-          </a:effectRef>
-          <a:fontRef idx="minor">
-            <a:schemeClr val="tx1"/>
-          </a:fontRef>
-        </p:style>
-      </p:cxnSp>
-      <p:cxnSp>
-        <p:nvCxnSpPr>
-          <p:cNvPr id="20" name="Straight Arrow Connector 19">
-            <a:extLst>
-              <a:ext uri="{FF2B5EF4-FFF2-40B4-BE49-F238E27FC236}">
-                <a16:creationId xmlns:a16="http://schemas.microsoft.com/office/drawing/2014/main" id="{1B1BD2D6-D96C-48EF-8948-2F9EB2FF1CF5}"/>
-              </a:ext>
-            </a:extLst>
-          </p:cNvPr>
-          <p:cNvCxnSpPr>
-            <a:stCxn id="14" idx="3"/>
-            <a:endCxn id="4" idx="1"/>
-          </p:cNvCxnSpPr>
-          <p:nvPr/>
-        </p:nvCxnSpPr>
-        <p:spPr>
-          <a:xfrm flipV="1">
-            <a:off x="5673212" y="1710813"/>
-            <a:ext cx="2045111" cy="1597742"/>
-          </a:xfrm>
-          <a:prstGeom prst="straightConnector1">
-            <a:avLst/>
-          </a:prstGeom>
-          <a:ln>
-            <a:tailEnd type="triangle"/>
-          </a:ln>
-        </p:spPr>
-        <p:style>
-          <a:lnRef idx="1">
-            <a:schemeClr val="accent1"/>
-          </a:lnRef>
-          <a:fillRef idx="0">
-            <a:schemeClr val="accent1"/>
-          </a:fillRef>
-          <a:effectRef idx="0">
-            <a:schemeClr val="accent1"/>
-          </a:effectRef>
-          <a:fontRef idx="minor">
-            <a:schemeClr val="tx1"/>
-          </a:fontRef>
-        </p:style>
-      </p:cxnSp>
-      <p:cxnSp>
-        <p:nvCxnSpPr>
-          <p:cNvPr id="22" name="Straight Arrow Connector 21">
-            <a:extLst>
-              <a:ext uri="{FF2B5EF4-FFF2-40B4-BE49-F238E27FC236}">
-                <a16:creationId xmlns:a16="http://schemas.microsoft.com/office/drawing/2014/main" id="{D07D6DB5-F3B9-4838-84F2-5C23B745BC53}"/>
-              </a:ext>
-            </a:extLst>
-          </p:cNvPr>
-          <p:cNvCxnSpPr>
-            <a:stCxn id="14" idx="3"/>
-            <a:endCxn id="5" idx="1"/>
-          </p:cNvCxnSpPr>
-          <p:nvPr/>
-        </p:nvCxnSpPr>
-        <p:spPr>
-          <a:xfrm>
-            <a:off x="5673212" y="3308555"/>
-            <a:ext cx="2045111" cy="1091380"/>
-          </a:xfrm>
-          <a:prstGeom prst="straightConnector1">
-            <a:avLst/>
-          </a:prstGeom>
-          <a:ln>
-            <a:tailEnd type="triangle"/>
-          </a:ln>
-        </p:spPr>
-        <p:style>
-          <a:lnRef idx="1">
-            <a:schemeClr val="accent1"/>
-          </a:lnRef>
-          <a:fillRef idx="0">
-            <a:schemeClr val="accent1"/>
-          </a:fillRef>
-          <a:effectRef idx="0">
-            <a:schemeClr val="accent1"/>
-          </a:effectRef>
-          <a:fontRef idx="minor">
-            <a:schemeClr val="tx1"/>
-          </a:fontRef>
-        </p:style>
-      </p:cxnSp>
-      <p:sp>
-        <p:nvSpPr>
-          <p:cNvPr id="23" name="Rectangle: Rounded Corners 22">
-            <a:extLst>
-              <a:ext uri="{FF2B5EF4-FFF2-40B4-BE49-F238E27FC236}">
-                <a16:creationId xmlns:a16="http://schemas.microsoft.com/office/drawing/2014/main" id="{877D7EBD-DF49-48AE-BFFB-2F90C6E89198}"/>
-              </a:ext>
-            </a:extLst>
-          </p:cNvPr>
-          <p:cNvSpPr/>
-          <p:nvPr/>
-        </p:nvSpPr>
-        <p:spPr>
-          <a:xfrm>
-            <a:off x="6027174" y="2104103"/>
-            <a:ext cx="875071" cy="334297"/>
-          </a:xfrm>
-          <a:prstGeom prst="roundRect">
-            <a:avLst/>
-          </a:prstGeom>
-        </p:spPr>
-        <p:style>
-          <a:lnRef idx="2">
-            <a:schemeClr val="accent1">
-              <a:shade val="50000"/>
-            </a:schemeClr>
-          </a:lnRef>
-          <a:fillRef idx="1">
-            <a:schemeClr val="accent1"/>
-          </a:fillRef>
-          <a:effectRef idx="0">
-            <a:schemeClr val="accent1"/>
-          </a:effectRef>
-          <a:fontRef idx="minor">
-            <a:schemeClr val="lt1"/>
-          </a:fontRef>
-        </p:style>
-        <p:txBody>
-          <a:bodyPr rtlCol="0" anchor="ctr"/>
-          <a:lstStyle/>
-          <a:p>
-            <a:pPr algn="ctr"/>
-            <a:r>
-              <a:rPr lang="en-IN" dirty="0"/>
-              <a:t>Data</a:t>
-            </a:r>
-          </a:p>
-        </p:txBody>
-      </p:sp>
-      <p:sp>
-        <p:nvSpPr>
-          <p:cNvPr id="24" name="Rectangle: Rounded Corners 23">
-            <a:extLst>
-              <a:ext uri="{FF2B5EF4-FFF2-40B4-BE49-F238E27FC236}">
-                <a16:creationId xmlns:a16="http://schemas.microsoft.com/office/drawing/2014/main" id="{44DAD0C1-2B89-4CA2-B9E2-A07EF22D7BE6}"/>
-              </a:ext>
-            </a:extLst>
-          </p:cNvPr>
-          <p:cNvSpPr/>
-          <p:nvPr/>
-        </p:nvSpPr>
-        <p:spPr>
-          <a:xfrm>
-            <a:off x="6179574" y="3569110"/>
-            <a:ext cx="875071" cy="334297"/>
-          </a:xfrm>
-          <a:prstGeom prst="roundRect">
-            <a:avLst/>
-          </a:prstGeom>
-        </p:spPr>
-        <p:style>
-          <a:lnRef idx="2">
-            <a:schemeClr val="accent1">
-              <a:shade val="50000"/>
-            </a:schemeClr>
-          </a:lnRef>
-          <a:fillRef idx="1">
-            <a:schemeClr val="accent1"/>
-          </a:fillRef>
-          <a:effectRef idx="0">
-            <a:schemeClr val="accent1"/>
-          </a:effectRef>
-          <a:fontRef idx="minor">
-            <a:schemeClr val="lt1"/>
-          </a:fontRef>
-        </p:style>
-        <p:txBody>
-          <a:bodyPr rtlCol="0" anchor="ctr"/>
-          <a:lstStyle/>
-          <a:p>
-            <a:pPr algn="ctr"/>
-            <a:r>
-              <a:rPr lang="en-IN" dirty="0"/>
-              <a:t>Info</a:t>
-            </a:r>
-          </a:p>
-        </p:txBody>
-      </p:sp>
-      <p:sp>
-        <p:nvSpPr>
-          <p:cNvPr id="7" name="Rectangle: Rounded Corners 6">
-            <a:extLst>
-              <a:ext uri="{FF2B5EF4-FFF2-40B4-BE49-F238E27FC236}">
-                <a16:creationId xmlns:a16="http://schemas.microsoft.com/office/drawing/2014/main" id="{A314EC4E-0FCB-4275-8136-6E2CC8E4183F}"/>
-              </a:ext>
-            </a:extLst>
-          </p:cNvPr>
-          <p:cNvSpPr/>
-          <p:nvPr/>
-        </p:nvSpPr>
-        <p:spPr>
-          <a:xfrm>
-            <a:off x="4119715" y="3549445"/>
-            <a:ext cx="1553498" cy="565354"/>
-          </a:xfrm>
-          <a:prstGeom prst="roundRect">
-            <a:avLst/>
-          </a:prstGeom>
-          <a:solidFill>
-            <a:schemeClr val="accent6">
-              <a:lumMod val="60000"/>
-              <a:lumOff val="40000"/>
-            </a:schemeClr>
-          </a:solidFill>
-        </p:spPr>
-        <p:style>
-          <a:lnRef idx="2">
-            <a:schemeClr val="accent1">
-              <a:shade val="50000"/>
-            </a:schemeClr>
-          </a:lnRef>
-          <a:fillRef idx="1">
-            <a:schemeClr val="accent1"/>
-          </a:fillRef>
-          <a:effectRef idx="0">
-            <a:schemeClr val="accent1"/>
-          </a:effectRef>
-          <a:fontRef idx="minor">
-            <a:schemeClr val="lt1"/>
-          </a:fontRef>
-        </p:style>
-        <p:txBody>
-          <a:bodyPr rtlCol="0" anchor="ctr"/>
-          <a:lstStyle/>
-          <a:p>
-            <a:pPr algn="ctr"/>
-            <a:r>
-              <a:rPr lang="en-IN" dirty="0"/>
-              <a:t>Data + Info</a:t>
-            </a:r>
+          <p:cNvPr id="2" name="Title 1">
+            <a:extLst>
+              <a:ext uri="{FF2B5EF4-FFF2-40B4-BE49-F238E27FC236}">
+                <a16:creationId xmlns:a16="http://schemas.microsoft.com/office/drawing/2014/main" id="{C7A0D6D7-84F2-4A3A-9BA9-42AEE5E36F2F}"/>
+              </a:ext>
+            </a:extLst>
+          </p:cNvPr>
+          <p:cNvSpPr>
+            <a:spLocks noGrp="1"/>
+          </p:cNvSpPr>
+          <p:nvPr>
+            <p:ph type="title"/>
+          </p:nvPr>
+        </p:nvSpPr>
+        <p:spPr/>
+        <p:txBody>
+          <a:bodyPr/>
+          <a:lstStyle/>
+          <a:p>
+            <a:r>
+              <a:rPr lang="en-IN" dirty="0"/>
+              <a:t>Policies</a:t>
+            </a:r>
+          </a:p>
+        </p:txBody>
+      </p:sp>
+      <p:sp>
+        <p:nvSpPr>
+          <p:cNvPr id="3" name="Content Placeholder 2">
+            <a:extLst>
+              <a:ext uri="{FF2B5EF4-FFF2-40B4-BE49-F238E27FC236}">
+                <a16:creationId xmlns:a16="http://schemas.microsoft.com/office/drawing/2014/main" id="{854D9EBA-C992-4CA3-BA7D-64FB548E8543}"/>
+              </a:ext>
+            </a:extLst>
+          </p:cNvPr>
+          <p:cNvSpPr>
+            <a:spLocks noGrp="1"/>
+          </p:cNvSpPr>
+          <p:nvPr>
+            <p:ph idx="1"/>
+          </p:nvPr>
+        </p:nvSpPr>
+        <p:spPr/>
+        <p:txBody>
+          <a:bodyPr/>
+          <a:lstStyle/>
+          <a:p>
+            <a:r>
+              <a:rPr lang="en-IN" dirty="0"/>
+              <a:t>Rules and configuration that is applied to Incoming request or outgoing response.</a:t>
+            </a:r>
+          </a:p>
+          <a:p>
+            <a:pPr lvl="1"/>
+            <a:r>
+              <a:rPr lang="en-IN" dirty="0"/>
+              <a:t>CORS – Inbound policy</a:t>
+            </a:r>
+          </a:p>
+          <a:p>
+            <a:pPr lvl="1"/>
+            <a:r>
+              <a:rPr lang="en-IN" dirty="0"/>
+              <a:t>IP restriction – Inbound policy</a:t>
+            </a:r>
+          </a:p>
+          <a:p>
+            <a:pPr lvl="1"/>
+            <a:r>
+              <a:rPr lang="en-IN" dirty="0"/>
+              <a:t>Rate limiting – Inbound policy</a:t>
+            </a:r>
+          </a:p>
+          <a:p>
+            <a:pPr lvl="1"/>
+            <a:r>
+              <a:rPr lang="en-IN" dirty="0"/>
+              <a:t>Mock response- Inbound policy</a:t>
+            </a:r>
+          </a:p>
+          <a:p>
+            <a:pPr lvl="1"/>
+            <a:r>
+              <a:rPr lang="en-IN" dirty="0"/>
+              <a:t>JSON to XML – Outbound policy</a:t>
+            </a:r>
+          </a:p>
+          <a:p>
+            <a:pPr lvl="1"/>
+            <a:r>
+              <a:rPr lang="en-IN" dirty="0"/>
+              <a:t>Set Header – Outbound policy</a:t>
+            </a:r>
+          </a:p>
+          <a:p>
+            <a:pPr lvl="1"/>
+            <a:r>
+              <a:rPr lang="en-IN" dirty="0"/>
+              <a:t>Find and replace string – Outbound policy</a:t>
+            </a:r>
+          </a:p>
+          <a:p>
+            <a:pPr lvl="1"/>
+            <a:r>
+              <a:rPr lang="en-IN" dirty="0"/>
+              <a:t>Combine response from multiple backend </a:t>
+            </a:r>
+            <a:r>
+              <a:rPr lang="en-IN" dirty="0" err="1"/>
+              <a:t>apis</a:t>
+            </a:r>
+            <a:r>
+              <a:rPr lang="en-IN" dirty="0"/>
+              <a:t> – backend policy</a:t>
+            </a:r>
+          </a:p>
+          <a:p>
+            <a:pPr lvl="1"/>
+            <a:endParaRPr lang="en-IN" dirty="0"/>
           </a:p>
         </p:txBody>
       </p:sp>
     </p:spTree>
     <p:extLst>
       <p:ext uri="{BB962C8B-B14F-4D97-AF65-F5344CB8AC3E}">
-        <p14:creationId xmlns:p14="http://schemas.microsoft.com/office/powerpoint/2010/main" val="4131109914"/>
+        <p14:creationId xmlns:p14="http://schemas.microsoft.com/office/powerpoint/2010/main" val="2587949962"/>
       </p:ext>
     </p:extLst>
   </p:cSld>
@@ -16095,61 +16236,518 @@
       </p:grpSpPr>
       <p:sp>
         <p:nvSpPr>
-          <p:cNvPr id="4" name="Title 3">
-            <a:extLst>
-              <a:ext uri="{FF2B5EF4-FFF2-40B4-BE49-F238E27FC236}">
-                <a16:creationId xmlns:a16="http://schemas.microsoft.com/office/drawing/2014/main" id="{F25AE1B3-11DC-4F61-B81F-00E98C18AAE4}"/>
-              </a:ext>
-            </a:extLst>
-          </p:cNvPr>
-          <p:cNvSpPr>
-            <a:spLocks noGrp="1"/>
-          </p:cNvSpPr>
-          <p:nvPr>
-            <p:ph type="title"/>
-          </p:nvPr>
-        </p:nvSpPr>
-        <p:spPr/>
-        <p:txBody>
-          <a:bodyPr/>
-          <a:lstStyle/>
-          <a:p>
-            <a:r>
-              <a:rPr lang="en-IN" dirty="0"/>
-              <a:t>Logic Apps</a:t>
-            </a:r>
-          </a:p>
-        </p:txBody>
-      </p:sp>
-      <p:sp>
-        <p:nvSpPr>
-          <p:cNvPr id="5" name="Text Placeholder 4">
-            <a:extLst>
-              <a:ext uri="{FF2B5EF4-FFF2-40B4-BE49-F238E27FC236}">
-                <a16:creationId xmlns:a16="http://schemas.microsoft.com/office/drawing/2014/main" id="{5A50C317-A689-4284-B955-6934F82B297E}"/>
-              </a:ext>
-            </a:extLst>
-          </p:cNvPr>
-          <p:cNvSpPr>
-            <a:spLocks noGrp="1"/>
-          </p:cNvSpPr>
-          <p:nvPr>
-            <p:ph type="body" idx="1"/>
-          </p:nvPr>
-        </p:nvSpPr>
-        <p:spPr/>
-        <p:txBody>
-          <a:bodyPr/>
-          <a:lstStyle/>
-          <a:p>
-            <a:endParaRPr lang="en-IN"/>
+          <p:cNvPr id="4" name="Rectangle 3">
+            <a:extLst>
+              <a:ext uri="{FF2B5EF4-FFF2-40B4-BE49-F238E27FC236}">
+                <a16:creationId xmlns:a16="http://schemas.microsoft.com/office/drawing/2014/main" id="{28A2DDB5-59EE-4DD5-87F6-A6CBCFC824D3}"/>
+              </a:ext>
+            </a:extLst>
+          </p:cNvPr>
+          <p:cNvSpPr/>
+          <p:nvPr/>
+        </p:nvSpPr>
+        <p:spPr>
+          <a:xfrm>
+            <a:off x="7718323" y="1425677"/>
+            <a:ext cx="3913238" cy="570271"/>
+          </a:xfrm>
+          <a:prstGeom prst="rect">
+            <a:avLst/>
+          </a:prstGeom>
+        </p:spPr>
+        <p:style>
+          <a:lnRef idx="2">
+            <a:schemeClr val="accent1">
+              <a:shade val="50000"/>
+            </a:schemeClr>
+          </a:lnRef>
+          <a:fillRef idx="1">
+            <a:schemeClr val="accent1"/>
+          </a:fillRef>
+          <a:effectRef idx="0">
+            <a:schemeClr val="accent1"/>
+          </a:effectRef>
+          <a:fontRef idx="minor">
+            <a:schemeClr val="lt1"/>
+          </a:fontRef>
+        </p:style>
+        <p:txBody>
+          <a:bodyPr rtlCol="0" anchor="ctr"/>
+          <a:lstStyle/>
+          <a:p>
+            <a:pPr algn="ctr"/>
+            <a:r>
+              <a:rPr lang="en-IN" dirty="0"/>
+              <a:t>http://xyz.azurewebsites.net/api/data</a:t>
+            </a:r>
+          </a:p>
+        </p:txBody>
+      </p:sp>
+      <p:sp>
+        <p:nvSpPr>
+          <p:cNvPr id="5" name="Rectangle 4">
+            <a:extLst>
+              <a:ext uri="{FF2B5EF4-FFF2-40B4-BE49-F238E27FC236}">
+                <a16:creationId xmlns:a16="http://schemas.microsoft.com/office/drawing/2014/main" id="{8812C32E-7D7D-4A0E-9829-74749B962DB9}"/>
+              </a:ext>
+            </a:extLst>
+          </p:cNvPr>
+          <p:cNvSpPr/>
+          <p:nvPr/>
+        </p:nvSpPr>
+        <p:spPr>
+          <a:xfrm>
+            <a:off x="7718323" y="4114799"/>
+            <a:ext cx="3913238" cy="570271"/>
+          </a:xfrm>
+          <a:prstGeom prst="rect">
+            <a:avLst/>
+          </a:prstGeom>
+        </p:spPr>
+        <p:style>
+          <a:lnRef idx="2">
+            <a:schemeClr val="accent1">
+              <a:shade val="50000"/>
+            </a:schemeClr>
+          </a:lnRef>
+          <a:fillRef idx="1">
+            <a:schemeClr val="accent1"/>
+          </a:fillRef>
+          <a:effectRef idx="0">
+            <a:schemeClr val="accent1"/>
+          </a:effectRef>
+          <a:fontRef idx="minor">
+            <a:schemeClr val="lt1"/>
+          </a:fontRef>
+        </p:style>
+        <p:txBody>
+          <a:bodyPr rtlCol="0" anchor="ctr"/>
+          <a:lstStyle/>
+          <a:p>
+            <a:pPr algn="ctr"/>
+            <a:r>
+              <a:rPr lang="en-IN" dirty="0"/>
+              <a:t>http://abc.azurewebsites.net/api/info</a:t>
+            </a:r>
+          </a:p>
+        </p:txBody>
+      </p:sp>
+      <p:sp>
+        <p:nvSpPr>
+          <p:cNvPr id="6" name="Oval 5">
+            <a:extLst>
+              <a:ext uri="{FF2B5EF4-FFF2-40B4-BE49-F238E27FC236}">
+                <a16:creationId xmlns:a16="http://schemas.microsoft.com/office/drawing/2014/main" id="{FF55BF57-6CDE-4FF9-BE16-EDEEBF697E97}"/>
+              </a:ext>
+            </a:extLst>
+          </p:cNvPr>
+          <p:cNvSpPr/>
+          <p:nvPr/>
+        </p:nvSpPr>
+        <p:spPr>
+          <a:xfrm>
+            <a:off x="265471" y="2711245"/>
+            <a:ext cx="1327355" cy="1120877"/>
+          </a:xfrm>
+          <a:prstGeom prst="ellipse">
+            <a:avLst/>
+          </a:prstGeom>
+        </p:spPr>
+        <p:style>
+          <a:lnRef idx="2">
+            <a:schemeClr val="accent1">
+              <a:shade val="50000"/>
+            </a:schemeClr>
+          </a:lnRef>
+          <a:fillRef idx="1">
+            <a:schemeClr val="accent1"/>
+          </a:fillRef>
+          <a:effectRef idx="0">
+            <a:schemeClr val="accent1"/>
+          </a:effectRef>
+          <a:fontRef idx="minor">
+            <a:schemeClr val="lt1"/>
+          </a:fontRef>
+        </p:style>
+        <p:txBody>
+          <a:bodyPr rtlCol="0" anchor="ctr"/>
+          <a:lstStyle/>
+          <a:p>
+            <a:pPr algn="ctr"/>
+            <a:r>
+              <a:rPr lang="en-IN" dirty="0"/>
+              <a:t>Client</a:t>
+            </a:r>
+          </a:p>
+        </p:txBody>
+      </p:sp>
+      <p:sp>
+        <p:nvSpPr>
+          <p:cNvPr id="10" name="TextBox 9">
+            <a:extLst>
+              <a:ext uri="{FF2B5EF4-FFF2-40B4-BE49-F238E27FC236}">
+                <a16:creationId xmlns:a16="http://schemas.microsoft.com/office/drawing/2014/main" id="{6CD3682C-9032-439F-9AF9-0AB3956DD68B}"/>
+              </a:ext>
+            </a:extLst>
+          </p:cNvPr>
+          <p:cNvSpPr txBox="1"/>
+          <p:nvPr/>
+        </p:nvSpPr>
+        <p:spPr>
+          <a:xfrm>
+            <a:off x="698090" y="2222697"/>
+            <a:ext cx="4026310" cy="369332"/>
+          </a:xfrm>
+          <a:prstGeom prst="rect">
+            <a:avLst/>
+          </a:prstGeom>
+          <a:noFill/>
+        </p:spPr>
+        <p:txBody>
+          <a:bodyPr wrap="square" rtlCol="0">
+            <a:spAutoFit/>
+          </a:bodyPr>
+          <a:lstStyle/>
+          <a:p>
+            <a:r>
+              <a:rPr lang="en-IN" dirty="0"/>
+              <a:t>http://hex.azure-api.net/api/getall</a:t>
+            </a:r>
+          </a:p>
+        </p:txBody>
+      </p:sp>
+      <p:sp>
+        <p:nvSpPr>
+          <p:cNvPr id="14" name="Rectangle 13">
+            <a:extLst>
+              <a:ext uri="{FF2B5EF4-FFF2-40B4-BE49-F238E27FC236}">
+                <a16:creationId xmlns:a16="http://schemas.microsoft.com/office/drawing/2014/main" id="{DC286EA2-958F-443F-AEF6-8DD9FFF4F311}"/>
+              </a:ext>
+            </a:extLst>
+          </p:cNvPr>
+          <p:cNvSpPr/>
+          <p:nvPr/>
+        </p:nvSpPr>
+        <p:spPr>
+          <a:xfrm>
+            <a:off x="4119715" y="1283109"/>
+            <a:ext cx="1553497" cy="4050891"/>
+          </a:xfrm>
+          <a:prstGeom prst="rect">
+            <a:avLst/>
+          </a:prstGeom>
+        </p:spPr>
+        <p:style>
+          <a:lnRef idx="2">
+            <a:schemeClr val="accent1">
+              <a:shade val="50000"/>
+            </a:schemeClr>
+          </a:lnRef>
+          <a:fillRef idx="1">
+            <a:schemeClr val="accent1"/>
+          </a:fillRef>
+          <a:effectRef idx="0">
+            <a:schemeClr val="accent1"/>
+          </a:effectRef>
+          <a:fontRef idx="minor">
+            <a:schemeClr val="lt1"/>
+          </a:fontRef>
+        </p:style>
+        <p:txBody>
+          <a:bodyPr rtlCol="0" anchor="ctr"/>
+          <a:lstStyle/>
+          <a:p>
+            <a:pPr algn="ctr"/>
+            <a:r>
+              <a:rPr lang="en-IN" dirty="0"/>
+              <a:t>Gateway</a:t>
+            </a:r>
+          </a:p>
+        </p:txBody>
+      </p:sp>
+      <p:cxnSp>
+        <p:nvCxnSpPr>
+          <p:cNvPr id="16" name="Straight Arrow Connector 15">
+            <a:extLst>
+              <a:ext uri="{FF2B5EF4-FFF2-40B4-BE49-F238E27FC236}">
+                <a16:creationId xmlns:a16="http://schemas.microsoft.com/office/drawing/2014/main" id="{5AA1754D-ADFE-44C6-8F61-062E5359FC7B}"/>
+              </a:ext>
+            </a:extLst>
+          </p:cNvPr>
+          <p:cNvCxnSpPr>
+            <a:stCxn id="6" idx="6"/>
+            <a:endCxn id="14" idx="1"/>
+          </p:cNvCxnSpPr>
+          <p:nvPr/>
+        </p:nvCxnSpPr>
+        <p:spPr>
+          <a:xfrm>
+            <a:off x="1592826" y="3271684"/>
+            <a:ext cx="2526889" cy="36871"/>
+          </a:xfrm>
+          <a:prstGeom prst="straightConnector1">
+            <a:avLst/>
+          </a:prstGeom>
+          <a:ln>
+            <a:tailEnd type="triangle"/>
+          </a:ln>
+        </p:spPr>
+        <p:style>
+          <a:lnRef idx="1">
+            <a:schemeClr val="accent1"/>
+          </a:lnRef>
+          <a:fillRef idx="0">
+            <a:schemeClr val="accent1"/>
+          </a:fillRef>
+          <a:effectRef idx="0">
+            <a:schemeClr val="accent1"/>
+          </a:effectRef>
+          <a:fontRef idx="minor">
+            <a:schemeClr val="tx1"/>
+          </a:fontRef>
+        </p:style>
+      </p:cxnSp>
+      <p:cxnSp>
+        <p:nvCxnSpPr>
+          <p:cNvPr id="20" name="Straight Arrow Connector 19">
+            <a:extLst>
+              <a:ext uri="{FF2B5EF4-FFF2-40B4-BE49-F238E27FC236}">
+                <a16:creationId xmlns:a16="http://schemas.microsoft.com/office/drawing/2014/main" id="{1B1BD2D6-D96C-48EF-8948-2F9EB2FF1CF5}"/>
+              </a:ext>
+            </a:extLst>
+          </p:cNvPr>
+          <p:cNvCxnSpPr>
+            <a:stCxn id="14" idx="3"/>
+            <a:endCxn id="4" idx="1"/>
+          </p:cNvCxnSpPr>
+          <p:nvPr/>
+        </p:nvCxnSpPr>
+        <p:spPr>
+          <a:xfrm flipV="1">
+            <a:off x="5673212" y="1710813"/>
+            <a:ext cx="2045111" cy="1597742"/>
+          </a:xfrm>
+          <a:prstGeom prst="straightConnector1">
+            <a:avLst/>
+          </a:prstGeom>
+          <a:ln>
+            <a:tailEnd type="triangle"/>
+          </a:ln>
+        </p:spPr>
+        <p:style>
+          <a:lnRef idx="1">
+            <a:schemeClr val="accent1"/>
+          </a:lnRef>
+          <a:fillRef idx="0">
+            <a:schemeClr val="accent1"/>
+          </a:fillRef>
+          <a:effectRef idx="0">
+            <a:schemeClr val="accent1"/>
+          </a:effectRef>
+          <a:fontRef idx="minor">
+            <a:schemeClr val="tx1"/>
+          </a:fontRef>
+        </p:style>
+      </p:cxnSp>
+      <p:cxnSp>
+        <p:nvCxnSpPr>
+          <p:cNvPr id="22" name="Straight Arrow Connector 21">
+            <a:extLst>
+              <a:ext uri="{FF2B5EF4-FFF2-40B4-BE49-F238E27FC236}">
+                <a16:creationId xmlns:a16="http://schemas.microsoft.com/office/drawing/2014/main" id="{D07D6DB5-F3B9-4838-84F2-5C23B745BC53}"/>
+              </a:ext>
+            </a:extLst>
+          </p:cNvPr>
+          <p:cNvCxnSpPr>
+            <a:stCxn id="14" idx="3"/>
+            <a:endCxn id="5" idx="1"/>
+          </p:cNvCxnSpPr>
+          <p:nvPr/>
+        </p:nvCxnSpPr>
+        <p:spPr>
+          <a:xfrm>
+            <a:off x="5673212" y="3308555"/>
+            <a:ext cx="2045111" cy="1091380"/>
+          </a:xfrm>
+          <a:prstGeom prst="straightConnector1">
+            <a:avLst/>
+          </a:prstGeom>
+          <a:ln>
+            <a:tailEnd type="triangle"/>
+          </a:ln>
+        </p:spPr>
+        <p:style>
+          <a:lnRef idx="1">
+            <a:schemeClr val="accent1"/>
+          </a:lnRef>
+          <a:fillRef idx="0">
+            <a:schemeClr val="accent1"/>
+          </a:fillRef>
+          <a:effectRef idx="0">
+            <a:schemeClr val="accent1"/>
+          </a:effectRef>
+          <a:fontRef idx="minor">
+            <a:schemeClr val="tx1"/>
+          </a:fontRef>
+        </p:style>
+      </p:cxnSp>
+      <p:sp>
+        <p:nvSpPr>
+          <p:cNvPr id="23" name="Rectangle: Rounded Corners 22">
+            <a:extLst>
+              <a:ext uri="{FF2B5EF4-FFF2-40B4-BE49-F238E27FC236}">
+                <a16:creationId xmlns:a16="http://schemas.microsoft.com/office/drawing/2014/main" id="{877D7EBD-DF49-48AE-BFFB-2F90C6E89198}"/>
+              </a:ext>
+            </a:extLst>
+          </p:cNvPr>
+          <p:cNvSpPr/>
+          <p:nvPr/>
+        </p:nvSpPr>
+        <p:spPr>
+          <a:xfrm>
+            <a:off x="6027174" y="2104103"/>
+            <a:ext cx="875071" cy="334297"/>
+          </a:xfrm>
+          <a:prstGeom prst="roundRect">
+            <a:avLst/>
+          </a:prstGeom>
+        </p:spPr>
+        <p:style>
+          <a:lnRef idx="2">
+            <a:schemeClr val="accent1">
+              <a:shade val="50000"/>
+            </a:schemeClr>
+          </a:lnRef>
+          <a:fillRef idx="1">
+            <a:schemeClr val="accent1"/>
+          </a:fillRef>
+          <a:effectRef idx="0">
+            <a:schemeClr val="accent1"/>
+          </a:effectRef>
+          <a:fontRef idx="minor">
+            <a:schemeClr val="lt1"/>
+          </a:fontRef>
+        </p:style>
+        <p:txBody>
+          <a:bodyPr rtlCol="0" anchor="ctr"/>
+          <a:lstStyle/>
+          <a:p>
+            <a:pPr algn="ctr"/>
+            <a:r>
+              <a:rPr lang="en-IN" dirty="0"/>
+              <a:t>Data</a:t>
+            </a:r>
+          </a:p>
+        </p:txBody>
+      </p:sp>
+      <p:sp>
+        <p:nvSpPr>
+          <p:cNvPr id="24" name="Rectangle: Rounded Corners 23">
+            <a:extLst>
+              <a:ext uri="{FF2B5EF4-FFF2-40B4-BE49-F238E27FC236}">
+                <a16:creationId xmlns:a16="http://schemas.microsoft.com/office/drawing/2014/main" id="{44DAD0C1-2B89-4CA2-B9E2-A07EF22D7BE6}"/>
+              </a:ext>
+            </a:extLst>
+          </p:cNvPr>
+          <p:cNvSpPr/>
+          <p:nvPr/>
+        </p:nvSpPr>
+        <p:spPr>
+          <a:xfrm>
+            <a:off x="6179574" y="3569110"/>
+            <a:ext cx="875071" cy="334297"/>
+          </a:xfrm>
+          <a:prstGeom prst="roundRect">
+            <a:avLst/>
+          </a:prstGeom>
+        </p:spPr>
+        <p:style>
+          <a:lnRef idx="2">
+            <a:schemeClr val="accent1">
+              <a:shade val="50000"/>
+            </a:schemeClr>
+          </a:lnRef>
+          <a:fillRef idx="1">
+            <a:schemeClr val="accent1"/>
+          </a:fillRef>
+          <a:effectRef idx="0">
+            <a:schemeClr val="accent1"/>
+          </a:effectRef>
+          <a:fontRef idx="minor">
+            <a:schemeClr val="lt1"/>
+          </a:fontRef>
+        </p:style>
+        <p:txBody>
+          <a:bodyPr rtlCol="0" anchor="ctr"/>
+          <a:lstStyle/>
+          <a:p>
+            <a:pPr algn="ctr"/>
+            <a:r>
+              <a:rPr lang="en-IN" dirty="0"/>
+              <a:t>Info</a:t>
+            </a:r>
+          </a:p>
+        </p:txBody>
+      </p:sp>
+      <p:sp>
+        <p:nvSpPr>
+          <p:cNvPr id="7" name="Rectangle: Rounded Corners 6">
+            <a:extLst>
+              <a:ext uri="{FF2B5EF4-FFF2-40B4-BE49-F238E27FC236}">
+                <a16:creationId xmlns:a16="http://schemas.microsoft.com/office/drawing/2014/main" id="{A314EC4E-0FCB-4275-8136-6E2CC8E4183F}"/>
+              </a:ext>
+            </a:extLst>
+          </p:cNvPr>
+          <p:cNvSpPr/>
+          <p:nvPr/>
+        </p:nvSpPr>
+        <p:spPr>
+          <a:xfrm>
+            <a:off x="4119715" y="3549445"/>
+            <a:ext cx="1553498" cy="565354"/>
+          </a:xfrm>
+          <a:prstGeom prst="roundRect">
+            <a:avLst/>
+          </a:prstGeom>
+          <a:solidFill>
+            <a:schemeClr val="accent6">
+              <a:lumMod val="60000"/>
+              <a:lumOff val="40000"/>
+            </a:schemeClr>
+          </a:solidFill>
+        </p:spPr>
+        <p:style>
+          <a:lnRef idx="2">
+            <a:schemeClr val="accent1">
+              <a:shade val="50000"/>
+            </a:schemeClr>
+          </a:lnRef>
+          <a:fillRef idx="1">
+            <a:schemeClr val="accent1"/>
+          </a:fillRef>
+          <a:effectRef idx="0">
+            <a:schemeClr val="accent1"/>
+          </a:effectRef>
+          <a:fontRef idx="minor">
+            <a:schemeClr val="lt1"/>
+          </a:fontRef>
+        </p:style>
+        <p:txBody>
+          <a:bodyPr rtlCol="0" anchor="ctr"/>
+          <a:lstStyle/>
+          <a:p>
+            <a:pPr algn="ctr"/>
+            <a:r>
+              <a:rPr lang="en-IN" dirty="0"/>
+              <a:t>Data + Info</a:t>
+            </a:r>
           </a:p>
         </p:txBody>
       </p:sp>
     </p:spTree>
     <p:extLst>
       <p:ext uri="{BB962C8B-B14F-4D97-AF65-F5344CB8AC3E}">
-        <p14:creationId xmlns:p14="http://schemas.microsoft.com/office/powerpoint/2010/main" val="4163491867"/>
+        <p14:creationId xmlns:p14="http://schemas.microsoft.com/office/powerpoint/2010/main" val="4131109914"/>
       </p:ext>
     </p:extLst>
   </p:cSld>
@@ -16178,10 +16776,10 @@
       </p:grpSpPr>
       <p:sp>
         <p:nvSpPr>
-          <p:cNvPr id="2" name="Title 1">
-            <a:extLst>
-              <a:ext uri="{FF2B5EF4-FFF2-40B4-BE49-F238E27FC236}">
-                <a16:creationId xmlns:a16="http://schemas.microsoft.com/office/drawing/2014/main" id="{A16A9BA7-5B36-41B6-ACE4-4660C55CDA11}"/>
+          <p:cNvPr id="4" name="Title 3">
+            <a:extLst>
+              <a:ext uri="{FF2B5EF4-FFF2-40B4-BE49-F238E27FC236}">
+                <a16:creationId xmlns:a16="http://schemas.microsoft.com/office/drawing/2014/main" id="{F25AE1B3-11DC-4F61-B81F-00E98C18AAE4}"/>
               </a:ext>
             </a:extLst>
           </p:cNvPr>
@@ -16199,17 +16797,17 @@
           <a:p>
             <a:r>
               <a:rPr lang="en-IN" dirty="0"/>
-              <a:t>Logic App</a:t>
-            </a:r>
-          </a:p>
-        </p:txBody>
-      </p:sp>
-      <p:sp>
-        <p:nvSpPr>
-          <p:cNvPr id="3" name="Content Placeholder 2">
-            <a:extLst>
-              <a:ext uri="{FF2B5EF4-FFF2-40B4-BE49-F238E27FC236}">
-                <a16:creationId xmlns:a16="http://schemas.microsoft.com/office/drawing/2014/main" id="{450043D1-3224-459E-B367-B227D7A18E64}"/>
+              <a:t>Logic Apps</a:t>
+            </a:r>
+          </a:p>
+        </p:txBody>
+      </p:sp>
+      <p:sp>
+        <p:nvSpPr>
+          <p:cNvPr id="5" name="Text Placeholder 4">
+            <a:extLst>
+              <a:ext uri="{FF2B5EF4-FFF2-40B4-BE49-F238E27FC236}">
+                <a16:creationId xmlns:a16="http://schemas.microsoft.com/office/drawing/2014/main" id="{5A50C317-A689-4284-B955-6934F82B297E}"/>
               </a:ext>
             </a:extLst>
           </p:cNvPr>
@@ -16217,76 +16815,22 @@
             <a:spLocks noGrp="1"/>
           </p:cNvSpPr>
           <p:nvPr>
-            <p:ph idx="1"/>
+            <p:ph type="body" idx="1"/>
           </p:nvPr>
         </p:nvSpPr>
         <p:spPr/>
         <p:txBody>
-          <a:bodyPr>
-            <a:normAutofit fontScale="92500" lnSpcReduction="10000"/>
-          </a:bodyPr>
-          <a:lstStyle/>
-          <a:p>
-            <a:r>
-              <a:rPr lang="en-IN" dirty="0"/>
-              <a:t>Work flow creation tool in Azure</a:t>
-            </a:r>
-          </a:p>
-          <a:p>
-            <a:r>
-              <a:rPr lang="en-IN" dirty="0"/>
-              <a:t>Integration services – Integration Platform as a Service.(IPaaS)</a:t>
-            </a:r>
-          </a:p>
-          <a:p>
-            <a:r>
-              <a:rPr lang="en-IN" dirty="0"/>
-              <a:t>Workflow contains multiple steps (actions) which uses multiple PaaS or SaaS services.</a:t>
-            </a:r>
-          </a:p>
-          <a:p>
-            <a:r>
-              <a:rPr lang="en-IN" dirty="0"/>
-              <a:t>Serverless service</a:t>
-            </a:r>
-          </a:p>
-          <a:p>
-            <a:r>
-              <a:rPr lang="en-IN" dirty="0"/>
-              <a:t>Logic App provides a Graphic Workflow designer (No coding requires)</a:t>
-            </a:r>
-          </a:p>
-          <a:p>
-            <a:r>
-              <a:rPr lang="en-IN" dirty="0"/>
-              <a:t>Trigger initiates the workflow. There can be only one trigger for a workflow.</a:t>
-            </a:r>
-          </a:p>
-          <a:p>
-            <a:r>
-              <a:rPr lang="en-IN" dirty="0"/>
-              <a:t>But there can be multiple actions in workflow.</a:t>
-            </a:r>
-          </a:p>
-          <a:p>
-            <a:r>
-              <a:rPr lang="en-IN" dirty="0"/>
-              <a:t>Connector – Connects logic app with SaaS /PaaS services.</a:t>
-            </a:r>
-          </a:p>
-          <a:p>
-            <a:pPr lvl="1"/>
-            <a:r>
-              <a:rPr lang="en-IN" dirty="0"/>
-              <a:t>Defines triggers and actions</a:t>
-            </a:r>
+          <a:bodyPr/>
+          <a:lstStyle/>
+          <a:p>
+            <a:endParaRPr lang="en-IN"/>
           </a:p>
         </p:txBody>
       </p:sp>
     </p:spTree>
     <p:extLst>
       <p:ext uri="{BB962C8B-B14F-4D97-AF65-F5344CB8AC3E}">
-        <p14:creationId xmlns:p14="http://schemas.microsoft.com/office/powerpoint/2010/main" val="120709587"/>
+        <p14:creationId xmlns:p14="http://schemas.microsoft.com/office/powerpoint/2010/main" val="4163491867"/>
       </p:ext>
     </p:extLst>
   </p:cSld>
@@ -16315,772 +16859,10 @@
       </p:grpSpPr>
       <p:sp>
         <p:nvSpPr>
-          <p:cNvPr id="4" name="Rectangle 3">
-            <a:extLst>
-              <a:ext uri="{FF2B5EF4-FFF2-40B4-BE49-F238E27FC236}">
-                <a16:creationId xmlns:a16="http://schemas.microsoft.com/office/drawing/2014/main" id="{054CE7A9-74CD-4268-B81D-EB205A1FEB15}"/>
-              </a:ext>
-            </a:extLst>
-          </p:cNvPr>
-          <p:cNvSpPr/>
-          <p:nvPr/>
-        </p:nvSpPr>
-        <p:spPr>
-          <a:xfrm>
-            <a:off x="4640826" y="2180304"/>
-            <a:ext cx="2497394" cy="589935"/>
-          </a:xfrm>
-          <a:prstGeom prst="rect">
-            <a:avLst/>
-          </a:prstGeom>
-        </p:spPr>
-        <p:style>
-          <a:lnRef idx="2">
-            <a:schemeClr val="accent1">
-              <a:shade val="50000"/>
-            </a:schemeClr>
-          </a:lnRef>
-          <a:fillRef idx="1">
-            <a:schemeClr val="accent1"/>
-          </a:fillRef>
-          <a:effectRef idx="0">
-            <a:schemeClr val="accent1"/>
-          </a:effectRef>
-          <a:fontRef idx="minor">
-            <a:schemeClr val="lt1"/>
-          </a:fontRef>
-        </p:style>
-        <p:txBody>
-          <a:bodyPr rtlCol="0" anchor="ctr"/>
-          <a:lstStyle/>
-          <a:p>
-            <a:pPr algn="ctr"/>
-            <a:r>
-              <a:rPr lang="en-IN" dirty="0"/>
-              <a:t>Trigger</a:t>
-            </a:r>
-          </a:p>
-        </p:txBody>
-      </p:sp>
-      <p:sp>
-        <p:nvSpPr>
-          <p:cNvPr id="5" name="Rectangle 4">
-            <a:extLst>
-              <a:ext uri="{FF2B5EF4-FFF2-40B4-BE49-F238E27FC236}">
-                <a16:creationId xmlns:a16="http://schemas.microsoft.com/office/drawing/2014/main" id="{37671A20-ABAE-45A4-8A30-BA6A61C43847}"/>
-              </a:ext>
-            </a:extLst>
-          </p:cNvPr>
-          <p:cNvSpPr/>
-          <p:nvPr/>
-        </p:nvSpPr>
-        <p:spPr>
-          <a:xfrm>
-            <a:off x="4640826" y="3429000"/>
-            <a:ext cx="2497394" cy="589935"/>
-          </a:xfrm>
-          <a:prstGeom prst="rect">
-            <a:avLst/>
-          </a:prstGeom>
-        </p:spPr>
-        <p:style>
-          <a:lnRef idx="2">
-            <a:schemeClr val="accent1">
-              <a:shade val="50000"/>
-            </a:schemeClr>
-          </a:lnRef>
-          <a:fillRef idx="1">
-            <a:schemeClr val="accent1"/>
-          </a:fillRef>
-          <a:effectRef idx="0">
-            <a:schemeClr val="accent1"/>
-          </a:effectRef>
-          <a:fontRef idx="minor">
-            <a:schemeClr val="lt1"/>
-          </a:fontRef>
-        </p:style>
-        <p:txBody>
-          <a:bodyPr rtlCol="0" anchor="ctr"/>
-          <a:lstStyle/>
-          <a:p>
-            <a:pPr algn="ctr"/>
-            <a:r>
-              <a:rPr lang="en-IN" dirty="0"/>
-              <a:t>Action 1</a:t>
-            </a:r>
-          </a:p>
-        </p:txBody>
-      </p:sp>
-      <p:cxnSp>
-        <p:nvCxnSpPr>
-          <p:cNvPr id="7" name="Straight Arrow Connector 6">
-            <a:extLst>
-              <a:ext uri="{FF2B5EF4-FFF2-40B4-BE49-F238E27FC236}">
-                <a16:creationId xmlns:a16="http://schemas.microsoft.com/office/drawing/2014/main" id="{F6886477-EE76-4C50-BD13-055BDD81C679}"/>
-              </a:ext>
-            </a:extLst>
-          </p:cNvPr>
-          <p:cNvCxnSpPr>
-            <a:stCxn id="4" idx="2"/>
-            <a:endCxn id="5" idx="0"/>
-          </p:cNvCxnSpPr>
-          <p:nvPr/>
-        </p:nvCxnSpPr>
-        <p:spPr>
-          <a:xfrm>
-            <a:off x="5889523" y="2770239"/>
-            <a:ext cx="0" cy="658761"/>
-          </a:xfrm>
-          <a:prstGeom prst="straightConnector1">
-            <a:avLst/>
-          </a:prstGeom>
-          <a:ln>
-            <a:tailEnd type="triangle"/>
-          </a:ln>
-        </p:spPr>
-        <p:style>
-          <a:lnRef idx="1">
-            <a:schemeClr val="accent1"/>
-          </a:lnRef>
-          <a:fillRef idx="0">
-            <a:schemeClr val="accent1"/>
-          </a:fillRef>
-          <a:effectRef idx="0">
-            <a:schemeClr val="accent1"/>
-          </a:effectRef>
-          <a:fontRef idx="minor">
-            <a:schemeClr val="tx1"/>
-          </a:fontRef>
-        </p:style>
-      </p:cxnSp>
-      <p:sp>
-        <p:nvSpPr>
-          <p:cNvPr id="8" name="Rectangle 7">
-            <a:extLst>
-              <a:ext uri="{FF2B5EF4-FFF2-40B4-BE49-F238E27FC236}">
-                <a16:creationId xmlns:a16="http://schemas.microsoft.com/office/drawing/2014/main" id="{0D832EB2-C02A-44F6-81AD-5DBF75F72580}"/>
-              </a:ext>
-            </a:extLst>
-          </p:cNvPr>
-          <p:cNvSpPr/>
-          <p:nvPr/>
-        </p:nvSpPr>
-        <p:spPr>
-          <a:xfrm>
-            <a:off x="4640826" y="4677696"/>
-            <a:ext cx="2497394" cy="589935"/>
-          </a:xfrm>
-          <a:prstGeom prst="rect">
-            <a:avLst/>
-          </a:prstGeom>
-        </p:spPr>
-        <p:style>
-          <a:lnRef idx="2">
-            <a:schemeClr val="accent1">
-              <a:shade val="50000"/>
-            </a:schemeClr>
-          </a:lnRef>
-          <a:fillRef idx="1">
-            <a:schemeClr val="accent1"/>
-          </a:fillRef>
-          <a:effectRef idx="0">
-            <a:schemeClr val="accent1"/>
-          </a:effectRef>
-          <a:fontRef idx="minor">
-            <a:schemeClr val="lt1"/>
-          </a:fontRef>
-        </p:style>
-        <p:txBody>
-          <a:bodyPr rtlCol="0" anchor="ctr"/>
-          <a:lstStyle/>
-          <a:p>
-            <a:pPr algn="ctr"/>
-            <a:r>
-              <a:rPr lang="en-IN" dirty="0"/>
-              <a:t>Action 2</a:t>
-            </a:r>
-          </a:p>
-        </p:txBody>
-      </p:sp>
-      <p:cxnSp>
-        <p:nvCxnSpPr>
-          <p:cNvPr id="9" name="Straight Arrow Connector 8">
-            <a:extLst>
-              <a:ext uri="{FF2B5EF4-FFF2-40B4-BE49-F238E27FC236}">
-                <a16:creationId xmlns:a16="http://schemas.microsoft.com/office/drawing/2014/main" id="{D7812BED-3125-4EB3-B62A-233688B558E8}"/>
-              </a:ext>
-            </a:extLst>
-          </p:cNvPr>
-          <p:cNvCxnSpPr>
-            <a:cxnSpLocks/>
-            <a:stCxn id="5" idx="2"/>
-            <a:endCxn id="8" idx="0"/>
-          </p:cNvCxnSpPr>
-          <p:nvPr/>
-        </p:nvCxnSpPr>
-        <p:spPr>
-          <a:xfrm>
-            <a:off x="5889523" y="4018935"/>
-            <a:ext cx="0" cy="658761"/>
-          </a:xfrm>
-          <a:prstGeom prst="straightConnector1">
-            <a:avLst/>
-          </a:prstGeom>
-          <a:ln>
-            <a:tailEnd type="triangle"/>
-          </a:ln>
-        </p:spPr>
-        <p:style>
-          <a:lnRef idx="1">
-            <a:schemeClr val="accent1"/>
-          </a:lnRef>
-          <a:fillRef idx="0">
-            <a:schemeClr val="accent1"/>
-          </a:fillRef>
-          <a:effectRef idx="0">
-            <a:schemeClr val="accent1"/>
-          </a:effectRef>
-          <a:fontRef idx="minor">
-            <a:schemeClr val="tx1"/>
-          </a:fontRef>
-        </p:style>
-      </p:cxnSp>
-      <p:cxnSp>
-        <p:nvCxnSpPr>
-          <p:cNvPr id="12" name="Straight Arrow Connector 11">
-            <a:extLst>
-              <a:ext uri="{FF2B5EF4-FFF2-40B4-BE49-F238E27FC236}">
-                <a16:creationId xmlns:a16="http://schemas.microsoft.com/office/drawing/2014/main" id="{B3C755D9-2EFB-4711-A287-1904028FC2E5}"/>
-              </a:ext>
-            </a:extLst>
-          </p:cNvPr>
-          <p:cNvCxnSpPr>
-            <a:cxnSpLocks/>
-            <a:stCxn id="8" idx="2"/>
-            <a:endCxn id="14" idx="0"/>
-          </p:cNvCxnSpPr>
-          <p:nvPr/>
-        </p:nvCxnSpPr>
-        <p:spPr>
-          <a:xfrm>
-            <a:off x="5889523" y="5267631"/>
-            <a:ext cx="0" cy="658761"/>
-          </a:xfrm>
-          <a:prstGeom prst="straightConnector1">
-            <a:avLst/>
-          </a:prstGeom>
-          <a:ln>
-            <a:tailEnd type="triangle"/>
-          </a:ln>
-        </p:spPr>
-        <p:style>
-          <a:lnRef idx="1">
-            <a:schemeClr val="accent1"/>
-          </a:lnRef>
-          <a:fillRef idx="0">
-            <a:schemeClr val="accent1"/>
-          </a:fillRef>
-          <a:effectRef idx="0">
-            <a:schemeClr val="accent1"/>
-          </a:effectRef>
-          <a:fontRef idx="minor">
-            <a:schemeClr val="tx1"/>
-          </a:fontRef>
-        </p:style>
-      </p:cxnSp>
-      <p:sp>
-        <p:nvSpPr>
-          <p:cNvPr id="14" name="Rectangle 13">
-            <a:extLst>
-              <a:ext uri="{FF2B5EF4-FFF2-40B4-BE49-F238E27FC236}">
-                <a16:creationId xmlns:a16="http://schemas.microsoft.com/office/drawing/2014/main" id="{4EE76EED-86E7-4A29-88C7-DB9BDF845789}"/>
-              </a:ext>
-            </a:extLst>
-          </p:cNvPr>
-          <p:cNvSpPr/>
-          <p:nvPr/>
-        </p:nvSpPr>
-        <p:spPr>
-          <a:xfrm>
-            <a:off x="4640826" y="5926392"/>
-            <a:ext cx="2497394" cy="589935"/>
-          </a:xfrm>
-          <a:prstGeom prst="rect">
-            <a:avLst/>
-          </a:prstGeom>
-        </p:spPr>
-        <p:style>
-          <a:lnRef idx="2">
-            <a:schemeClr val="accent1">
-              <a:shade val="50000"/>
-            </a:schemeClr>
-          </a:lnRef>
-          <a:fillRef idx="1">
-            <a:schemeClr val="accent1"/>
-          </a:fillRef>
-          <a:effectRef idx="0">
-            <a:schemeClr val="accent1"/>
-          </a:effectRef>
-          <a:fontRef idx="minor">
-            <a:schemeClr val="lt1"/>
-          </a:fontRef>
-        </p:style>
-        <p:txBody>
-          <a:bodyPr rtlCol="0" anchor="ctr"/>
-          <a:lstStyle/>
-          <a:p>
-            <a:pPr algn="ctr"/>
-            <a:r>
-              <a:rPr lang="en-IN" dirty="0"/>
-              <a:t>Action 3</a:t>
-            </a:r>
-          </a:p>
-        </p:txBody>
-      </p:sp>
-      <p:cxnSp>
-        <p:nvCxnSpPr>
-          <p:cNvPr id="18" name="Straight Arrow Connector 17">
-            <a:extLst>
-              <a:ext uri="{FF2B5EF4-FFF2-40B4-BE49-F238E27FC236}">
-                <a16:creationId xmlns:a16="http://schemas.microsoft.com/office/drawing/2014/main" id="{E6F11DA5-257D-4249-AC45-2B4579FF5DF7}"/>
-              </a:ext>
-            </a:extLst>
-          </p:cNvPr>
-          <p:cNvCxnSpPr>
-            <a:cxnSpLocks/>
-            <a:endCxn id="4" idx="1"/>
-          </p:cNvCxnSpPr>
-          <p:nvPr/>
-        </p:nvCxnSpPr>
-        <p:spPr>
-          <a:xfrm>
-            <a:off x="2713704" y="2475272"/>
-            <a:ext cx="1927122" cy="0"/>
-          </a:xfrm>
-          <a:prstGeom prst="straightConnector1">
-            <a:avLst/>
-          </a:prstGeom>
-          <a:ln>
-            <a:tailEnd type="triangle"/>
-          </a:ln>
-        </p:spPr>
-        <p:style>
-          <a:lnRef idx="1">
-            <a:schemeClr val="accent1"/>
-          </a:lnRef>
-          <a:fillRef idx="0">
-            <a:schemeClr val="accent1"/>
-          </a:fillRef>
-          <a:effectRef idx="0">
-            <a:schemeClr val="accent1"/>
-          </a:effectRef>
-          <a:fontRef idx="minor">
-            <a:schemeClr val="tx1"/>
-          </a:fontRef>
-        </p:style>
-      </p:cxnSp>
-      <p:sp>
-        <p:nvSpPr>
-          <p:cNvPr id="19" name="Oval 18">
-            <a:extLst>
-              <a:ext uri="{FF2B5EF4-FFF2-40B4-BE49-F238E27FC236}">
-                <a16:creationId xmlns:a16="http://schemas.microsoft.com/office/drawing/2014/main" id="{C59FDC4E-A885-4DED-941D-864660DBCEFD}"/>
-              </a:ext>
-            </a:extLst>
-          </p:cNvPr>
-          <p:cNvSpPr/>
-          <p:nvPr/>
-        </p:nvSpPr>
-        <p:spPr>
-          <a:xfrm>
-            <a:off x="1199537" y="2032819"/>
-            <a:ext cx="1651817" cy="884903"/>
-          </a:xfrm>
-          <a:prstGeom prst="ellipse">
-            <a:avLst/>
-          </a:prstGeom>
-        </p:spPr>
-        <p:style>
-          <a:lnRef idx="2">
-            <a:schemeClr val="accent1">
-              <a:shade val="50000"/>
-            </a:schemeClr>
-          </a:lnRef>
-          <a:fillRef idx="1">
-            <a:schemeClr val="accent1"/>
-          </a:fillRef>
-          <a:effectRef idx="0">
-            <a:schemeClr val="accent1"/>
-          </a:effectRef>
-          <a:fontRef idx="minor">
-            <a:schemeClr val="lt1"/>
-          </a:fontRef>
-        </p:style>
-        <p:txBody>
-          <a:bodyPr rtlCol="0" anchor="ctr"/>
-          <a:lstStyle/>
-          <a:p>
-            <a:pPr algn="ctr"/>
-            <a:r>
-              <a:rPr lang="en-IN" dirty="0"/>
-              <a:t>Trigger Source</a:t>
-            </a:r>
-          </a:p>
-          <a:p>
-            <a:pPr algn="ctr"/>
-            <a:r>
-              <a:rPr lang="en-IN" dirty="0"/>
-              <a:t>(Queue)</a:t>
-            </a:r>
-          </a:p>
-        </p:txBody>
-      </p:sp>
-      <p:sp>
-        <p:nvSpPr>
-          <p:cNvPr id="21" name="TextBox 20">
-            <a:extLst>
-              <a:ext uri="{FF2B5EF4-FFF2-40B4-BE49-F238E27FC236}">
-                <a16:creationId xmlns:a16="http://schemas.microsoft.com/office/drawing/2014/main" id="{FFF4C1AC-1AF7-4221-AE58-112FBBC3605B}"/>
-              </a:ext>
-            </a:extLst>
-          </p:cNvPr>
-          <p:cNvSpPr txBox="1"/>
-          <p:nvPr/>
-        </p:nvSpPr>
-        <p:spPr>
-          <a:xfrm>
-            <a:off x="2851356" y="2113624"/>
-            <a:ext cx="1651817" cy="369332"/>
-          </a:xfrm>
-          <a:prstGeom prst="rect">
-            <a:avLst/>
-          </a:prstGeom>
-          <a:noFill/>
-        </p:spPr>
-        <p:txBody>
-          <a:bodyPr wrap="square" rtlCol="0">
-            <a:spAutoFit/>
-          </a:bodyPr>
-          <a:lstStyle/>
-          <a:p>
-            <a:r>
-              <a:rPr lang="en-IN" dirty="0"/>
-              <a:t>Message added</a:t>
-            </a:r>
-          </a:p>
-        </p:txBody>
-      </p:sp>
-      <p:sp>
-        <p:nvSpPr>
-          <p:cNvPr id="22" name="Oval 21">
-            <a:extLst>
-              <a:ext uri="{FF2B5EF4-FFF2-40B4-BE49-F238E27FC236}">
-                <a16:creationId xmlns:a16="http://schemas.microsoft.com/office/drawing/2014/main" id="{D1755EB2-2EF9-422E-9EEB-6E2D6EFD5BDC}"/>
-              </a:ext>
-            </a:extLst>
-          </p:cNvPr>
-          <p:cNvSpPr/>
-          <p:nvPr/>
-        </p:nvSpPr>
-        <p:spPr>
-          <a:xfrm>
-            <a:off x="9301314" y="3330685"/>
-            <a:ext cx="2123763" cy="816069"/>
-          </a:xfrm>
-          <a:prstGeom prst="ellipse">
-            <a:avLst/>
-          </a:prstGeom>
-        </p:spPr>
-        <p:style>
-          <a:lnRef idx="2">
-            <a:schemeClr val="accent1">
-              <a:shade val="50000"/>
-            </a:schemeClr>
-          </a:lnRef>
-          <a:fillRef idx="1">
-            <a:schemeClr val="accent1"/>
-          </a:fillRef>
-          <a:effectRef idx="0">
-            <a:schemeClr val="accent1"/>
-          </a:effectRef>
-          <a:fontRef idx="minor">
-            <a:schemeClr val="lt1"/>
-          </a:fontRef>
-        </p:style>
-        <p:txBody>
-          <a:bodyPr rtlCol="0" anchor="ctr"/>
-          <a:lstStyle/>
-          <a:p>
-            <a:pPr algn="ctr"/>
-            <a:r>
-              <a:rPr lang="en-IN" dirty="0"/>
-              <a:t>PaaS Service</a:t>
-            </a:r>
-          </a:p>
-          <a:p>
-            <a:pPr algn="ctr"/>
-            <a:r>
-              <a:rPr lang="en-IN" dirty="0"/>
-              <a:t>(</a:t>
-            </a:r>
-            <a:r>
-              <a:rPr lang="en-IN" dirty="0" err="1"/>
-              <a:t>CosmosDB</a:t>
-            </a:r>
-            <a:r>
-              <a:rPr lang="en-IN" dirty="0"/>
-              <a:t>)</a:t>
-            </a:r>
-          </a:p>
-        </p:txBody>
-      </p:sp>
-      <p:cxnSp>
-        <p:nvCxnSpPr>
-          <p:cNvPr id="29" name="Straight Arrow Connector 28">
-            <a:extLst>
-              <a:ext uri="{FF2B5EF4-FFF2-40B4-BE49-F238E27FC236}">
-                <a16:creationId xmlns:a16="http://schemas.microsoft.com/office/drawing/2014/main" id="{043DA070-924A-45C8-ABB3-D382916EF503}"/>
-              </a:ext>
-            </a:extLst>
-          </p:cNvPr>
-          <p:cNvCxnSpPr>
-            <a:stCxn id="5" idx="3"/>
-            <a:endCxn id="22" idx="2"/>
-          </p:cNvCxnSpPr>
-          <p:nvPr/>
-        </p:nvCxnSpPr>
-        <p:spPr>
-          <a:xfrm>
-            <a:off x="7138220" y="3723968"/>
-            <a:ext cx="2163094" cy="14752"/>
-          </a:xfrm>
-          <a:prstGeom prst="straightConnector1">
-            <a:avLst/>
-          </a:prstGeom>
-          <a:ln w="38100">
-            <a:headEnd type="triangle"/>
-            <a:tailEnd type="triangle"/>
-          </a:ln>
-        </p:spPr>
-        <p:style>
-          <a:lnRef idx="1">
-            <a:schemeClr val="accent1"/>
-          </a:lnRef>
-          <a:fillRef idx="0">
-            <a:schemeClr val="accent1"/>
-          </a:fillRef>
-          <a:effectRef idx="0">
-            <a:schemeClr val="accent1"/>
-          </a:effectRef>
-          <a:fontRef idx="minor">
-            <a:schemeClr val="tx1"/>
-          </a:fontRef>
-        </p:style>
-      </p:cxnSp>
-      <p:sp>
-        <p:nvSpPr>
-          <p:cNvPr id="30" name="Oval 29">
-            <a:extLst>
-              <a:ext uri="{FF2B5EF4-FFF2-40B4-BE49-F238E27FC236}">
-                <a16:creationId xmlns:a16="http://schemas.microsoft.com/office/drawing/2014/main" id="{181847BE-7CC7-4781-81D8-3A5C3532405A}"/>
-              </a:ext>
-            </a:extLst>
-          </p:cNvPr>
-          <p:cNvSpPr/>
-          <p:nvPr/>
-        </p:nvSpPr>
-        <p:spPr>
-          <a:xfrm>
-            <a:off x="9301313" y="4540037"/>
-            <a:ext cx="2123763" cy="816069"/>
-          </a:xfrm>
-          <a:prstGeom prst="ellipse">
-            <a:avLst/>
-          </a:prstGeom>
-        </p:spPr>
-        <p:style>
-          <a:lnRef idx="2">
-            <a:schemeClr val="accent1">
-              <a:shade val="50000"/>
-            </a:schemeClr>
-          </a:lnRef>
-          <a:fillRef idx="1">
-            <a:schemeClr val="accent1"/>
-          </a:fillRef>
-          <a:effectRef idx="0">
-            <a:schemeClr val="accent1"/>
-          </a:effectRef>
-          <a:fontRef idx="minor">
-            <a:schemeClr val="lt1"/>
-          </a:fontRef>
-        </p:style>
-        <p:txBody>
-          <a:bodyPr rtlCol="0" anchor="ctr"/>
-          <a:lstStyle/>
-          <a:p>
-            <a:pPr algn="ctr"/>
-            <a:r>
-              <a:rPr lang="en-IN" dirty="0"/>
-              <a:t>SaaS Service</a:t>
-            </a:r>
-          </a:p>
-          <a:p>
-            <a:pPr algn="ctr"/>
-            <a:r>
-              <a:rPr lang="en-IN" dirty="0"/>
-              <a:t>(Gmail)</a:t>
-            </a:r>
-          </a:p>
-        </p:txBody>
-      </p:sp>
-      <p:cxnSp>
-        <p:nvCxnSpPr>
-          <p:cNvPr id="31" name="Straight Arrow Connector 30">
-            <a:extLst>
-              <a:ext uri="{FF2B5EF4-FFF2-40B4-BE49-F238E27FC236}">
-                <a16:creationId xmlns:a16="http://schemas.microsoft.com/office/drawing/2014/main" id="{815079F8-FA1A-4546-B88B-6CA7ABEC7317}"/>
-              </a:ext>
-            </a:extLst>
-          </p:cNvPr>
-          <p:cNvCxnSpPr>
-            <a:cxnSpLocks/>
-            <a:stCxn id="8" idx="3"/>
-            <a:endCxn id="30" idx="2"/>
-          </p:cNvCxnSpPr>
-          <p:nvPr/>
-        </p:nvCxnSpPr>
-        <p:spPr>
-          <a:xfrm flipV="1">
-            <a:off x="7138220" y="4948072"/>
-            <a:ext cx="2163093" cy="24592"/>
-          </a:xfrm>
-          <a:prstGeom prst="straightConnector1">
-            <a:avLst/>
-          </a:prstGeom>
-          <a:ln w="38100">
-            <a:headEnd type="triangle"/>
-            <a:tailEnd type="triangle"/>
-          </a:ln>
-        </p:spPr>
-        <p:style>
-          <a:lnRef idx="1">
-            <a:schemeClr val="accent1"/>
-          </a:lnRef>
-          <a:fillRef idx="0">
-            <a:schemeClr val="accent1"/>
-          </a:fillRef>
-          <a:effectRef idx="0">
-            <a:schemeClr val="accent1"/>
-          </a:effectRef>
-          <a:fontRef idx="minor">
-            <a:schemeClr val="tx1"/>
-          </a:fontRef>
-        </p:style>
-      </p:cxnSp>
-      <p:sp>
-        <p:nvSpPr>
-          <p:cNvPr id="35" name="Oval 34">
-            <a:extLst>
-              <a:ext uri="{FF2B5EF4-FFF2-40B4-BE49-F238E27FC236}">
-                <a16:creationId xmlns:a16="http://schemas.microsoft.com/office/drawing/2014/main" id="{5F27CAAB-9429-41C0-B450-16B82C01CFE3}"/>
-              </a:ext>
-            </a:extLst>
-          </p:cNvPr>
-          <p:cNvSpPr/>
-          <p:nvPr/>
-        </p:nvSpPr>
-        <p:spPr>
-          <a:xfrm>
-            <a:off x="9301312" y="5813324"/>
-            <a:ext cx="2123763" cy="816069"/>
-          </a:xfrm>
-          <a:prstGeom prst="ellipse">
-            <a:avLst/>
-          </a:prstGeom>
-        </p:spPr>
-        <p:style>
-          <a:lnRef idx="2">
-            <a:schemeClr val="accent1">
-              <a:shade val="50000"/>
-            </a:schemeClr>
-          </a:lnRef>
-          <a:fillRef idx="1">
-            <a:schemeClr val="accent1"/>
-          </a:fillRef>
-          <a:effectRef idx="0">
-            <a:schemeClr val="accent1"/>
-          </a:effectRef>
-          <a:fontRef idx="minor">
-            <a:schemeClr val="lt1"/>
-          </a:fontRef>
-        </p:style>
-        <p:txBody>
-          <a:bodyPr rtlCol="0" anchor="ctr"/>
-          <a:lstStyle/>
-          <a:p>
-            <a:pPr algn="ctr"/>
-            <a:r>
-              <a:rPr lang="en-IN" dirty="0"/>
-              <a:t>PaaS Service</a:t>
-            </a:r>
-          </a:p>
-          <a:p>
-            <a:pPr algn="ctr"/>
-            <a:r>
-              <a:rPr lang="en-IN" dirty="0"/>
-              <a:t>(Storage Account)</a:t>
-            </a:r>
-          </a:p>
-        </p:txBody>
-      </p:sp>
-      <p:cxnSp>
-        <p:nvCxnSpPr>
-          <p:cNvPr id="37" name="Straight Arrow Connector 36">
-            <a:extLst>
-              <a:ext uri="{FF2B5EF4-FFF2-40B4-BE49-F238E27FC236}">
-                <a16:creationId xmlns:a16="http://schemas.microsoft.com/office/drawing/2014/main" id="{75C5EF8B-01F2-4A56-B6A7-727BE3D0B101}"/>
-              </a:ext>
-            </a:extLst>
-          </p:cNvPr>
-          <p:cNvCxnSpPr>
-            <a:stCxn id="14" idx="3"/>
-            <a:endCxn id="35" idx="2"/>
-          </p:cNvCxnSpPr>
-          <p:nvPr/>
-        </p:nvCxnSpPr>
-        <p:spPr>
-          <a:xfrm flipV="1">
-            <a:off x="7138220" y="6221359"/>
-            <a:ext cx="2163092" cy="1"/>
-          </a:xfrm>
-          <a:prstGeom prst="straightConnector1">
-            <a:avLst/>
-          </a:prstGeom>
-          <a:ln w="38100">
-            <a:tailEnd type="triangle"/>
-          </a:ln>
-        </p:spPr>
-        <p:style>
-          <a:lnRef idx="1">
-            <a:schemeClr val="accent1"/>
-          </a:lnRef>
-          <a:fillRef idx="0">
-            <a:schemeClr val="accent1"/>
-          </a:fillRef>
-          <a:effectRef idx="0">
-            <a:schemeClr val="accent1"/>
-          </a:effectRef>
-          <a:fontRef idx="minor">
-            <a:schemeClr val="tx1"/>
-          </a:fontRef>
-        </p:style>
-      </p:cxnSp>
-      <p:sp>
-        <p:nvSpPr>
-          <p:cNvPr id="38" name="Title 1">
-            <a:extLst>
-              <a:ext uri="{FF2B5EF4-FFF2-40B4-BE49-F238E27FC236}">
-                <a16:creationId xmlns:a16="http://schemas.microsoft.com/office/drawing/2014/main" id="{77DCEBD2-5C55-480B-9F9D-E8CAD17D3422}"/>
+          <p:cNvPr id="2" name="Title 1">
+            <a:extLst>
+              <a:ext uri="{FF2B5EF4-FFF2-40B4-BE49-F238E27FC236}">
+                <a16:creationId xmlns:a16="http://schemas.microsoft.com/office/drawing/2014/main" id="{A16A9BA7-5B36-41B6-ACE4-4660C55CDA11}"/>
               </a:ext>
             </a:extLst>
           </p:cNvPr>
@@ -17091,19 +16873,93 @@
             <p:ph type="title"/>
           </p:nvPr>
         </p:nvSpPr>
-        <p:spPr>
-          <a:xfrm>
-            <a:off x="838200" y="365125"/>
-            <a:ext cx="10515600" cy="1325563"/>
-          </a:xfrm>
-        </p:spPr>
+        <p:spPr/>
         <p:txBody>
           <a:bodyPr/>
           <a:lstStyle/>
           <a:p>
             <a:r>
               <a:rPr lang="en-IN" dirty="0"/>
-              <a:t>Logic App workflow </a:t>
+              <a:t>Logic App</a:t>
+            </a:r>
+          </a:p>
+        </p:txBody>
+      </p:sp>
+      <p:sp>
+        <p:nvSpPr>
+          <p:cNvPr id="3" name="Content Placeholder 2">
+            <a:extLst>
+              <a:ext uri="{FF2B5EF4-FFF2-40B4-BE49-F238E27FC236}">
+                <a16:creationId xmlns:a16="http://schemas.microsoft.com/office/drawing/2014/main" id="{450043D1-3224-459E-B367-B227D7A18E64}"/>
+              </a:ext>
+            </a:extLst>
+          </p:cNvPr>
+          <p:cNvSpPr>
+            <a:spLocks noGrp="1"/>
+          </p:cNvSpPr>
+          <p:nvPr>
+            <p:ph idx="1"/>
+          </p:nvPr>
+        </p:nvSpPr>
+        <p:spPr/>
+        <p:txBody>
+          <a:bodyPr>
+            <a:normAutofit fontScale="92500" lnSpcReduction="10000"/>
+          </a:bodyPr>
+          <a:lstStyle/>
+          <a:p>
+            <a:r>
+              <a:rPr lang="en-IN" dirty="0"/>
+              <a:t>Work flow creation tool in Azure</a:t>
+            </a:r>
+          </a:p>
+          <a:p>
+            <a:r>
+              <a:rPr lang="en-IN" dirty="0"/>
+              <a:t>Integration services – Integration Platform as a Service.(IPaaS)</a:t>
+            </a:r>
+          </a:p>
+          <a:p>
+            <a:r>
+              <a:rPr lang="en-IN" dirty="0"/>
+              <a:t>Workflow contains multiple steps (actions) which uses multiple PaaS or SaaS services.</a:t>
+            </a:r>
+          </a:p>
+          <a:p>
+            <a:r>
+              <a:rPr lang="en-IN" dirty="0"/>
+              <a:t>Serverless service</a:t>
+            </a:r>
+          </a:p>
+          <a:p>
+            <a:r>
+              <a:rPr lang="en-IN" dirty="0"/>
+              <a:t>Logic App provides a Graphic Workflow designer (No coding requires)</a:t>
+            </a:r>
+          </a:p>
+          <a:p>
+            <a:r>
+              <a:rPr lang="en-IN" dirty="0"/>
+              <a:t>Trigger initiates the workflow. There can be only one trigger for a workflow.</a:t>
+            </a:r>
+          </a:p>
+          <a:p>
+            <a:r>
+              <a:rPr lang="en-IN" dirty="0"/>
+              <a:t>But there can be multiple actions in workflow.</a:t>
+            </a:r>
+          </a:p>
+          <a:p>
+            <a:r>
+              <a:rPr lang="en-IN" dirty="0"/>
+              <a:t>Connector – Connects logic app with SaaS /PaaS services.</a:t>
+            </a:r>
+          </a:p>
+          <a:p>
+            <a:pPr lvl="1"/>
+            <a:r>
+              <a:rPr lang="en-IN" dirty="0"/>
+              <a:t>Defines triggers and actions</a:t>
             </a:r>
           </a:p>
         </p:txBody>
@@ -17111,7 +16967,7 @@
     </p:spTree>
     <p:extLst>
       <p:ext uri="{BB962C8B-B14F-4D97-AF65-F5344CB8AC3E}">
-        <p14:creationId xmlns:p14="http://schemas.microsoft.com/office/powerpoint/2010/main" val="1769031640"/>
+        <p14:creationId xmlns:p14="http://schemas.microsoft.com/office/powerpoint/2010/main" val="120709587"/>
       </p:ext>
     </p:extLst>
   </p:cSld>
@@ -17140,10 +16996,772 @@
       </p:grpSpPr>
       <p:sp>
         <p:nvSpPr>
-          <p:cNvPr id="4" name="Title 3">
-            <a:extLst>
-              <a:ext uri="{FF2B5EF4-FFF2-40B4-BE49-F238E27FC236}">
-                <a16:creationId xmlns:a16="http://schemas.microsoft.com/office/drawing/2014/main" id="{0963E3FB-BCA8-4766-937A-5223C2834C05}"/>
+          <p:cNvPr id="4" name="Rectangle 3">
+            <a:extLst>
+              <a:ext uri="{FF2B5EF4-FFF2-40B4-BE49-F238E27FC236}">
+                <a16:creationId xmlns:a16="http://schemas.microsoft.com/office/drawing/2014/main" id="{054CE7A9-74CD-4268-B81D-EB205A1FEB15}"/>
+              </a:ext>
+            </a:extLst>
+          </p:cNvPr>
+          <p:cNvSpPr/>
+          <p:nvPr/>
+        </p:nvSpPr>
+        <p:spPr>
+          <a:xfrm>
+            <a:off x="4640826" y="2180304"/>
+            <a:ext cx="2497394" cy="589935"/>
+          </a:xfrm>
+          <a:prstGeom prst="rect">
+            <a:avLst/>
+          </a:prstGeom>
+        </p:spPr>
+        <p:style>
+          <a:lnRef idx="2">
+            <a:schemeClr val="accent1">
+              <a:shade val="50000"/>
+            </a:schemeClr>
+          </a:lnRef>
+          <a:fillRef idx="1">
+            <a:schemeClr val="accent1"/>
+          </a:fillRef>
+          <a:effectRef idx="0">
+            <a:schemeClr val="accent1"/>
+          </a:effectRef>
+          <a:fontRef idx="minor">
+            <a:schemeClr val="lt1"/>
+          </a:fontRef>
+        </p:style>
+        <p:txBody>
+          <a:bodyPr rtlCol="0" anchor="ctr"/>
+          <a:lstStyle/>
+          <a:p>
+            <a:pPr algn="ctr"/>
+            <a:r>
+              <a:rPr lang="en-IN" dirty="0"/>
+              <a:t>Trigger</a:t>
+            </a:r>
+          </a:p>
+        </p:txBody>
+      </p:sp>
+      <p:sp>
+        <p:nvSpPr>
+          <p:cNvPr id="5" name="Rectangle 4">
+            <a:extLst>
+              <a:ext uri="{FF2B5EF4-FFF2-40B4-BE49-F238E27FC236}">
+                <a16:creationId xmlns:a16="http://schemas.microsoft.com/office/drawing/2014/main" id="{37671A20-ABAE-45A4-8A30-BA6A61C43847}"/>
+              </a:ext>
+            </a:extLst>
+          </p:cNvPr>
+          <p:cNvSpPr/>
+          <p:nvPr/>
+        </p:nvSpPr>
+        <p:spPr>
+          <a:xfrm>
+            <a:off x="4640826" y="3429000"/>
+            <a:ext cx="2497394" cy="589935"/>
+          </a:xfrm>
+          <a:prstGeom prst="rect">
+            <a:avLst/>
+          </a:prstGeom>
+        </p:spPr>
+        <p:style>
+          <a:lnRef idx="2">
+            <a:schemeClr val="accent1">
+              <a:shade val="50000"/>
+            </a:schemeClr>
+          </a:lnRef>
+          <a:fillRef idx="1">
+            <a:schemeClr val="accent1"/>
+          </a:fillRef>
+          <a:effectRef idx="0">
+            <a:schemeClr val="accent1"/>
+          </a:effectRef>
+          <a:fontRef idx="minor">
+            <a:schemeClr val="lt1"/>
+          </a:fontRef>
+        </p:style>
+        <p:txBody>
+          <a:bodyPr rtlCol="0" anchor="ctr"/>
+          <a:lstStyle/>
+          <a:p>
+            <a:pPr algn="ctr"/>
+            <a:r>
+              <a:rPr lang="en-IN" dirty="0"/>
+              <a:t>Action 1</a:t>
+            </a:r>
+          </a:p>
+        </p:txBody>
+      </p:sp>
+      <p:cxnSp>
+        <p:nvCxnSpPr>
+          <p:cNvPr id="7" name="Straight Arrow Connector 6">
+            <a:extLst>
+              <a:ext uri="{FF2B5EF4-FFF2-40B4-BE49-F238E27FC236}">
+                <a16:creationId xmlns:a16="http://schemas.microsoft.com/office/drawing/2014/main" id="{F6886477-EE76-4C50-BD13-055BDD81C679}"/>
+              </a:ext>
+            </a:extLst>
+          </p:cNvPr>
+          <p:cNvCxnSpPr>
+            <a:stCxn id="4" idx="2"/>
+            <a:endCxn id="5" idx="0"/>
+          </p:cNvCxnSpPr>
+          <p:nvPr/>
+        </p:nvCxnSpPr>
+        <p:spPr>
+          <a:xfrm>
+            <a:off x="5889523" y="2770239"/>
+            <a:ext cx="0" cy="658761"/>
+          </a:xfrm>
+          <a:prstGeom prst="straightConnector1">
+            <a:avLst/>
+          </a:prstGeom>
+          <a:ln>
+            <a:tailEnd type="triangle"/>
+          </a:ln>
+        </p:spPr>
+        <p:style>
+          <a:lnRef idx="1">
+            <a:schemeClr val="accent1"/>
+          </a:lnRef>
+          <a:fillRef idx="0">
+            <a:schemeClr val="accent1"/>
+          </a:fillRef>
+          <a:effectRef idx="0">
+            <a:schemeClr val="accent1"/>
+          </a:effectRef>
+          <a:fontRef idx="minor">
+            <a:schemeClr val="tx1"/>
+          </a:fontRef>
+        </p:style>
+      </p:cxnSp>
+      <p:sp>
+        <p:nvSpPr>
+          <p:cNvPr id="8" name="Rectangle 7">
+            <a:extLst>
+              <a:ext uri="{FF2B5EF4-FFF2-40B4-BE49-F238E27FC236}">
+                <a16:creationId xmlns:a16="http://schemas.microsoft.com/office/drawing/2014/main" id="{0D832EB2-C02A-44F6-81AD-5DBF75F72580}"/>
+              </a:ext>
+            </a:extLst>
+          </p:cNvPr>
+          <p:cNvSpPr/>
+          <p:nvPr/>
+        </p:nvSpPr>
+        <p:spPr>
+          <a:xfrm>
+            <a:off x="4640826" y="4677696"/>
+            <a:ext cx="2497394" cy="589935"/>
+          </a:xfrm>
+          <a:prstGeom prst="rect">
+            <a:avLst/>
+          </a:prstGeom>
+        </p:spPr>
+        <p:style>
+          <a:lnRef idx="2">
+            <a:schemeClr val="accent1">
+              <a:shade val="50000"/>
+            </a:schemeClr>
+          </a:lnRef>
+          <a:fillRef idx="1">
+            <a:schemeClr val="accent1"/>
+          </a:fillRef>
+          <a:effectRef idx="0">
+            <a:schemeClr val="accent1"/>
+          </a:effectRef>
+          <a:fontRef idx="minor">
+            <a:schemeClr val="lt1"/>
+          </a:fontRef>
+        </p:style>
+        <p:txBody>
+          <a:bodyPr rtlCol="0" anchor="ctr"/>
+          <a:lstStyle/>
+          <a:p>
+            <a:pPr algn="ctr"/>
+            <a:r>
+              <a:rPr lang="en-IN" dirty="0"/>
+              <a:t>Action 2</a:t>
+            </a:r>
+          </a:p>
+        </p:txBody>
+      </p:sp>
+      <p:cxnSp>
+        <p:nvCxnSpPr>
+          <p:cNvPr id="9" name="Straight Arrow Connector 8">
+            <a:extLst>
+              <a:ext uri="{FF2B5EF4-FFF2-40B4-BE49-F238E27FC236}">
+                <a16:creationId xmlns:a16="http://schemas.microsoft.com/office/drawing/2014/main" id="{D7812BED-3125-4EB3-B62A-233688B558E8}"/>
+              </a:ext>
+            </a:extLst>
+          </p:cNvPr>
+          <p:cNvCxnSpPr>
+            <a:cxnSpLocks/>
+            <a:stCxn id="5" idx="2"/>
+            <a:endCxn id="8" idx="0"/>
+          </p:cNvCxnSpPr>
+          <p:nvPr/>
+        </p:nvCxnSpPr>
+        <p:spPr>
+          <a:xfrm>
+            <a:off x="5889523" y="4018935"/>
+            <a:ext cx="0" cy="658761"/>
+          </a:xfrm>
+          <a:prstGeom prst="straightConnector1">
+            <a:avLst/>
+          </a:prstGeom>
+          <a:ln>
+            <a:tailEnd type="triangle"/>
+          </a:ln>
+        </p:spPr>
+        <p:style>
+          <a:lnRef idx="1">
+            <a:schemeClr val="accent1"/>
+          </a:lnRef>
+          <a:fillRef idx="0">
+            <a:schemeClr val="accent1"/>
+          </a:fillRef>
+          <a:effectRef idx="0">
+            <a:schemeClr val="accent1"/>
+          </a:effectRef>
+          <a:fontRef idx="minor">
+            <a:schemeClr val="tx1"/>
+          </a:fontRef>
+        </p:style>
+      </p:cxnSp>
+      <p:cxnSp>
+        <p:nvCxnSpPr>
+          <p:cNvPr id="12" name="Straight Arrow Connector 11">
+            <a:extLst>
+              <a:ext uri="{FF2B5EF4-FFF2-40B4-BE49-F238E27FC236}">
+                <a16:creationId xmlns:a16="http://schemas.microsoft.com/office/drawing/2014/main" id="{B3C755D9-2EFB-4711-A287-1904028FC2E5}"/>
+              </a:ext>
+            </a:extLst>
+          </p:cNvPr>
+          <p:cNvCxnSpPr>
+            <a:cxnSpLocks/>
+            <a:stCxn id="8" idx="2"/>
+            <a:endCxn id="14" idx="0"/>
+          </p:cNvCxnSpPr>
+          <p:nvPr/>
+        </p:nvCxnSpPr>
+        <p:spPr>
+          <a:xfrm>
+            <a:off x="5889523" y="5267631"/>
+            <a:ext cx="0" cy="658761"/>
+          </a:xfrm>
+          <a:prstGeom prst="straightConnector1">
+            <a:avLst/>
+          </a:prstGeom>
+          <a:ln>
+            <a:tailEnd type="triangle"/>
+          </a:ln>
+        </p:spPr>
+        <p:style>
+          <a:lnRef idx="1">
+            <a:schemeClr val="accent1"/>
+          </a:lnRef>
+          <a:fillRef idx="0">
+            <a:schemeClr val="accent1"/>
+          </a:fillRef>
+          <a:effectRef idx="0">
+            <a:schemeClr val="accent1"/>
+          </a:effectRef>
+          <a:fontRef idx="minor">
+            <a:schemeClr val="tx1"/>
+          </a:fontRef>
+        </p:style>
+      </p:cxnSp>
+      <p:sp>
+        <p:nvSpPr>
+          <p:cNvPr id="14" name="Rectangle 13">
+            <a:extLst>
+              <a:ext uri="{FF2B5EF4-FFF2-40B4-BE49-F238E27FC236}">
+                <a16:creationId xmlns:a16="http://schemas.microsoft.com/office/drawing/2014/main" id="{4EE76EED-86E7-4A29-88C7-DB9BDF845789}"/>
+              </a:ext>
+            </a:extLst>
+          </p:cNvPr>
+          <p:cNvSpPr/>
+          <p:nvPr/>
+        </p:nvSpPr>
+        <p:spPr>
+          <a:xfrm>
+            <a:off x="4640826" y="5926392"/>
+            <a:ext cx="2497394" cy="589935"/>
+          </a:xfrm>
+          <a:prstGeom prst="rect">
+            <a:avLst/>
+          </a:prstGeom>
+        </p:spPr>
+        <p:style>
+          <a:lnRef idx="2">
+            <a:schemeClr val="accent1">
+              <a:shade val="50000"/>
+            </a:schemeClr>
+          </a:lnRef>
+          <a:fillRef idx="1">
+            <a:schemeClr val="accent1"/>
+          </a:fillRef>
+          <a:effectRef idx="0">
+            <a:schemeClr val="accent1"/>
+          </a:effectRef>
+          <a:fontRef idx="minor">
+            <a:schemeClr val="lt1"/>
+          </a:fontRef>
+        </p:style>
+        <p:txBody>
+          <a:bodyPr rtlCol="0" anchor="ctr"/>
+          <a:lstStyle/>
+          <a:p>
+            <a:pPr algn="ctr"/>
+            <a:r>
+              <a:rPr lang="en-IN" dirty="0"/>
+              <a:t>Action 3</a:t>
+            </a:r>
+          </a:p>
+        </p:txBody>
+      </p:sp>
+      <p:cxnSp>
+        <p:nvCxnSpPr>
+          <p:cNvPr id="18" name="Straight Arrow Connector 17">
+            <a:extLst>
+              <a:ext uri="{FF2B5EF4-FFF2-40B4-BE49-F238E27FC236}">
+                <a16:creationId xmlns:a16="http://schemas.microsoft.com/office/drawing/2014/main" id="{E6F11DA5-257D-4249-AC45-2B4579FF5DF7}"/>
+              </a:ext>
+            </a:extLst>
+          </p:cNvPr>
+          <p:cNvCxnSpPr>
+            <a:cxnSpLocks/>
+            <a:endCxn id="4" idx="1"/>
+          </p:cNvCxnSpPr>
+          <p:nvPr/>
+        </p:nvCxnSpPr>
+        <p:spPr>
+          <a:xfrm>
+            <a:off x="2713704" y="2475272"/>
+            <a:ext cx="1927122" cy="0"/>
+          </a:xfrm>
+          <a:prstGeom prst="straightConnector1">
+            <a:avLst/>
+          </a:prstGeom>
+          <a:ln>
+            <a:tailEnd type="triangle"/>
+          </a:ln>
+        </p:spPr>
+        <p:style>
+          <a:lnRef idx="1">
+            <a:schemeClr val="accent1"/>
+          </a:lnRef>
+          <a:fillRef idx="0">
+            <a:schemeClr val="accent1"/>
+          </a:fillRef>
+          <a:effectRef idx="0">
+            <a:schemeClr val="accent1"/>
+          </a:effectRef>
+          <a:fontRef idx="minor">
+            <a:schemeClr val="tx1"/>
+          </a:fontRef>
+        </p:style>
+      </p:cxnSp>
+      <p:sp>
+        <p:nvSpPr>
+          <p:cNvPr id="19" name="Oval 18">
+            <a:extLst>
+              <a:ext uri="{FF2B5EF4-FFF2-40B4-BE49-F238E27FC236}">
+                <a16:creationId xmlns:a16="http://schemas.microsoft.com/office/drawing/2014/main" id="{C59FDC4E-A885-4DED-941D-864660DBCEFD}"/>
+              </a:ext>
+            </a:extLst>
+          </p:cNvPr>
+          <p:cNvSpPr/>
+          <p:nvPr/>
+        </p:nvSpPr>
+        <p:spPr>
+          <a:xfrm>
+            <a:off x="1199537" y="2032819"/>
+            <a:ext cx="1651817" cy="884903"/>
+          </a:xfrm>
+          <a:prstGeom prst="ellipse">
+            <a:avLst/>
+          </a:prstGeom>
+        </p:spPr>
+        <p:style>
+          <a:lnRef idx="2">
+            <a:schemeClr val="accent1">
+              <a:shade val="50000"/>
+            </a:schemeClr>
+          </a:lnRef>
+          <a:fillRef idx="1">
+            <a:schemeClr val="accent1"/>
+          </a:fillRef>
+          <a:effectRef idx="0">
+            <a:schemeClr val="accent1"/>
+          </a:effectRef>
+          <a:fontRef idx="minor">
+            <a:schemeClr val="lt1"/>
+          </a:fontRef>
+        </p:style>
+        <p:txBody>
+          <a:bodyPr rtlCol="0" anchor="ctr"/>
+          <a:lstStyle/>
+          <a:p>
+            <a:pPr algn="ctr"/>
+            <a:r>
+              <a:rPr lang="en-IN" dirty="0"/>
+              <a:t>Trigger Source</a:t>
+            </a:r>
+          </a:p>
+          <a:p>
+            <a:pPr algn="ctr"/>
+            <a:r>
+              <a:rPr lang="en-IN" dirty="0"/>
+              <a:t>(Queue)</a:t>
+            </a:r>
+          </a:p>
+        </p:txBody>
+      </p:sp>
+      <p:sp>
+        <p:nvSpPr>
+          <p:cNvPr id="21" name="TextBox 20">
+            <a:extLst>
+              <a:ext uri="{FF2B5EF4-FFF2-40B4-BE49-F238E27FC236}">
+                <a16:creationId xmlns:a16="http://schemas.microsoft.com/office/drawing/2014/main" id="{FFF4C1AC-1AF7-4221-AE58-112FBBC3605B}"/>
+              </a:ext>
+            </a:extLst>
+          </p:cNvPr>
+          <p:cNvSpPr txBox="1"/>
+          <p:nvPr/>
+        </p:nvSpPr>
+        <p:spPr>
+          <a:xfrm>
+            <a:off x="2851356" y="2113624"/>
+            <a:ext cx="1651817" cy="369332"/>
+          </a:xfrm>
+          <a:prstGeom prst="rect">
+            <a:avLst/>
+          </a:prstGeom>
+          <a:noFill/>
+        </p:spPr>
+        <p:txBody>
+          <a:bodyPr wrap="square" rtlCol="0">
+            <a:spAutoFit/>
+          </a:bodyPr>
+          <a:lstStyle/>
+          <a:p>
+            <a:r>
+              <a:rPr lang="en-IN" dirty="0"/>
+              <a:t>Message added</a:t>
+            </a:r>
+          </a:p>
+        </p:txBody>
+      </p:sp>
+      <p:sp>
+        <p:nvSpPr>
+          <p:cNvPr id="22" name="Oval 21">
+            <a:extLst>
+              <a:ext uri="{FF2B5EF4-FFF2-40B4-BE49-F238E27FC236}">
+                <a16:creationId xmlns:a16="http://schemas.microsoft.com/office/drawing/2014/main" id="{D1755EB2-2EF9-422E-9EEB-6E2D6EFD5BDC}"/>
+              </a:ext>
+            </a:extLst>
+          </p:cNvPr>
+          <p:cNvSpPr/>
+          <p:nvPr/>
+        </p:nvSpPr>
+        <p:spPr>
+          <a:xfrm>
+            <a:off x="9301314" y="3330685"/>
+            <a:ext cx="2123763" cy="816069"/>
+          </a:xfrm>
+          <a:prstGeom prst="ellipse">
+            <a:avLst/>
+          </a:prstGeom>
+        </p:spPr>
+        <p:style>
+          <a:lnRef idx="2">
+            <a:schemeClr val="accent1">
+              <a:shade val="50000"/>
+            </a:schemeClr>
+          </a:lnRef>
+          <a:fillRef idx="1">
+            <a:schemeClr val="accent1"/>
+          </a:fillRef>
+          <a:effectRef idx="0">
+            <a:schemeClr val="accent1"/>
+          </a:effectRef>
+          <a:fontRef idx="minor">
+            <a:schemeClr val="lt1"/>
+          </a:fontRef>
+        </p:style>
+        <p:txBody>
+          <a:bodyPr rtlCol="0" anchor="ctr"/>
+          <a:lstStyle/>
+          <a:p>
+            <a:pPr algn="ctr"/>
+            <a:r>
+              <a:rPr lang="en-IN" dirty="0"/>
+              <a:t>PaaS Service</a:t>
+            </a:r>
+          </a:p>
+          <a:p>
+            <a:pPr algn="ctr"/>
+            <a:r>
+              <a:rPr lang="en-IN" dirty="0"/>
+              <a:t>(</a:t>
+            </a:r>
+            <a:r>
+              <a:rPr lang="en-IN" dirty="0" err="1"/>
+              <a:t>CosmosDB</a:t>
+            </a:r>
+            <a:r>
+              <a:rPr lang="en-IN" dirty="0"/>
+              <a:t>)</a:t>
+            </a:r>
+          </a:p>
+        </p:txBody>
+      </p:sp>
+      <p:cxnSp>
+        <p:nvCxnSpPr>
+          <p:cNvPr id="29" name="Straight Arrow Connector 28">
+            <a:extLst>
+              <a:ext uri="{FF2B5EF4-FFF2-40B4-BE49-F238E27FC236}">
+                <a16:creationId xmlns:a16="http://schemas.microsoft.com/office/drawing/2014/main" id="{043DA070-924A-45C8-ABB3-D382916EF503}"/>
+              </a:ext>
+            </a:extLst>
+          </p:cNvPr>
+          <p:cNvCxnSpPr>
+            <a:stCxn id="5" idx="3"/>
+            <a:endCxn id="22" idx="2"/>
+          </p:cNvCxnSpPr>
+          <p:nvPr/>
+        </p:nvCxnSpPr>
+        <p:spPr>
+          <a:xfrm>
+            <a:off x="7138220" y="3723968"/>
+            <a:ext cx="2163094" cy="14752"/>
+          </a:xfrm>
+          <a:prstGeom prst="straightConnector1">
+            <a:avLst/>
+          </a:prstGeom>
+          <a:ln w="38100">
+            <a:headEnd type="triangle"/>
+            <a:tailEnd type="triangle"/>
+          </a:ln>
+        </p:spPr>
+        <p:style>
+          <a:lnRef idx="1">
+            <a:schemeClr val="accent1"/>
+          </a:lnRef>
+          <a:fillRef idx="0">
+            <a:schemeClr val="accent1"/>
+          </a:fillRef>
+          <a:effectRef idx="0">
+            <a:schemeClr val="accent1"/>
+          </a:effectRef>
+          <a:fontRef idx="minor">
+            <a:schemeClr val="tx1"/>
+          </a:fontRef>
+        </p:style>
+      </p:cxnSp>
+      <p:sp>
+        <p:nvSpPr>
+          <p:cNvPr id="30" name="Oval 29">
+            <a:extLst>
+              <a:ext uri="{FF2B5EF4-FFF2-40B4-BE49-F238E27FC236}">
+                <a16:creationId xmlns:a16="http://schemas.microsoft.com/office/drawing/2014/main" id="{181847BE-7CC7-4781-81D8-3A5C3532405A}"/>
+              </a:ext>
+            </a:extLst>
+          </p:cNvPr>
+          <p:cNvSpPr/>
+          <p:nvPr/>
+        </p:nvSpPr>
+        <p:spPr>
+          <a:xfrm>
+            <a:off x="9301313" y="4540037"/>
+            <a:ext cx="2123763" cy="816069"/>
+          </a:xfrm>
+          <a:prstGeom prst="ellipse">
+            <a:avLst/>
+          </a:prstGeom>
+        </p:spPr>
+        <p:style>
+          <a:lnRef idx="2">
+            <a:schemeClr val="accent1">
+              <a:shade val="50000"/>
+            </a:schemeClr>
+          </a:lnRef>
+          <a:fillRef idx="1">
+            <a:schemeClr val="accent1"/>
+          </a:fillRef>
+          <a:effectRef idx="0">
+            <a:schemeClr val="accent1"/>
+          </a:effectRef>
+          <a:fontRef idx="minor">
+            <a:schemeClr val="lt1"/>
+          </a:fontRef>
+        </p:style>
+        <p:txBody>
+          <a:bodyPr rtlCol="0" anchor="ctr"/>
+          <a:lstStyle/>
+          <a:p>
+            <a:pPr algn="ctr"/>
+            <a:r>
+              <a:rPr lang="en-IN" dirty="0"/>
+              <a:t>SaaS Service</a:t>
+            </a:r>
+          </a:p>
+          <a:p>
+            <a:pPr algn="ctr"/>
+            <a:r>
+              <a:rPr lang="en-IN" dirty="0"/>
+              <a:t>(Gmail)</a:t>
+            </a:r>
+          </a:p>
+        </p:txBody>
+      </p:sp>
+      <p:cxnSp>
+        <p:nvCxnSpPr>
+          <p:cNvPr id="31" name="Straight Arrow Connector 30">
+            <a:extLst>
+              <a:ext uri="{FF2B5EF4-FFF2-40B4-BE49-F238E27FC236}">
+                <a16:creationId xmlns:a16="http://schemas.microsoft.com/office/drawing/2014/main" id="{815079F8-FA1A-4546-B88B-6CA7ABEC7317}"/>
+              </a:ext>
+            </a:extLst>
+          </p:cNvPr>
+          <p:cNvCxnSpPr>
+            <a:cxnSpLocks/>
+            <a:stCxn id="8" idx="3"/>
+            <a:endCxn id="30" idx="2"/>
+          </p:cNvCxnSpPr>
+          <p:nvPr/>
+        </p:nvCxnSpPr>
+        <p:spPr>
+          <a:xfrm flipV="1">
+            <a:off x="7138220" y="4948072"/>
+            <a:ext cx="2163093" cy="24592"/>
+          </a:xfrm>
+          <a:prstGeom prst="straightConnector1">
+            <a:avLst/>
+          </a:prstGeom>
+          <a:ln w="38100">
+            <a:headEnd type="triangle"/>
+            <a:tailEnd type="triangle"/>
+          </a:ln>
+        </p:spPr>
+        <p:style>
+          <a:lnRef idx="1">
+            <a:schemeClr val="accent1"/>
+          </a:lnRef>
+          <a:fillRef idx="0">
+            <a:schemeClr val="accent1"/>
+          </a:fillRef>
+          <a:effectRef idx="0">
+            <a:schemeClr val="accent1"/>
+          </a:effectRef>
+          <a:fontRef idx="minor">
+            <a:schemeClr val="tx1"/>
+          </a:fontRef>
+        </p:style>
+      </p:cxnSp>
+      <p:sp>
+        <p:nvSpPr>
+          <p:cNvPr id="35" name="Oval 34">
+            <a:extLst>
+              <a:ext uri="{FF2B5EF4-FFF2-40B4-BE49-F238E27FC236}">
+                <a16:creationId xmlns:a16="http://schemas.microsoft.com/office/drawing/2014/main" id="{5F27CAAB-9429-41C0-B450-16B82C01CFE3}"/>
+              </a:ext>
+            </a:extLst>
+          </p:cNvPr>
+          <p:cNvSpPr/>
+          <p:nvPr/>
+        </p:nvSpPr>
+        <p:spPr>
+          <a:xfrm>
+            <a:off x="9301312" y="5813324"/>
+            <a:ext cx="2123763" cy="816069"/>
+          </a:xfrm>
+          <a:prstGeom prst="ellipse">
+            <a:avLst/>
+          </a:prstGeom>
+        </p:spPr>
+        <p:style>
+          <a:lnRef idx="2">
+            <a:schemeClr val="accent1">
+              <a:shade val="50000"/>
+            </a:schemeClr>
+          </a:lnRef>
+          <a:fillRef idx="1">
+            <a:schemeClr val="accent1"/>
+          </a:fillRef>
+          <a:effectRef idx="0">
+            <a:schemeClr val="accent1"/>
+          </a:effectRef>
+          <a:fontRef idx="minor">
+            <a:schemeClr val="lt1"/>
+          </a:fontRef>
+        </p:style>
+        <p:txBody>
+          <a:bodyPr rtlCol="0" anchor="ctr"/>
+          <a:lstStyle/>
+          <a:p>
+            <a:pPr algn="ctr"/>
+            <a:r>
+              <a:rPr lang="en-IN" dirty="0"/>
+              <a:t>PaaS Service</a:t>
+            </a:r>
+          </a:p>
+          <a:p>
+            <a:pPr algn="ctr"/>
+            <a:r>
+              <a:rPr lang="en-IN" dirty="0"/>
+              <a:t>(Storage Account)</a:t>
+            </a:r>
+          </a:p>
+        </p:txBody>
+      </p:sp>
+      <p:cxnSp>
+        <p:nvCxnSpPr>
+          <p:cNvPr id="37" name="Straight Arrow Connector 36">
+            <a:extLst>
+              <a:ext uri="{FF2B5EF4-FFF2-40B4-BE49-F238E27FC236}">
+                <a16:creationId xmlns:a16="http://schemas.microsoft.com/office/drawing/2014/main" id="{75C5EF8B-01F2-4A56-B6A7-727BE3D0B101}"/>
+              </a:ext>
+            </a:extLst>
+          </p:cNvPr>
+          <p:cNvCxnSpPr>
+            <a:stCxn id="14" idx="3"/>
+            <a:endCxn id="35" idx="2"/>
+          </p:cNvCxnSpPr>
+          <p:nvPr/>
+        </p:nvCxnSpPr>
+        <p:spPr>
+          <a:xfrm flipV="1">
+            <a:off x="7138220" y="6221359"/>
+            <a:ext cx="2163092" cy="1"/>
+          </a:xfrm>
+          <a:prstGeom prst="straightConnector1">
+            <a:avLst/>
+          </a:prstGeom>
+          <a:ln w="38100">
+            <a:tailEnd type="triangle"/>
+          </a:ln>
+        </p:spPr>
+        <p:style>
+          <a:lnRef idx="1">
+            <a:schemeClr val="accent1"/>
+          </a:lnRef>
+          <a:fillRef idx="0">
+            <a:schemeClr val="accent1"/>
+          </a:fillRef>
+          <a:effectRef idx="0">
+            <a:schemeClr val="accent1"/>
+          </a:effectRef>
+          <a:fontRef idx="minor">
+            <a:schemeClr val="tx1"/>
+          </a:fontRef>
+        </p:style>
+      </p:cxnSp>
+      <p:sp>
+        <p:nvSpPr>
+          <p:cNvPr id="38" name="Title 1">
+            <a:extLst>
+              <a:ext uri="{FF2B5EF4-FFF2-40B4-BE49-F238E27FC236}">
+                <a16:creationId xmlns:a16="http://schemas.microsoft.com/office/drawing/2014/main" id="{77DCEBD2-5C55-480B-9F9D-E8CAD17D3422}"/>
               </a:ext>
             </a:extLst>
           </p:cNvPr>
@@ -17154,47 +17772,27 @@
             <p:ph type="title"/>
           </p:nvPr>
         </p:nvSpPr>
-        <p:spPr/>
+        <p:spPr>
+          <a:xfrm>
+            <a:off x="838200" y="365125"/>
+            <a:ext cx="10515600" cy="1325563"/>
+          </a:xfrm>
+        </p:spPr>
         <p:txBody>
           <a:bodyPr/>
           <a:lstStyle/>
           <a:p>
             <a:r>
               <a:rPr lang="en-IN" dirty="0"/>
-              <a:t>Azure Functions</a:t>
-            </a:r>
-          </a:p>
-        </p:txBody>
-      </p:sp>
-      <p:sp>
-        <p:nvSpPr>
-          <p:cNvPr id="5" name="Text Placeholder 4">
-            <a:extLst>
-              <a:ext uri="{FF2B5EF4-FFF2-40B4-BE49-F238E27FC236}">
-                <a16:creationId xmlns:a16="http://schemas.microsoft.com/office/drawing/2014/main" id="{05981AF3-BC37-4E35-9179-45124F2144AB}"/>
-              </a:ext>
-            </a:extLst>
-          </p:cNvPr>
-          <p:cNvSpPr>
-            <a:spLocks noGrp="1"/>
-          </p:cNvSpPr>
-          <p:nvPr>
-            <p:ph type="body" idx="1"/>
-          </p:nvPr>
-        </p:nvSpPr>
-        <p:spPr/>
-        <p:txBody>
-          <a:bodyPr/>
-          <a:lstStyle/>
-          <a:p>
-            <a:endParaRPr lang="en-IN"/>
+              <a:t>Logic App workflow </a:t>
+            </a:r>
           </a:p>
         </p:txBody>
       </p:sp>
     </p:spTree>
     <p:extLst>
       <p:ext uri="{BB962C8B-B14F-4D97-AF65-F5344CB8AC3E}">
-        <p14:creationId xmlns:p14="http://schemas.microsoft.com/office/powerpoint/2010/main" val="198470453"/>
+        <p14:creationId xmlns:p14="http://schemas.microsoft.com/office/powerpoint/2010/main" val="1769031640"/>
       </p:ext>
     </p:extLst>
   </p:cSld>
@@ -17223,413 +17821,61 @@
       </p:grpSpPr>
       <p:sp>
         <p:nvSpPr>
-          <p:cNvPr id="4" name="Rectangle 3">
-            <a:extLst>
-              <a:ext uri="{FF2B5EF4-FFF2-40B4-BE49-F238E27FC236}">
-                <a16:creationId xmlns:a16="http://schemas.microsoft.com/office/drawing/2014/main" id="{4B895BCF-EAE7-4094-88A6-1EFA78FC1342}"/>
-              </a:ext>
-            </a:extLst>
-          </p:cNvPr>
-          <p:cNvSpPr/>
-          <p:nvPr/>
-        </p:nvSpPr>
-        <p:spPr>
-          <a:xfrm>
-            <a:off x="629265" y="4316361"/>
-            <a:ext cx="1474838" cy="796413"/>
-          </a:xfrm>
-          <a:prstGeom prst="rect">
-            <a:avLst/>
-          </a:prstGeom>
-        </p:spPr>
-        <p:style>
-          <a:lnRef idx="2">
-            <a:schemeClr val="accent1">
-              <a:shade val="50000"/>
-            </a:schemeClr>
-          </a:lnRef>
-          <a:fillRef idx="1">
-            <a:schemeClr val="accent1"/>
-          </a:fillRef>
-          <a:effectRef idx="0">
-            <a:schemeClr val="accent1"/>
-          </a:effectRef>
-          <a:fontRef idx="minor">
-            <a:schemeClr val="lt1"/>
-          </a:fontRef>
-        </p:style>
-        <p:txBody>
-          <a:bodyPr rtlCol="0" anchor="ctr"/>
-          <a:lstStyle/>
-          <a:p>
-            <a:pPr algn="ctr"/>
-            <a:r>
-              <a:rPr lang="en-IN" dirty="0" err="1"/>
-              <a:t>EShop</a:t>
-            </a:r>
-            <a:endParaRPr lang="en-IN" dirty="0"/>
-          </a:p>
-        </p:txBody>
-      </p:sp>
-      <p:sp>
-        <p:nvSpPr>
-          <p:cNvPr id="5" name="Rectangle 4">
-            <a:extLst>
-              <a:ext uri="{FF2B5EF4-FFF2-40B4-BE49-F238E27FC236}">
-                <a16:creationId xmlns:a16="http://schemas.microsoft.com/office/drawing/2014/main" id="{CADBEB26-62EA-422E-9557-38C68D4E107A}"/>
-              </a:ext>
-            </a:extLst>
-          </p:cNvPr>
-          <p:cNvSpPr/>
-          <p:nvPr/>
-        </p:nvSpPr>
-        <p:spPr>
-          <a:xfrm>
-            <a:off x="3303639" y="2733367"/>
-            <a:ext cx="2064774" cy="715297"/>
-          </a:xfrm>
-          <a:prstGeom prst="rect">
-            <a:avLst/>
-          </a:prstGeom>
-        </p:spPr>
-        <p:style>
-          <a:lnRef idx="2">
-            <a:schemeClr val="accent1">
-              <a:shade val="50000"/>
-            </a:schemeClr>
-          </a:lnRef>
-          <a:fillRef idx="1">
-            <a:schemeClr val="accent1"/>
-          </a:fillRef>
-          <a:effectRef idx="0">
-            <a:schemeClr val="accent1"/>
-          </a:effectRef>
-          <a:fontRef idx="minor">
-            <a:schemeClr val="lt1"/>
-          </a:fontRef>
-        </p:style>
-        <p:txBody>
-          <a:bodyPr rtlCol="0" anchor="ctr"/>
-          <a:lstStyle/>
-          <a:p>
-            <a:pPr algn="ctr"/>
-            <a:r>
-              <a:rPr lang="en-IN" dirty="0"/>
-              <a:t>Queue</a:t>
-            </a:r>
-          </a:p>
-        </p:txBody>
-      </p:sp>
-      <p:cxnSp>
-        <p:nvCxnSpPr>
-          <p:cNvPr id="7" name="Straight Arrow Connector 6">
-            <a:extLst>
-              <a:ext uri="{FF2B5EF4-FFF2-40B4-BE49-F238E27FC236}">
-                <a16:creationId xmlns:a16="http://schemas.microsoft.com/office/drawing/2014/main" id="{E5E73FB9-426B-4F27-9F7F-7D868CBDFE95}"/>
-              </a:ext>
-            </a:extLst>
-          </p:cNvPr>
-          <p:cNvCxnSpPr>
-            <a:stCxn id="4" idx="3"/>
-            <a:endCxn id="5" idx="1"/>
-          </p:cNvCxnSpPr>
-          <p:nvPr/>
-        </p:nvCxnSpPr>
-        <p:spPr>
-          <a:xfrm flipV="1">
-            <a:off x="2104103" y="3091016"/>
-            <a:ext cx="1199536" cy="1623552"/>
-          </a:xfrm>
-          <a:prstGeom prst="straightConnector1">
-            <a:avLst/>
-          </a:prstGeom>
-          <a:ln>
-            <a:tailEnd type="triangle"/>
-          </a:ln>
-        </p:spPr>
-        <p:style>
-          <a:lnRef idx="1">
-            <a:schemeClr val="accent1"/>
-          </a:lnRef>
-          <a:fillRef idx="0">
-            <a:schemeClr val="accent1"/>
-          </a:fillRef>
-          <a:effectRef idx="0">
-            <a:schemeClr val="accent1"/>
-          </a:effectRef>
-          <a:fontRef idx="minor">
-            <a:schemeClr val="tx1"/>
-          </a:fontRef>
-        </p:style>
-      </p:cxnSp>
-      <p:sp>
-        <p:nvSpPr>
-          <p:cNvPr id="8" name="Lightning Bolt 7">
-            <a:extLst>
-              <a:ext uri="{FF2B5EF4-FFF2-40B4-BE49-F238E27FC236}">
-                <a16:creationId xmlns:a16="http://schemas.microsoft.com/office/drawing/2014/main" id="{F7C4EBA9-C0F2-4ADE-9959-CDF6EABFC224}"/>
-              </a:ext>
-            </a:extLst>
-          </p:cNvPr>
-          <p:cNvSpPr/>
-          <p:nvPr/>
-        </p:nvSpPr>
-        <p:spPr>
-          <a:xfrm>
-            <a:off x="6086168" y="2713702"/>
-            <a:ext cx="521110" cy="715297"/>
-          </a:xfrm>
-          <a:prstGeom prst="lightningBolt">
-            <a:avLst/>
-          </a:prstGeom>
-        </p:spPr>
-        <p:style>
-          <a:lnRef idx="2">
-            <a:schemeClr val="accent1">
-              <a:shade val="50000"/>
-            </a:schemeClr>
-          </a:lnRef>
-          <a:fillRef idx="1">
-            <a:schemeClr val="accent1"/>
-          </a:fillRef>
-          <a:effectRef idx="0">
-            <a:schemeClr val="accent1"/>
-          </a:effectRef>
-          <a:fontRef idx="minor">
-            <a:schemeClr val="lt1"/>
-          </a:fontRef>
-        </p:style>
-        <p:txBody>
-          <a:bodyPr rtlCol="0" anchor="ctr"/>
-          <a:lstStyle/>
-          <a:p>
-            <a:pPr algn="ctr"/>
+          <p:cNvPr id="4" name="Title 3">
+            <a:extLst>
+              <a:ext uri="{FF2B5EF4-FFF2-40B4-BE49-F238E27FC236}">
+                <a16:creationId xmlns:a16="http://schemas.microsoft.com/office/drawing/2014/main" id="{0963E3FB-BCA8-4766-937A-5223C2834C05}"/>
+              </a:ext>
+            </a:extLst>
+          </p:cNvPr>
+          <p:cNvSpPr>
+            <a:spLocks noGrp="1"/>
+          </p:cNvSpPr>
+          <p:nvPr>
+            <p:ph type="title"/>
+          </p:nvPr>
+        </p:nvSpPr>
+        <p:spPr/>
+        <p:txBody>
+          <a:bodyPr/>
+          <a:lstStyle/>
+          <a:p>
+            <a:r>
+              <a:rPr lang="en-IN" dirty="0"/>
+              <a:t>Azure Functions</a:t>
+            </a:r>
+          </a:p>
+        </p:txBody>
+      </p:sp>
+      <p:sp>
+        <p:nvSpPr>
+          <p:cNvPr id="5" name="Text Placeholder 4">
+            <a:extLst>
+              <a:ext uri="{FF2B5EF4-FFF2-40B4-BE49-F238E27FC236}">
+                <a16:creationId xmlns:a16="http://schemas.microsoft.com/office/drawing/2014/main" id="{05981AF3-BC37-4E35-9179-45124F2144AB}"/>
+              </a:ext>
+            </a:extLst>
+          </p:cNvPr>
+          <p:cNvSpPr>
+            <a:spLocks noGrp="1"/>
+          </p:cNvSpPr>
+          <p:nvPr>
+            <p:ph type="body" idx="1"/>
+          </p:nvPr>
+        </p:nvSpPr>
+        <p:spPr/>
+        <p:txBody>
+          <a:bodyPr/>
+          <a:lstStyle/>
+          <a:p>
             <a:endParaRPr lang="en-IN"/>
           </a:p>
         </p:txBody>
       </p:sp>
-      <p:sp>
-        <p:nvSpPr>
-          <p:cNvPr id="9" name="Rectangle: Rounded Corners 8">
-            <a:extLst>
-              <a:ext uri="{FF2B5EF4-FFF2-40B4-BE49-F238E27FC236}">
-                <a16:creationId xmlns:a16="http://schemas.microsoft.com/office/drawing/2014/main" id="{17F167B6-8A9F-4AE7-9CF4-16913B9158F8}"/>
-              </a:ext>
-            </a:extLst>
-          </p:cNvPr>
-          <p:cNvSpPr/>
-          <p:nvPr/>
-        </p:nvSpPr>
-        <p:spPr>
-          <a:xfrm>
-            <a:off x="7521677" y="2713703"/>
-            <a:ext cx="1956620" cy="715297"/>
-          </a:xfrm>
-          <a:prstGeom prst="roundRect">
-            <a:avLst/>
-          </a:prstGeom>
-        </p:spPr>
-        <p:style>
-          <a:lnRef idx="2">
-            <a:schemeClr val="accent1">
-              <a:shade val="50000"/>
-            </a:schemeClr>
-          </a:lnRef>
-          <a:fillRef idx="1">
-            <a:schemeClr val="accent1"/>
-          </a:fillRef>
-          <a:effectRef idx="0">
-            <a:schemeClr val="accent1"/>
-          </a:effectRef>
-          <a:fontRef idx="minor">
-            <a:schemeClr val="lt1"/>
-          </a:fontRef>
-        </p:style>
-        <p:txBody>
-          <a:bodyPr rtlCol="0" anchor="ctr"/>
-          <a:lstStyle/>
-          <a:p>
-            <a:pPr algn="ctr"/>
-            <a:r>
-              <a:rPr lang="en-IN" dirty="0"/>
-              <a:t>Function</a:t>
-            </a:r>
-          </a:p>
-        </p:txBody>
-      </p:sp>
-      <p:cxnSp>
-        <p:nvCxnSpPr>
-          <p:cNvPr id="11" name="Straight Arrow Connector 10">
-            <a:extLst>
-              <a:ext uri="{FF2B5EF4-FFF2-40B4-BE49-F238E27FC236}">
-                <a16:creationId xmlns:a16="http://schemas.microsoft.com/office/drawing/2014/main" id="{5C055E6F-21FE-4B8A-97A2-B5A048AE9BF4}"/>
-              </a:ext>
-            </a:extLst>
-          </p:cNvPr>
-          <p:cNvCxnSpPr>
-            <a:stCxn id="5" idx="3"/>
-            <a:endCxn id="9" idx="1"/>
-          </p:cNvCxnSpPr>
-          <p:nvPr/>
-        </p:nvCxnSpPr>
-        <p:spPr>
-          <a:xfrm flipV="1">
-            <a:off x="5368413" y="3071352"/>
-            <a:ext cx="2153264" cy="19664"/>
-          </a:xfrm>
-          <a:prstGeom prst="straightConnector1">
-            <a:avLst/>
-          </a:prstGeom>
-          <a:ln>
-            <a:tailEnd type="triangle"/>
-          </a:ln>
-        </p:spPr>
-        <p:style>
-          <a:lnRef idx="1">
-            <a:schemeClr val="accent1"/>
-          </a:lnRef>
-          <a:fillRef idx="0">
-            <a:schemeClr val="accent1"/>
-          </a:fillRef>
-          <a:effectRef idx="0">
-            <a:schemeClr val="accent1"/>
-          </a:effectRef>
-          <a:fontRef idx="minor">
-            <a:schemeClr val="tx1"/>
-          </a:fontRef>
-        </p:style>
-      </p:cxnSp>
-      <p:sp>
-        <p:nvSpPr>
-          <p:cNvPr id="12" name="TextBox 11">
-            <a:extLst>
-              <a:ext uri="{FF2B5EF4-FFF2-40B4-BE49-F238E27FC236}">
-                <a16:creationId xmlns:a16="http://schemas.microsoft.com/office/drawing/2014/main" id="{0849C10C-56A9-45B5-BD1D-7934E308B846}"/>
-              </a:ext>
-            </a:extLst>
-          </p:cNvPr>
-          <p:cNvSpPr txBox="1"/>
-          <p:nvPr/>
-        </p:nvSpPr>
-        <p:spPr>
-          <a:xfrm>
-            <a:off x="5294671" y="2165545"/>
-            <a:ext cx="2625213" cy="369332"/>
-          </a:xfrm>
-          <a:prstGeom prst="rect">
-            <a:avLst/>
-          </a:prstGeom>
-          <a:noFill/>
-        </p:spPr>
-        <p:txBody>
-          <a:bodyPr wrap="square" rtlCol="0">
-            <a:spAutoFit/>
-          </a:bodyPr>
-          <a:lstStyle/>
-          <a:p>
-            <a:r>
-              <a:rPr lang="en-IN" dirty="0"/>
-              <a:t>Trigger: Message Added</a:t>
-            </a:r>
-          </a:p>
-        </p:txBody>
-      </p:sp>
-      <p:sp>
-        <p:nvSpPr>
-          <p:cNvPr id="13" name="Flowchart: Magnetic Disk 12">
-            <a:extLst>
-              <a:ext uri="{FF2B5EF4-FFF2-40B4-BE49-F238E27FC236}">
-                <a16:creationId xmlns:a16="http://schemas.microsoft.com/office/drawing/2014/main" id="{CE78CFBE-F954-4245-A79F-BC0BA021D79E}"/>
-              </a:ext>
-            </a:extLst>
-          </p:cNvPr>
-          <p:cNvSpPr/>
-          <p:nvPr/>
-        </p:nvSpPr>
-        <p:spPr>
-          <a:xfrm>
-            <a:off x="11208774" y="2566983"/>
-            <a:ext cx="884903" cy="1008733"/>
-          </a:xfrm>
-          <a:prstGeom prst="flowChartMagneticDisk">
-            <a:avLst/>
-          </a:prstGeom>
-        </p:spPr>
-        <p:style>
-          <a:lnRef idx="2">
-            <a:schemeClr val="accent1">
-              <a:shade val="50000"/>
-            </a:schemeClr>
-          </a:lnRef>
-          <a:fillRef idx="1">
-            <a:schemeClr val="accent1"/>
-          </a:fillRef>
-          <a:effectRef idx="0">
-            <a:schemeClr val="accent1"/>
-          </a:effectRef>
-          <a:fontRef idx="minor">
-            <a:schemeClr val="lt1"/>
-          </a:fontRef>
-        </p:style>
-        <p:txBody>
-          <a:bodyPr rtlCol="0" anchor="ctr"/>
-          <a:lstStyle/>
-          <a:p>
-            <a:pPr algn="ctr"/>
-            <a:r>
-              <a:rPr lang="en-IN" dirty="0" err="1"/>
-              <a:t>CosmosDB</a:t>
-            </a:r>
-            <a:endParaRPr lang="en-IN" dirty="0"/>
-          </a:p>
-        </p:txBody>
-      </p:sp>
-      <p:cxnSp>
-        <p:nvCxnSpPr>
-          <p:cNvPr id="15" name="Straight Arrow Connector 14">
-            <a:extLst>
-              <a:ext uri="{FF2B5EF4-FFF2-40B4-BE49-F238E27FC236}">
-                <a16:creationId xmlns:a16="http://schemas.microsoft.com/office/drawing/2014/main" id="{5198FD21-16A8-4A2A-AC24-7027E6205E79}"/>
-              </a:ext>
-            </a:extLst>
-          </p:cNvPr>
-          <p:cNvCxnSpPr>
-            <a:stCxn id="9" idx="3"/>
-            <a:endCxn id="13" idx="2"/>
-          </p:cNvCxnSpPr>
-          <p:nvPr/>
-        </p:nvCxnSpPr>
-        <p:spPr>
-          <a:xfrm flipV="1">
-            <a:off x="9478297" y="3071350"/>
-            <a:ext cx="1730477" cy="2"/>
-          </a:xfrm>
-          <a:prstGeom prst="straightConnector1">
-            <a:avLst/>
-          </a:prstGeom>
-          <a:ln>
-            <a:tailEnd type="triangle"/>
-          </a:ln>
-        </p:spPr>
-        <p:style>
-          <a:lnRef idx="1">
-            <a:schemeClr val="accent1"/>
-          </a:lnRef>
-          <a:fillRef idx="0">
-            <a:schemeClr val="accent1"/>
-          </a:fillRef>
-          <a:effectRef idx="0">
-            <a:schemeClr val="accent1"/>
-          </a:effectRef>
-          <a:fontRef idx="minor">
-            <a:schemeClr val="tx1"/>
-          </a:fontRef>
-        </p:style>
-      </p:cxnSp>
     </p:spTree>
     <p:extLst>
       <p:ext uri="{BB962C8B-B14F-4D97-AF65-F5344CB8AC3E}">
-        <p14:creationId xmlns:p14="http://schemas.microsoft.com/office/powerpoint/2010/main" val="1061681692"/>
+        <p14:creationId xmlns:p14="http://schemas.microsoft.com/office/powerpoint/2010/main" val="198470453"/>
       </p:ext>
     </p:extLst>
   </p:cSld>
@@ -17658,105 +17904,413 @@
       </p:grpSpPr>
       <p:sp>
         <p:nvSpPr>
-          <p:cNvPr id="2" name="Title 1">
-            <a:extLst>
-              <a:ext uri="{FF2B5EF4-FFF2-40B4-BE49-F238E27FC236}">
-                <a16:creationId xmlns:a16="http://schemas.microsoft.com/office/drawing/2014/main" id="{D946573C-932B-4C72-857C-E80DDDC5CF3F}"/>
-              </a:ext>
-            </a:extLst>
-          </p:cNvPr>
-          <p:cNvSpPr>
-            <a:spLocks noGrp="1"/>
-          </p:cNvSpPr>
-          <p:nvPr>
-            <p:ph type="title"/>
-          </p:nvPr>
-        </p:nvSpPr>
-        <p:spPr/>
-        <p:txBody>
-          <a:bodyPr/>
-          <a:lstStyle/>
-          <a:p>
-            <a:r>
-              <a:rPr lang="en-IN" dirty="0"/>
-              <a:t>Develop functions locally</a:t>
-            </a:r>
-          </a:p>
-        </p:txBody>
-      </p:sp>
-      <p:sp>
-        <p:nvSpPr>
-          <p:cNvPr id="3" name="Content Placeholder 2">
-            <a:extLst>
-              <a:ext uri="{FF2B5EF4-FFF2-40B4-BE49-F238E27FC236}">
-                <a16:creationId xmlns:a16="http://schemas.microsoft.com/office/drawing/2014/main" id="{50C7E814-BABF-4F56-8611-62D33B0D459B}"/>
-              </a:ext>
-            </a:extLst>
-          </p:cNvPr>
-          <p:cNvSpPr>
-            <a:spLocks noGrp="1"/>
-          </p:cNvSpPr>
-          <p:nvPr>
-            <p:ph idx="1"/>
-          </p:nvPr>
-        </p:nvSpPr>
-        <p:spPr/>
-        <p:txBody>
-          <a:bodyPr/>
-          <a:lstStyle/>
-          <a:p>
-            <a:r>
-              <a:rPr lang="en-IN" dirty="0"/>
-              <a:t>Use Visual Studio 2017+ with </a:t>
-            </a:r>
+          <p:cNvPr id="4" name="Rectangle 3">
+            <a:extLst>
+              <a:ext uri="{FF2B5EF4-FFF2-40B4-BE49-F238E27FC236}">
+                <a16:creationId xmlns:a16="http://schemas.microsoft.com/office/drawing/2014/main" id="{4B895BCF-EAE7-4094-88A6-1EFA78FC1342}"/>
+              </a:ext>
+            </a:extLst>
+          </p:cNvPr>
+          <p:cNvSpPr/>
+          <p:nvPr/>
+        </p:nvSpPr>
+        <p:spPr>
+          <a:xfrm>
+            <a:off x="629265" y="4316361"/>
+            <a:ext cx="1474838" cy="796413"/>
+          </a:xfrm>
+          <a:prstGeom prst="rect">
+            <a:avLst/>
+          </a:prstGeom>
+        </p:spPr>
+        <p:style>
+          <a:lnRef idx="2">
+            <a:schemeClr val="accent1">
+              <a:shade val="50000"/>
+            </a:schemeClr>
+          </a:lnRef>
+          <a:fillRef idx="1">
+            <a:schemeClr val="accent1"/>
+          </a:fillRef>
+          <a:effectRef idx="0">
+            <a:schemeClr val="accent1"/>
+          </a:effectRef>
+          <a:fontRef idx="minor">
+            <a:schemeClr val="lt1"/>
+          </a:fontRef>
+        </p:style>
+        <p:txBody>
+          <a:bodyPr rtlCol="0" anchor="ctr"/>
+          <a:lstStyle/>
+          <a:p>
+            <a:pPr algn="ctr"/>
             <a:r>
               <a:rPr lang="en-IN" dirty="0" err="1"/>
-              <a:t>WebJobs</a:t>
-            </a:r>
-            <a:r>
-              <a:rPr lang="en-IN" dirty="0"/>
-              <a:t> Tool Extension</a:t>
-            </a:r>
-          </a:p>
-          <a:p>
-            <a:r>
-              <a:rPr lang="en-IN" dirty="0"/>
-              <a:t>Also use the Function CLI – Node package</a:t>
-            </a:r>
-          </a:p>
-          <a:p>
-            <a:pPr lvl="1"/>
+              <a:t>EShop</a:t>
+            </a:r>
+            <a:endParaRPr lang="en-IN" dirty="0"/>
+          </a:p>
+        </p:txBody>
+      </p:sp>
+      <p:sp>
+        <p:nvSpPr>
+          <p:cNvPr id="5" name="Rectangle 4">
+            <a:extLst>
+              <a:ext uri="{FF2B5EF4-FFF2-40B4-BE49-F238E27FC236}">
+                <a16:creationId xmlns:a16="http://schemas.microsoft.com/office/drawing/2014/main" id="{CADBEB26-62EA-422E-9557-38C68D4E107A}"/>
+              </a:ext>
+            </a:extLst>
+          </p:cNvPr>
+          <p:cNvSpPr/>
+          <p:nvPr/>
+        </p:nvSpPr>
+        <p:spPr>
+          <a:xfrm>
+            <a:off x="3303639" y="2733367"/>
+            <a:ext cx="2064774" cy="715297"/>
+          </a:xfrm>
+          <a:prstGeom prst="rect">
+            <a:avLst/>
+          </a:prstGeom>
+        </p:spPr>
+        <p:style>
+          <a:lnRef idx="2">
+            <a:schemeClr val="accent1">
+              <a:shade val="50000"/>
+            </a:schemeClr>
+          </a:lnRef>
+          <a:fillRef idx="1">
+            <a:schemeClr val="accent1"/>
+          </a:fillRef>
+          <a:effectRef idx="0">
+            <a:schemeClr val="accent1"/>
+          </a:effectRef>
+          <a:fontRef idx="minor">
+            <a:schemeClr val="lt1"/>
+          </a:fontRef>
+        </p:style>
+        <p:txBody>
+          <a:bodyPr rtlCol="0" anchor="ctr"/>
+          <a:lstStyle/>
+          <a:p>
+            <a:pPr algn="ctr"/>
+            <a:r>
+              <a:rPr lang="en-IN" dirty="0"/>
+              <a:t>Queue</a:t>
+            </a:r>
+          </a:p>
+        </p:txBody>
+      </p:sp>
+      <p:cxnSp>
+        <p:nvCxnSpPr>
+          <p:cNvPr id="7" name="Straight Arrow Connector 6">
+            <a:extLst>
+              <a:ext uri="{FF2B5EF4-FFF2-40B4-BE49-F238E27FC236}">
+                <a16:creationId xmlns:a16="http://schemas.microsoft.com/office/drawing/2014/main" id="{E5E73FB9-426B-4F27-9F7F-7D868CBDFE95}"/>
+              </a:ext>
+            </a:extLst>
+          </p:cNvPr>
+          <p:cNvCxnSpPr>
+            <a:stCxn id="4" idx="3"/>
+            <a:endCxn id="5" idx="1"/>
+          </p:cNvCxnSpPr>
+          <p:nvPr/>
+        </p:nvCxnSpPr>
+        <p:spPr>
+          <a:xfrm flipV="1">
+            <a:off x="2104103" y="3091016"/>
+            <a:ext cx="1199536" cy="1623552"/>
+          </a:xfrm>
+          <a:prstGeom prst="straightConnector1">
+            <a:avLst/>
+          </a:prstGeom>
+          <a:ln>
+            <a:tailEnd type="triangle"/>
+          </a:ln>
+        </p:spPr>
+        <p:style>
+          <a:lnRef idx="1">
+            <a:schemeClr val="accent1"/>
+          </a:lnRef>
+          <a:fillRef idx="0">
+            <a:schemeClr val="accent1"/>
+          </a:fillRef>
+          <a:effectRef idx="0">
+            <a:schemeClr val="accent1"/>
+          </a:effectRef>
+          <a:fontRef idx="minor">
+            <a:schemeClr val="tx1"/>
+          </a:fontRef>
+        </p:style>
+      </p:cxnSp>
+      <p:sp>
+        <p:nvSpPr>
+          <p:cNvPr id="8" name="Lightning Bolt 7">
+            <a:extLst>
+              <a:ext uri="{FF2B5EF4-FFF2-40B4-BE49-F238E27FC236}">
+                <a16:creationId xmlns:a16="http://schemas.microsoft.com/office/drawing/2014/main" id="{F7C4EBA9-C0F2-4ADE-9959-CDF6EABFC224}"/>
+              </a:ext>
+            </a:extLst>
+          </p:cNvPr>
+          <p:cNvSpPr/>
+          <p:nvPr/>
+        </p:nvSpPr>
+        <p:spPr>
+          <a:xfrm>
+            <a:off x="6086168" y="2713702"/>
+            <a:ext cx="521110" cy="715297"/>
+          </a:xfrm>
+          <a:prstGeom prst="lightningBolt">
+            <a:avLst/>
+          </a:prstGeom>
+        </p:spPr>
+        <p:style>
+          <a:lnRef idx="2">
+            <a:schemeClr val="accent1">
+              <a:shade val="50000"/>
+            </a:schemeClr>
+          </a:lnRef>
+          <a:fillRef idx="1">
+            <a:schemeClr val="accent1"/>
+          </a:fillRef>
+          <a:effectRef idx="0">
+            <a:schemeClr val="accent1"/>
+          </a:effectRef>
+          <a:fontRef idx="minor">
+            <a:schemeClr val="lt1"/>
+          </a:fontRef>
+        </p:style>
+        <p:txBody>
+          <a:bodyPr rtlCol="0" anchor="ctr"/>
+          <a:lstStyle/>
+          <a:p>
+            <a:pPr algn="ctr"/>
+            <a:endParaRPr lang="en-IN"/>
+          </a:p>
+        </p:txBody>
+      </p:sp>
+      <p:sp>
+        <p:nvSpPr>
+          <p:cNvPr id="9" name="Rectangle: Rounded Corners 8">
+            <a:extLst>
+              <a:ext uri="{FF2B5EF4-FFF2-40B4-BE49-F238E27FC236}">
+                <a16:creationId xmlns:a16="http://schemas.microsoft.com/office/drawing/2014/main" id="{17F167B6-8A9F-4AE7-9CF4-16913B9158F8}"/>
+              </a:ext>
+            </a:extLst>
+          </p:cNvPr>
+          <p:cNvSpPr/>
+          <p:nvPr/>
+        </p:nvSpPr>
+        <p:spPr>
+          <a:xfrm>
+            <a:off x="7521677" y="2713703"/>
+            <a:ext cx="1956620" cy="715297"/>
+          </a:xfrm>
+          <a:prstGeom prst="roundRect">
+            <a:avLst/>
+          </a:prstGeom>
+        </p:spPr>
+        <p:style>
+          <a:lnRef idx="2">
+            <a:schemeClr val="accent1">
+              <a:shade val="50000"/>
+            </a:schemeClr>
+          </a:lnRef>
+          <a:fillRef idx="1">
+            <a:schemeClr val="accent1"/>
+          </a:fillRef>
+          <a:effectRef idx="0">
+            <a:schemeClr val="accent1"/>
+          </a:effectRef>
+          <a:fontRef idx="minor">
+            <a:schemeClr val="lt1"/>
+          </a:fontRef>
+        </p:style>
+        <p:txBody>
+          <a:bodyPr rtlCol="0" anchor="ctr"/>
+          <a:lstStyle/>
+          <a:p>
+            <a:pPr algn="ctr"/>
+            <a:r>
+              <a:rPr lang="en-IN" dirty="0"/>
+              <a:t>Function</a:t>
+            </a:r>
+          </a:p>
+        </p:txBody>
+      </p:sp>
+      <p:cxnSp>
+        <p:nvCxnSpPr>
+          <p:cNvPr id="11" name="Straight Arrow Connector 10">
+            <a:extLst>
+              <a:ext uri="{FF2B5EF4-FFF2-40B4-BE49-F238E27FC236}">
+                <a16:creationId xmlns:a16="http://schemas.microsoft.com/office/drawing/2014/main" id="{5C055E6F-21FE-4B8A-97A2-B5A048AE9BF4}"/>
+              </a:ext>
+            </a:extLst>
+          </p:cNvPr>
+          <p:cNvCxnSpPr>
+            <a:stCxn id="5" idx="3"/>
+            <a:endCxn id="9" idx="1"/>
+          </p:cNvCxnSpPr>
+          <p:nvPr/>
+        </p:nvCxnSpPr>
+        <p:spPr>
+          <a:xfrm flipV="1">
+            <a:off x="5368413" y="3071352"/>
+            <a:ext cx="2153264" cy="19664"/>
+          </a:xfrm>
+          <a:prstGeom prst="straightConnector1">
+            <a:avLst/>
+          </a:prstGeom>
+          <a:ln>
+            <a:tailEnd type="triangle"/>
+          </a:ln>
+        </p:spPr>
+        <p:style>
+          <a:lnRef idx="1">
+            <a:schemeClr val="accent1"/>
+          </a:lnRef>
+          <a:fillRef idx="0">
+            <a:schemeClr val="accent1"/>
+          </a:fillRef>
+          <a:effectRef idx="0">
+            <a:schemeClr val="accent1"/>
+          </a:effectRef>
+          <a:fontRef idx="minor">
+            <a:schemeClr val="tx1"/>
+          </a:fontRef>
+        </p:style>
+      </p:cxnSp>
+      <p:sp>
+        <p:nvSpPr>
+          <p:cNvPr id="12" name="TextBox 11">
+            <a:extLst>
+              <a:ext uri="{FF2B5EF4-FFF2-40B4-BE49-F238E27FC236}">
+                <a16:creationId xmlns:a16="http://schemas.microsoft.com/office/drawing/2014/main" id="{0849C10C-56A9-45B5-BD1D-7934E308B846}"/>
+              </a:ext>
+            </a:extLst>
+          </p:cNvPr>
+          <p:cNvSpPr txBox="1"/>
+          <p:nvPr/>
+        </p:nvSpPr>
+        <p:spPr>
+          <a:xfrm>
+            <a:off x="5294671" y="2165545"/>
+            <a:ext cx="2625213" cy="369332"/>
+          </a:xfrm>
+          <a:prstGeom prst="rect">
+            <a:avLst/>
+          </a:prstGeom>
+          <a:noFill/>
+        </p:spPr>
+        <p:txBody>
+          <a:bodyPr wrap="square" rtlCol="0">
+            <a:spAutoFit/>
+          </a:bodyPr>
+          <a:lstStyle/>
+          <a:p>
+            <a:r>
+              <a:rPr lang="en-IN" dirty="0"/>
+              <a:t>Trigger: Message Added</a:t>
+            </a:r>
+          </a:p>
+        </p:txBody>
+      </p:sp>
+      <p:sp>
+        <p:nvSpPr>
+          <p:cNvPr id="13" name="Flowchart: Magnetic Disk 12">
+            <a:extLst>
+              <a:ext uri="{FF2B5EF4-FFF2-40B4-BE49-F238E27FC236}">
+                <a16:creationId xmlns:a16="http://schemas.microsoft.com/office/drawing/2014/main" id="{CE78CFBE-F954-4245-A79F-BC0BA021D79E}"/>
+              </a:ext>
+            </a:extLst>
+          </p:cNvPr>
+          <p:cNvSpPr/>
+          <p:nvPr/>
+        </p:nvSpPr>
+        <p:spPr>
+          <a:xfrm>
+            <a:off x="11208774" y="2566983"/>
+            <a:ext cx="884903" cy="1008733"/>
+          </a:xfrm>
+          <a:prstGeom prst="flowChartMagneticDisk">
+            <a:avLst/>
+          </a:prstGeom>
+        </p:spPr>
+        <p:style>
+          <a:lnRef idx="2">
+            <a:schemeClr val="accent1">
+              <a:shade val="50000"/>
+            </a:schemeClr>
+          </a:lnRef>
+          <a:fillRef idx="1">
+            <a:schemeClr val="accent1"/>
+          </a:fillRef>
+          <a:effectRef idx="0">
+            <a:schemeClr val="accent1"/>
+          </a:effectRef>
+          <a:fontRef idx="minor">
+            <a:schemeClr val="lt1"/>
+          </a:fontRef>
+        </p:style>
+        <p:txBody>
+          <a:bodyPr rtlCol="0" anchor="ctr"/>
+          <a:lstStyle/>
+          <a:p>
+            <a:pPr algn="ctr"/>
             <a:r>
               <a:rPr lang="en-IN" dirty="0" err="1"/>
-              <a:t>npm</a:t>
-            </a:r>
-            <a:r>
-              <a:rPr lang="en-IN" dirty="0"/>
-              <a:t> install –g azure-functions-core-tools@1    =&gt; Install version 1</a:t>
-            </a:r>
-          </a:p>
-          <a:p>
-            <a:pPr lvl="1"/>
-            <a:r>
-              <a:rPr lang="en-IN" dirty="0" err="1"/>
-              <a:t>npm</a:t>
-            </a:r>
-            <a:r>
-              <a:rPr lang="en-IN" dirty="0"/>
-              <a:t> install –g </a:t>
-            </a:r>
-            <a:r>
-              <a:rPr lang="en-IN"/>
-              <a:t>azure-functions-core-tools          =&gt; install version 2</a:t>
+              <a:t>CosmosDB</a:t>
             </a:r>
             <a:endParaRPr lang="en-IN" dirty="0"/>
           </a:p>
         </p:txBody>
       </p:sp>
+      <p:cxnSp>
+        <p:nvCxnSpPr>
+          <p:cNvPr id="15" name="Straight Arrow Connector 14">
+            <a:extLst>
+              <a:ext uri="{FF2B5EF4-FFF2-40B4-BE49-F238E27FC236}">
+                <a16:creationId xmlns:a16="http://schemas.microsoft.com/office/drawing/2014/main" id="{5198FD21-16A8-4A2A-AC24-7027E6205E79}"/>
+              </a:ext>
+            </a:extLst>
+          </p:cNvPr>
+          <p:cNvCxnSpPr>
+            <a:stCxn id="9" idx="3"/>
+            <a:endCxn id="13" idx="2"/>
+          </p:cNvCxnSpPr>
+          <p:nvPr/>
+        </p:nvCxnSpPr>
+        <p:spPr>
+          <a:xfrm flipV="1">
+            <a:off x="9478297" y="3071350"/>
+            <a:ext cx="1730477" cy="2"/>
+          </a:xfrm>
+          <a:prstGeom prst="straightConnector1">
+            <a:avLst/>
+          </a:prstGeom>
+          <a:ln>
+            <a:tailEnd type="triangle"/>
+          </a:ln>
+        </p:spPr>
+        <p:style>
+          <a:lnRef idx="1">
+            <a:schemeClr val="accent1"/>
+          </a:lnRef>
+          <a:fillRef idx="0">
+            <a:schemeClr val="accent1"/>
+          </a:fillRef>
+          <a:effectRef idx="0">
+            <a:schemeClr val="accent1"/>
+          </a:effectRef>
+          <a:fontRef idx="minor">
+            <a:schemeClr val="tx1"/>
+          </a:fontRef>
+        </p:style>
+      </p:cxnSp>
     </p:spTree>
     <p:extLst>
       <p:ext uri="{BB962C8B-B14F-4D97-AF65-F5344CB8AC3E}">
-        <p14:creationId xmlns:p14="http://schemas.microsoft.com/office/powerpoint/2010/main" val="38757546"/>
+        <p14:creationId xmlns:p14="http://schemas.microsoft.com/office/powerpoint/2010/main" val="1061681692"/>
       </p:ext>
     </p:extLst>
   </p:cSld>
@@ -17788,7 +18342,7 @@
           <p:cNvPr id="2" name="Title 1">
             <a:extLst>
               <a:ext uri="{FF2B5EF4-FFF2-40B4-BE49-F238E27FC236}">
-                <a16:creationId xmlns:a16="http://schemas.microsoft.com/office/drawing/2014/main" id="{8550F581-C895-49FB-99AB-3E838F99ADE5}"/>
+                <a16:creationId xmlns:a16="http://schemas.microsoft.com/office/drawing/2014/main" id="{D946573C-932B-4C72-857C-E80DDDC5CF3F}"/>
               </a:ext>
             </a:extLst>
           </p:cNvPr>
@@ -17806,591 +18360,84 @@
           <a:p>
             <a:r>
               <a:rPr lang="en-IN" dirty="0"/>
-              <a:t>Function Proxy</a:t>
-            </a:r>
-          </a:p>
-        </p:txBody>
-      </p:sp>
-      <p:sp>
-        <p:nvSpPr>
-          <p:cNvPr id="4" name="Rectangle 3">
-            <a:extLst>
-              <a:ext uri="{FF2B5EF4-FFF2-40B4-BE49-F238E27FC236}">
-                <a16:creationId xmlns:a16="http://schemas.microsoft.com/office/drawing/2014/main" id="{87CB3F9C-E41A-4784-86B7-912F333CC3AD}"/>
-              </a:ext>
-            </a:extLst>
-          </p:cNvPr>
-          <p:cNvSpPr/>
-          <p:nvPr/>
-        </p:nvSpPr>
-        <p:spPr>
-          <a:xfrm>
-            <a:off x="501445" y="3429000"/>
-            <a:ext cx="1582994" cy="631723"/>
-          </a:xfrm>
-          <a:prstGeom prst="rect">
-            <a:avLst/>
-          </a:prstGeom>
-        </p:spPr>
-        <p:style>
-          <a:lnRef idx="2">
-            <a:schemeClr val="accent1">
-              <a:shade val="50000"/>
-            </a:schemeClr>
-          </a:lnRef>
-          <a:fillRef idx="1">
-            <a:schemeClr val="accent1"/>
-          </a:fillRef>
-          <a:effectRef idx="0">
-            <a:schemeClr val="accent1"/>
-          </a:effectRef>
-          <a:fontRef idx="minor">
-            <a:schemeClr val="lt1"/>
-          </a:fontRef>
-        </p:style>
-        <p:txBody>
-          <a:bodyPr rtlCol="0" anchor="ctr"/>
-          <a:lstStyle/>
-          <a:p>
-            <a:pPr algn="ctr"/>
-            <a:r>
-              <a:rPr lang="en-IN" dirty="0"/>
-              <a:t>Client</a:t>
-            </a:r>
-          </a:p>
-        </p:txBody>
-      </p:sp>
-      <p:sp>
-        <p:nvSpPr>
-          <p:cNvPr id="5" name="Rectangle 4">
-            <a:extLst>
-              <a:ext uri="{FF2B5EF4-FFF2-40B4-BE49-F238E27FC236}">
-                <a16:creationId xmlns:a16="http://schemas.microsoft.com/office/drawing/2014/main" id="{76275A02-3B07-4385-92AC-2E33D8B52845}"/>
-              </a:ext>
-            </a:extLst>
-          </p:cNvPr>
-          <p:cNvSpPr/>
-          <p:nvPr/>
-        </p:nvSpPr>
-        <p:spPr>
-          <a:xfrm>
-            <a:off x="9394722" y="3429000"/>
-            <a:ext cx="1582994" cy="631723"/>
-          </a:xfrm>
-          <a:prstGeom prst="rect">
-            <a:avLst/>
-          </a:prstGeom>
-        </p:spPr>
-        <p:style>
-          <a:lnRef idx="2">
-            <a:schemeClr val="accent1">
-              <a:shade val="50000"/>
-            </a:schemeClr>
-          </a:lnRef>
-          <a:fillRef idx="1">
-            <a:schemeClr val="accent1"/>
-          </a:fillRef>
-          <a:effectRef idx="0">
-            <a:schemeClr val="accent1"/>
-          </a:effectRef>
-          <a:fontRef idx="minor">
-            <a:schemeClr val="lt1"/>
-          </a:fontRef>
-        </p:style>
-        <p:txBody>
-          <a:bodyPr rtlCol="0" anchor="ctr"/>
-          <a:lstStyle/>
-          <a:p>
-            <a:pPr algn="ctr"/>
-            <a:r>
-              <a:rPr lang="en-IN" dirty="0"/>
-              <a:t>API (Web App)</a:t>
-            </a:r>
-          </a:p>
-        </p:txBody>
-      </p:sp>
-      <p:sp>
-        <p:nvSpPr>
-          <p:cNvPr id="6" name="TextBox 5">
-            <a:extLst>
-              <a:ext uri="{FF2B5EF4-FFF2-40B4-BE49-F238E27FC236}">
-                <a16:creationId xmlns:a16="http://schemas.microsoft.com/office/drawing/2014/main" id="{02162704-AF6B-41EE-8101-3CE6839DEE88}"/>
-              </a:ext>
-            </a:extLst>
-          </p:cNvPr>
-          <p:cNvSpPr txBox="1"/>
-          <p:nvPr/>
-        </p:nvSpPr>
-        <p:spPr>
-          <a:xfrm>
-            <a:off x="8839200" y="4316361"/>
-            <a:ext cx="3116826" cy="369332"/>
-          </a:xfrm>
-          <a:prstGeom prst="rect">
-            <a:avLst/>
-          </a:prstGeom>
-          <a:noFill/>
-        </p:spPr>
-        <p:txBody>
-          <a:bodyPr wrap="square" rtlCol="0">
-            <a:spAutoFit/>
-          </a:bodyPr>
-          <a:lstStyle/>
-          <a:p>
-            <a:r>
-              <a:rPr lang="en-IN" dirty="0"/>
-              <a:t>http://abc.azurewebsites.net</a:t>
-            </a:r>
-          </a:p>
-        </p:txBody>
-      </p:sp>
-      <p:cxnSp>
-        <p:nvCxnSpPr>
-          <p:cNvPr id="8" name="Straight Arrow Connector 7">
-            <a:extLst>
-              <a:ext uri="{FF2B5EF4-FFF2-40B4-BE49-F238E27FC236}">
-                <a16:creationId xmlns:a16="http://schemas.microsoft.com/office/drawing/2014/main" id="{E41293A0-6FEE-4E25-8A2F-C3D9E8DDDDD5}"/>
-              </a:ext>
-            </a:extLst>
-          </p:cNvPr>
-          <p:cNvCxnSpPr>
-            <a:cxnSpLocks/>
-            <a:stCxn id="4" idx="3"/>
-            <a:endCxn id="16" idx="2"/>
-          </p:cNvCxnSpPr>
-          <p:nvPr/>
-        </p:nvCxnSpPr>
-        <p:spPr>
-          <a:xfrm flipV="1">
-            <a:off x="2084439" y="3744861"/>
-            <a:ext cx="2379409" cy="1"/>
-          </a:xfrm>
-          <a:prstGeom prst="straightConnector1">
-            <a:avLst/>
-          </a:prstGeom>
-          <a:ln>
-            <a:tailEnd type="triangle"/>
-          </a:ln>
-        </p:spPr>
-        <p:style>
-          <a:lnRef idx="1">
-            <a:schemeClr val="accent1"/>
-          </a:lnRef>
-          <a:fillRef idx="0">
-            <a:schemeClr val="accent1"/>
-          </a:fillRef>
-          <a:effectRef idx="0">
-            <a:schemeClr val="accent1"/>
-          </a:effectRef>
-          <a:fontRef idx="minor">
-            <a:schemeClr val="tx1"/>
-          </a:fontRef>
-        </p:style>
-      </p:cxnSp>
-      <p:sp>
-        <p:nvSpPr>
-          <p:cNvPr id="9" name="TextBox 8">
-            <a:extLst>
-              <a:ext uri="{FF2B5EF4-FFF2-40B4-BE49-F238E27FC236}">
-                <a16:creationId xmlns:a16="http://schemas.microsoft.com/office/drawing/2014/main" id="{CDD3CA33-8ABA-4326-AEA9-95FF7F348099}"/>
-              </a:ext>
-            </a:extLst>
-          </p:cNvPr>
-          <p:cNvSpPr txBox="1"/>
-          <p:nvPr/>
-        </p:nvSpPr>
-        <p:spPr>
-          <a:xfrm>
-            <a:off x="7150509" y="4651541"/>
-            <a:ext cx="5041491" cy="369332"/>
-          </a:xfrm>
-          <a:prstGeom prst="rect">
-            <a:avLst/>
-          </a:prstGeom>
-          <a:noFill/>
-        </p:spPr>
-        <p:txBody>
-          <a:bodyPr wrap="square" rtlCol="0">
-            <a:spAutoFit/>
-          </a:bodyPr>
-          <a:lstStyle/>
-          <a:p>
-            <a:r>
-              <a:rPr lang="en-IN" dirty="0"/>
-              <a:t>GET http://abc.azurewebsites.net/api/catalog/101</a:t>
-            </a:r>
-          </a:p>
-        </p:txBody>
-      </p:sp>
-      <p:sp>
-        <p:nvSpPr>
-          <p:cNvPr id="11" name="Rectangle 10">
-            <a:extLst>
-              <a:ext uri="{FF2B5EF4-FFF2-40B4-BE49-F238E27FC236}">
-                <a16:creationId xmlns:a16="http://schemas.microsoft.com/office/drawing/2014/main" id="{18F829FE-3551-473C-9CCB-E2A99B969BE7}"/>
-              </a:ext>
-            </a:extLst>
-          </p:cNvPr>
-          <p:cNvSpPr/>
-          <p:nvPr/>
-        </p:nvSpPr>
-        <p:spPr>
-          <a:xfrm>
-            <a:off x="9394722" y="1946324"/>
-            <a:ext cx="1582994" cy="631723"/>
-          </a:xfrm>
-          <a:prstGeom prst="rect">
-            <a:avLst/>
-          </a:prstGeom>
-        </p:spPr>
-        <p:style>
-          <a:lnRef idx="2">
-            <a:schemeClr val="accent1">
-              <a:shade val="50000"/>
-            </a:schemeClr>
-          </a:lnRef>
-          <a:fillRef idx="1">
-            <a:schemeClr val="accent1"/>
-          </a:fillRef>
-          <a:effectRef idx="0">
-            <a:schemeClr val="accent1"/>
-          </a:effectRef>
-          <a:fontRef idx="minor">
-            <a:schemeClr val="lt1"/>
-          </a:fontRef>
-        </p:style>
-        <p:txBody>
-          <a:bodyPr rtlCol="0" anchor="ctr"/>
-          <a:lstStyle/>
-          <a:p>
-            <a:pPr algn="ctr"/>
-            <a:r>
-              <a:rPr lang="en-IN" dirty="0"/>
-              <a:t>Azure Function (</a:t>
+              <a:t>Develop functions locally</a:t>
+            </a:r>
+          </a:p>
+        </p:txBody>
+      </p:sp>
+      <p:sp>
+        <p:nvSpPr>
+          <p:cNvPr id="3" name="Content Placeholder 2">
+            <a:extLst>
+              <a:ext uri="{FF2B5EF4-FFF2-40B4-BE49-F238E27FC236}">
+                <a16:creationId xmlns:a16="http://schemas.microsoft.com/office/drawing/2014/main" id="{50C7E814-BABF-4F56-8611-62D33B0D459B}"/>
+              </a:ext>
+            </a:extLst>
+          </p:cNvPr>
+          <p:cNvSpPr>
+            <a:spLocks noGrp="1"/>
+          </p:cNvSpPr>
+          <p:nvPr>
+            <p:ph idx="1"/>
+          </p:nvPr>
+        </p:nvSpPr>
+        <p:spPr/>
+        <p:txBody>
+          <a:bodyPr/>
+          <a:lstStyle/>
+          <a:p>
+            <a:r>
+              <a:rPr lang="en-IN" dirty="0"/>
+              <a:t>Use Visual Studio 2017+ with </a:t>
             </a:r>
             <a:r>
               <a:rPr lang="en-IN" dirty="0" err="1"/>
-              <a:t>HttpTrigger</a:t>
-            </a:r>
-            <a:r>
-              <a:rPr lang="en-IN" dirty="0"/>
-              <a:t>)</a:t>
-            </a:r>
-          </a:p>
-        </p:txBody>
-      </p:sp>
-      <p:sp>
-        <p:nvSpPr>
-          <p:cNvPr id="12" name="TextBox 11">
-            <a:extLst>
-              <a:ext uri="{FF2B5EF4-FFF2-40B4-BE49-F238E27FC236}">
-                <a16:creationId xmlns:a16="http://schemas.microsoft.com/office/drawing/2014/main" id="{1F41E33C-8C9B-4093-A3E9-F45FF3D900A7}"/>
-              </a:ext>
-            </a:extLst>
-          </p:cNvPr>
-          <p:cNvSpPr txBox="1"/>
-          <p:nvPr/>
-        </p:nvSpPr>
-        <p:spPr>
-          <a:xfrm>
-            <a:off x="8932607" y="2589253"/>
-            <a:ext cx="3116826" cy="369332"/>
-          </a:xfrm>
-          <a:prstGeom prst="rect">
-            <a:avLst/>
-          </a:prstGeom>
-          <a:noFill/>
-        </p:spPr>
-        <p:txBody>
-          <a:bodyPr wrap="square" rtlCol="0">
-            <a:spAutoFit/>
-          </a:bodyPr>
-          <a:lstStyle/>
-          <a:p>
-            <a:r>
-              <a:rPr lang="en-IN" dirty="0"/>
-              <a:t>http://xyz.azurewebsites.net</a:t>
-            </a:r>
-          </a:p>
-        </p:txBody>
-      </p:sp>
-      <p:sp>
-        <p:nvSpPr>
-          <p:cNvPr id="15" name="TextBox 14">
-            <a:extLst>
-              <a:ext uri="{FF2B5EF4-FFF2-40B4-BE49-F238E27FC236}">
-                <a16:creationId xmlns:a16="http://schemas.microsoft.com/office/drawing/2014/main" id="{E99797ED-4616-4F18-AD8A-6D6C702F353D}"/>
-              </a:ext>
-            </a:extLst>
-          </p:cNvPr>
-          <p:cNvSpPr txBox="1"/>
-          <p:nvPr/>
-        </p:nvSpPr>
-        <p:spPr>
-          <a:xfrm>
-            <a:off x="8246807" y="1556563"/>
-            <a:ext cx="4488425" cy="369332"/>
-          </a:xfrm>
-          <a:prstGeom prst="rect">
-            <a:avLst/>
-          </a:prstGeom>
-          <a:noFill/>
-        </p:spPr>
-        <p:txBody>
-          <a:bodyPr wrap="square" rtlCol="0">
-            <a:spAutoFit/>
-          </a:bodyPr>
-          <a:lstStyle/>
-          <a:p>
-            <a:r>
-              <a:rPr lang="en-IN" dirty="0"/>
-              <a:t>GET http://xyz.azurewebsites.net/api/orders</a:t>
-            </a:r>
-          </a:p>
-        </p:txBody>
-      </p:sp>
-      <p:sp>
-        <p:nvSpPr>
-          <p:cNvPr id="16" name="Oval 15">
-            <a:extLst>
-              <a:ext uri="{FF2B5EF4-FFF2-40B4-BE49-F238E27FC236}">
-                <a16:creationId xmlns:a16="http://schemas.microsoft.com/office/drawing/2014/main" id="{5D121C4B-8835-48B5-A63A-D9196BAB454B}"/>
-              </a:ext>
-            </a:extLst>
-          </p:cNvPr>
-          <p:cNvSpPr/>
-          <p:nvPr/>
-        </p:nvSpPr>
-        <p:spPr>
-          <a:xfrm>
-            <a:off x="4463848" y="2653514"/>
-            <a:ext cx="2217172" cy="2182693"/>
-          </a:xfrm>
-          <a:prstGeom prst="ellipse">
-            <a:avLst/>
-          </a:prstGeom>
-        </p:spPr>
-        <p:style>
-          <a:lnRef idx="2">
-            <a:schemeClr val="accent1">
-              <a:shade val="50000"/>
-            </a:schemeClr>
-          </a:lnRef>
-          <a:fillRef idx="1">
-            <a:schemeClr val="accent1"/>
-          </a:fillRef>
-          <a:effectRef idx="0">
-            <a:schemeClr val="accent1"/>
-          </a:effectRef>
-          <a:fontRef idx="minor">
-            <a:schemeClr val="lt1"/>
-          </a:fontRef>
-        </p:style>
-        <p:txBody>
-          <a:bodyPr rtlCol="0" anchor="ctr"/>
-          <a:lstStyle/>
-          <a:p>
-            <a:pPr algn="ctr"/>
-            <a:r>
-              <a:rPr lang="en-IN" dirty="0"/>
-              <a:t>Proxy</a:t>
-            </a:r>
-          </a:p>
-        </p:txBody>
-      </p:sp>
-      <p:cxnSp>
-        <p:nvCxnSpPr>
-          <p:cNvPr id="20" name="Straight Arrow Connector 19">
-            <a:extLst>
-              <a:ext uri="{FF2B5EF4-FFF2-40B4-BE49-F238E27FC236}">
-                <a16:creationId xmlns:a16="http://schemas.microsoft.com/office/drawing/2014/main" id="{640C947B-1793-489A-89A8-88549F42EF9E}"/>
-              </a:ext>
-            </a:extLst>
-          </p:cNvPr>
-          <p:cNvCxnSpPr>
-            <a:stCxn id="16" idx="6"/>
-            <a:endCxn id="11" idx="1"/>
-          </p:cNvCxnSpPr>
-          <p:nvPr/>
-        </p:nvCxnSpPr>
-        <p:spPr>
-          <a:xfrm flipV="1">
-            <a:off x="6681020" y="2262186"/>
-            <a:ext cx="2713702" cy="1482675"/>
-          </a:xfrm>
-          <a:prstGeom prst="straightConnector1">
-            <a:avLst/>
-          </a:prstGeom>
-          <a:ln>
-            <a:tailEnd type="triangle"/>
-          </a:ln>
-        </p:spPr>
-        <p:style>
-          <a:lnRef idx="1">
-            <a:schemeClr val="accent1"/>
-          </a:lnRef>
-          <a:fillRef idx="0">
-            <a:schemeClr val="accent1"/>
-          </a:fillRef>
-          <a:effectRef idx="0">
-            <a:schemeClr val="accent1"/>
-          </a:effectRef>
-          <a:fontRef idx="minor">
-            <a:schemeClr val="tx1"/>
-          </a:fontRef>
-        </p:style>
-      </p:cxnSp>
-      <p:cxnSp>
-        <p:nvCxnSpPr>
-          <p:cNvPr id="22" name="Straight Arrow Connector 21">
-            <a:extLst>
-              <a:ext uri="{FF2B5EF4-FFF2-40B4-BE49-F238E27FC236}">
-                <a16:creationId xmlns:a16="http://schemas.microsoft.com/office/drawing/2014/main" id="{95F49C34-00AE-4C97-9247-D6A658EFC928}"/>
-              </a:ext>
-            </a:extLst>
-          </p:cNvPr>
-          <p:cNvCxnSpPr>
-            <a:stCxn id="16" idx="6"/>
-            <a:endCxn id="5" idx="1"/>
-          </p:cNvCxnSpPr>
-          <p:nvPr/>
-        </p:nvCxnSpPr>
-        <p:spPr>
-          <a:xfrm>
-            <a:off x="6681020" y="3744861"/>
-            <a:ext cx="2713702" cy="1"/>
-          </a:xfrm>
-          <a:prstGeom prst="straightConnector1">
-            <a:avLst/>
-          </a:prstGeom>
-          <a:ln>
-            <a:tailEnd type="triangle"/>
-          </a:ln>
-        </p:spPr>
-        <p:style>
-          <a:lnRef idx="1">
-            <a:schemeClr val="accent1"/>
-          </a:lnRef>
-          <a:fillRef idx="0">
-            <a:schemeClr val="accent1"/>
-          </a:fillRef>
-          <a:effectRef idx="0">
-            <a:schemeClr val="accent1"/>
-          </a:effectRef>
-          <a:fontRef idx="minor">
-            <a:schemeClr val="tx1"/>
-          </a:fontRef>
-        </p:style>
-      </p:cxnSp>
-      <p:sp>
-        <p:nvSpPr>
-          <p:cNvPr id="23" name="TextBox 22">
-            <a:extLst>
-              <a:ext uri="{FF2B5EF4-FFF2-40B4-BE49-F238E27FC236}">
-                <a16:creationId xmlns:a16="http://schemas.microsoft.com/office/drawing/2014/main" id="{7D3A1606-A6B5-4465-93C7-5EFF097F303A}"/>
-              </a:ext>
-            </a:extLst>
-          </p:cNvPr>
-          <p:cNvSpPr txBox="1"/>
-          <p:nvPr/>
-        </p:nvSpPr>
-        <p:spPr>
-          <a:xfrm>
-            <a:off x="3932903" y="4848182"/>
-            <a:ext cx="3067665" cy="369332"/>
-          </a:xfrm>
-          <a:prstGeom prst="rect">
-            <a:avLst/>
-          </a:prstGeom>
-          <a:noFill/>
-        </p:spPr>
-        <p:txBody>
-          <a:bodyPr wrap="square" rtlCol="0">
-            <a:spAutoFit/>
-          </a:bodyPr>
-          <a:lstStyle/>
-          <a:p>
-            <a:r>
-              <a:rPr lang="en-IN" dirty="0"/>
-              <a:t>http://myfn.azurewebsites.net</a:t>
-            </a:r>
-          </a:p>
-        </p:txBody>
-      </p:sp>
-      <p:sp>
-        <p:nvSpPr>
-          <p:cNvPr id="24" name="TextBox 23">
-            <a:extLst>
-              <a:ext uri="{FF2B5EF4-FFF2-40B4-BE49-F238E27FC236}">
-                <a16:creationId xmlns:a16="http://schemas.microsoft.com/office/drawing/2014/main" id="{2D2C3D88-F07B-420E-8A3A-275D56ED306C}"/>
-              </a:ext>
-            </a:extLst>
-          </p:cNvPr>
-          <p:cNvSpPr txBox="1"/>
-          <p:nvPr/>
-        </p:nvSpPr>
-        <p:spPr>
-          <a:xfrm>
-            <a:off x="206478" y="2051694"/>
-            <a:ext cx="6607277" cy="369332"/>
-          </a:xfrm>
-          <a:prstGeom prst="rect">
-            <a:avLst/>
-          </a:prstGeom>
-          <a:noFill/>
-        </p:spPr>
-        <p:txBody>
-          <a:bodyPr wrap="square" rtlCol="0">
-            <a:spAutoFit/>
-          </a:bodyPr>
-          <a:lstStyle/>
-          <a:p>
-            <a:r>
-              <a:rPr lang="en-IN" dirty="0"/>
-              <a:t>GET http://myfn.azurewebsites.net/api/catalog?id=101</a:t>
-            </a:r>
-          </a:p>
-        </p:txBody>
-      </p:sp>
-      <p:sp>
-        <p:nvSpPr>
-          <p:cNvPr id="25" name="TextBox 24">
-            <a:extLst>
-              <a:ext uri="{FF2B5EF4-FFF2-40B4-BE49-F238E27FC236}">
-                <a16:creationId xmlns:a16="http://schemas.microsoft.com/office/drawing/2014/main" id="{47690223-F338-4194-99B5-A70F7B721AFF}"/>
-              </a:ext>
-            </a:extLst>
-          </p:cNvPr>
-          <p:cNvSpPr txBox="1"/>
-          <p:nvPr/>
-        </p:nvSpPr>
-        <p:spPr>
-          <a:xfrm>
-            <a:off x="206478" y="2450228"/>
-            <a:ext cx="5304503" cy="369332"/>
-          </a:xfrm>
-          <a:prstGeom prst="rect">
-            <a:avLst/>
-          </a:prstGeom>
-          <a:noFill/>
-        </p:spPr>
-        <p:txBody>
-          <a:bodyPr wrap="square" rtlCol="0">
-            <a:spAutoFit/>
-          </a:bodyPr>
-          <a:lstStyle/>
-          <a:p>
-            <a:r>
-              <a:rPr lang="en-IN" dirty="0"/>
-              <a:t>http://myfn.azurewebsites.net/api/orders</a:t>
-            </a:r>
+              <a:t>WebJobs</a:t>
+            </a:r>
+            <a:r>
+              <a:rPr lang="en-IN" dirty="0"/>
+              <a:t> Tool Extension</a:t>
+            </a:r>
+          </a:p>
+          <a:p>
+            <a:r>
+              <a:rPr lang="en-IN" dirty="0"/>
+              <a:t>Also use the Function CLI – Node package</a:t>
+            </a:r>
+          </a:p>
+          <a:p>
+            <a:pPr lvl="1"/>
+            <a:r>
+              <a:rPr lang="en-IN" dirty="0" err="1"/>
+              <a:t>npm</a:t>
+            </a:r>
+            <a:r>
+              <a:rPr lang="en-IN" dirty="0"/>
+              <a:t> install –g azure-functions-core-tools@1    =&gt; Install version 1</a:t>
+            </a:r>
+          </a:p>
+          <a:p>
+            <a:pPr lvl="1"/>
+            <a:r>
+              <a:rPr lang="en-IN" dirty="0" err="1"/>
+              <a:t>npm</a:t>
+            </a:r>
+            <a:r>
+              <a:rPr lang="en-IN" dirty="0"/>
+              <a:t> install –g </a:t>
+            </a:r>
+            <a:r>
+              <a:rPr lang="en-IN"/>
+              <a:t>azure-functions-core-tools          =&gt; install version 2</a:t>
+            </a:r>
+            <a:endParaRPr lang="en-IN" dirty="0"/>
           </a:p>
         </p:txBody>
       </p:sp>
     </p:spTree>
     <p:extLst>
       <p:ext uri="{BB962C8B-B14F-4D97-AF65-F5344CB8AC3E}">
-        <p14:creationId xmlns:p14="http://schemas.microsoft.com/office/powerpoint/2010/main" val="288620485"/>
+        <p14:creationId xmlns:p14="http://schemas.microsoft.com/office/powerpoint/2010/main" val="38757546"/>
       </p:ext>
     </p:extLst>
   </p:cSld>
@@ -19667,10 +19714,10 @@
       </p:grpSpPr>
       <p:sp>
         <p:nvSpPr>
-          <p:cNvPr id="4" name="Title 3">
-            <a:extLst>
-              <a:ext uri="{FF2B5EF4-FFF2-40B4-BE49-F238E27FC236}">
-                <a16:creationId xmlns:a16="http://schemas.microsoft.com/office/drawing/2014/main" id="{F266A821-3B79-4E4C-AC64-BCB62547C3A1}"/>
+          <p:cNvPr id="2" name="Title 1">
+            <a:extLst>
+              <a:ext uri="{FF2B5EF4-FFF2-40B4-BE49-F238E27FC236}">
+                <a16:creationId xmlns:a16="http://schemas.microsoft.com/office/drawing/2014/main" id="{8550F581-C895-49FB-99AB-3E838F99ADE5}"/>
               </a:ext>
             </a:extLst>
           </p:cNvPr>
@@ -19688,40 +19735,591 @@
           <a:p>
             <a:r>
               <a:rPr lang="en-IN" dirty="0"/>
-              <a:t>Azure Event Grid</a:t>
-            </a:r>
-          </a:p>
-        </p:txBody>
-      </p:sp>
-      <p:sp>
-        <p:nvSpPr>
-          <p:cNvPr id="5" name="Text Placeholder 4">
-            <a:extLst>
-              <a:ext uri="{FF2B5EF4-FFF2-40B4-BE49-F238E27FC236}">
-                <a16:creationId xmlns:a16="http://schemas.microsoft.com/office/drawing/2014/main" id="{575A2C01-8C2D-4A60-B990-E2177056D631}"/>
-              </a:ext>
-            </a:extLst>
-          </p:cNvPr>
-          <p:cNvSpPr>
-            <a:spLocks noGrp="1"/>
-          </p:cNvSpPr>
-          <p:nvPr>
-            <p:ph type="body" idx="1"/>
-          </p:nvPr>
-        </p:nvSpPr>
-        <p:spPr/>
-        <p:txBody>
-          <a:bodyPr/>
-          <a:lstStyle/>
-          <a:p>
-            <a:endParaRPr lang="en-IN"/>
+              <a:t>Function Proxy</a:t>
+            </a:r>
+          </a:p>
+        </p:txBody>
+      </p:sp>
+      <p:sp>
+        <p:nvSpPr>
+          <p:cNvPr id="4" name="Rectangle 3">
+            <a:extLst>
+              <a:ext uri="{FF2B5EF4-FFF2-40B4-BE49-F238E27FC236}">
+                <a16:creationId xmlns:a16="http://schemas.microsoft.com/office/drawing/2014/main" id="{87CB3F9C-E41A-4784-86B7-912F333CC3AD}"/>
+              </a:ext>
+            </a:extLst>
+          </p:cNvPr>
+          <p:cNvSpPr/>
+          <p:nvPr/>
+        </p:nvSpPr>
+        <p:spPr>
+          <a:xfrm>
+            <a:off x="501445" y="3429000"/>
+            <a:ext cx="1582994" cy="631723"/>
+          </a:xfrm>
+          <a:prstGeom prst="rect">
+            <a:avLst/>
+          </a:prstGeom>
+        </p:spPr>
+        <p:style>
+          <a:lnRef idx="2">
+            <a:schemeClr val="accent1">
+              <a:shade val="50000"/>
+            </a:schemeClr>
+          </a:lnRef>
+          <a:fillRef idx="1">
+            <a:schemeClr val="accent1"/>
+          </a:fillRef>
+          <a:effectRef idx="0">
+            <a:schemeClr val="accent1"/>
+          </a:effectRef>
+          <a:fontRef idx="minor">
+            <a:schemeClr val="lt1"/>
+          </a:fontRef>
+        </p:style>
+        <p:txBody>
+          <a:bodyPr rtlCol="0" anchor="ctr"/>
+          <a:lstStyle/>
+          <a:p>
+            <a:pPr algn="ctr"/>
+            <a:r>
+              <a:rPr lang="en-IN" dirty="0"/>
+              <a:t>Client</a:t>
+            </a:r>
+          </a:p>
+        </p:txBody>
+      </p:sp>
+      <p:sp>
+        <p:nvSpPr>
+          <p:cNvPr id="5" name="Rectangle 4">
+            <a:extLst>
+              <a:ext uri="{FF2B5EF4-FFF2-40B4-BE49-F238E27FC236}">
+                <a16:creationId xmlns:a16="http://schemas.microsoft.com/office/drawing/2014/main" id="{76275A02-3B07-4385-92AC-2E33D8B52845}"/>
+              </a:ext>
+            </a:extLst>
+          </p:cNvPr>
+          <p:cNvSpPr/>
+          <p:nvPr/>
+        </p:nvSpPr>
+        <p:spPr>
+          <a:xfrm>
+            <a:off x="9394722" y="3429000"/>
+            <a:ext cx="1582994" cy="631723"/>
+          </a:xfrm>
+          <a:prstGeom prst="rect">
+            <a:avLst/>
+          </a:prstGeom>
+        </p:spPr>
+        <p:style>
+          <a:lnRef idx="2">
+            <a:schemeClr val="accent1">
+              <a:shade val="50000"/>
+            </a:schemeClr>
+          </a:lnRef>
+          <a:fillRef idx="1">
+            <a:schemeClr val="accent1"/>
+          </a:fillRef>
+          <a:effectRef idx="0">
+            <a:schemeClr val="accent1"/>
+          </a:effectRef>
+          <a:fontRef idx="minor">
+            <a:schemeClr val="lt1"/>
+          </a:fontRef>
+        </p:style>
+        <p:txBody>
+          <a:bodyPr rtlCol="0" anchor="ctr"/>
+          <a:lstStyle/>
+          <a:p>
+            <a:pPr algn="ctr"/>
+            <a:r>
+              <a:rPr lang="en-IN" dirty="0"/>
+              <a:t>API (Web App)</a:t>
+            </a:r>
+          </a:p>
+        </p:txBody>
+      </p:sp>
+      <p:sp>
+        <p:nvSpPr>
+          <p:cNvPr id="6" name="TextBox 5">
+            <a:extLst>
+              <a:ext uri="{FF2B5EF4-FFF2-40B4-BE49-F238E27FC236}">
+                <a16:creationId xmlns:a16="http://schemas.microsoft.com/office/drawing/2014/main" id="{02162704-AF6B-41EE-8101-3CE6839DEE88}"/>
+              </a:ext>
+            </a:extLst>
+          </p:cNvPr>
+          <p:cNvSpPr txBox="1"/>
+          <p:nvPr/>
+        </p:nvSpPr>
+        <p:spPr>
+          <a:xfrm>
+            <a:off x="8839200" y="4316361"/>
+            <a:ext cx="3116826" cy="369332"/>
+          </a:xfrm>
+          <a:prstGeom prst="rect">
+            <a:avLst/>
+          </a:prstGeom>
+          <a:noFill/>
+        </p:spPr>
+        <p:txBody>
+          <a:bodyPr wrap="square" rtlCol="0">
+            <a:spAutoFit/>
+          </a:bodyPr>
+          <a:lstStyle/>
+          <a:p>
+            <a:r>
+              <a:rPr lang="en-IN" dirty="0"/>
+              <a:t>http://abc.azurewebsites.net</a:t>
+            </a:r>
+          </a:p>
+        </p:txBody>
+      </p:sp>
+      <p:cxnSp>
+        <p:nvCxnSpPr>
+          <p:cNvPr id="8" name="Straight Arrow Connector 7">
+            <a:extLst>
+              <a:ext uri="{FF2B5EF4-FFF2-40B4-BE49-F238E27FC236}">
+                <a16:creationId xmlns:a16="http://schemas.microsoft.com/office/drawing/2014/main" id="{E41293A0-6FEE-4E25-8A2F-C3D9E8DDDDD5}"/>
+              </a:ext>
+            </a:extLst>
+          </p:cNvPr>
+          <p:cNvCxnSpPr>
+            <a:cxnSpLocks/>
+            <a:stCxn id="4" idx="3"/>
+            <a:endCxn id="16" idx="2"/>
+          </p:cNvCxnSpPr>
+          <p:nvPr/>
+        </p:nvCxnSpPr>
+        <p:spPr>
+          <a:xfrm flipV="1">
+            <a:off x="2084439" y="3744861"/>
+            <a:ext cx="2379409" cy="1"/>
+          </a:xfrm>
+          <a:prstGeom prst="straightConnector1">
+            <a:avLst/>
+          </a:prstGeom>
+          <a:ln>
+            <a:tailEnd type="triangle"/>
+          </a:ln>
+        </p:spPr>
+        <p:style>
+          <a:lnRef idx="1">
+            <a:schemeClr val="accent1"/>
+          </a:lnRef>
+          <a:fillRef idx="0">
+            <a:schemeClr val="accent1"/>
+          </a:fillRef>
+          <a:effectRef idx="0">
+            <a:schemeClr val="accent1"/>
+          </a:effectRef>
+          <a:fontRef idx="minor">
+            <a:schemeClr val="tx1"/>
+          </a:fontRef>
+        </p:style>
+      </p:cxnSp>
+      <p:sp>
+        <p:nvSpPr>
+          <p:cNvPr id="9" name="TextBox 8">
+            <a:extLst>
+              <a:ext uri="{FF2B5EF4-FFF2-40B4-BE49-F238E27FC236}">
+                <a16:creationId xmlns:a16="http://schemas.microsoft.com/office/drawing/2014/main" id="{CDD3CA33-8ABA-4326-AEA9-95FF7F348099}"/>
+              </a:ext>
+            </a:extLst>
+          </p:cNvPr>
+          <p:cNvSpPr txBox="1"/>
+          <p:nvPr/>
+        </p:nvSpPr>
+        <p:spPr>
+          <a:xfrm>
+            <a:off x="7150509" y="4651541"/>
+            <a:ext cx="5041491" cy="369332"/>
+          </a:xfrm>
+          <a:prstGeom prst="rect">
+            <a:avLst/>
+          </a:prstGeom>
+          <a:noFill/>
+        </p:spPr>
+        <p:txBody>
+          <a:bodyPr wrap="square" rtlCol="0">
+            <a:spAutoFit/>
+          </a:bodyPr>
+          <a:lstStyle/>
+          <a:p>
+            <a:r>
+              <a:rPr lang="en-IN" dirty="0"/>
+              <a:t>GET http://abc.azurewebsites.net/api/catalog/101</a:t>
+            </a:r>
+          </a:p>
+        </p:txBody>
+      </p:sp>
+      <p:sp>
+        <p:nvSpPr>
+          <p:cNvPr id="11" name="Rectangle 10">
+            <a:extLst>
+              <a:ext uri="{FF2B5EF4-FFF2-40B4-BE49-F238E27FC236}">
+                <a16:creationId xmlns:a16="http://schemas.microsoft.com/office/drawing/2014/main" id="{18F829FE-3551-473C-9CCB-E2A99B969BE7}"/>
+              </a:ext>
+            </a:extLst>
+          </p:cNvPr>
+          <p:cNvSpPr/>
+          <p:nvPr/>
+        </p:nvSpPr>
+        <p:spPr>
+          <a:xfrm>
+            <a:off x="9394722" y="1946324"/>
+            <a:ext cx="1582994" cy="631723"/>
+          </a:xfrm>
+          <a:prstGeom prst="rect">
+            <a:avLst/>
+          </a:prstGeom>
+        </p:spPr>
+        <p:style>
+          <a:lnRef idx="2">
+            <a:schemeClr val="accent1">
+              <a:shade val="50000"/>
+            </a:schemeClr>
+          </a:lnRef>
+          <a:fillRef idx="1">
+            <a:schemeClr val="accent1"/>
+          </a:fillRef>
+          <a:effectRef idx="0">
+            <a:schemeClr val="accent1"/>
+          </a:effectRef>
+          <a:fontRef idx="minor">
+            <a:schemeClr val="lt1"/>
+          </a:fontRef>
+        </p:style>
+        <p:txBody>
+          <a:bodyPr rtlCol="0" anchor="ctr"/>
+          <a:lstStyle/>
+          <a:p>
+            <a:pPr algn="ctr"/>
+            <a:r>
+              <a:rPr lang="en-IN" dirty="0"/>
+              <a:t>Azure Function (</a:t>
+            </a:r>
+            <a:r>
+              <a:rPr lang="en-IN" dirty="0" err="1"/>
+              <a:t>HttpTrigger</a:t>
+            </a:r>
+            <a:r>
+              <a:rPr lang="en-IN" dirty="0"/>
+              <a:t>)</a:t>
+            </a:r>
+          </a:p>
+        </p:txBody>
+      </p:sp>
+      <p:sp>
+        <p:nvSpPr>
+          <p:cNvPr id="12" name="TextBox 11">
+            <a:extLst>
+              <a:ext uri="{FF2B5EF4-FFF2-40B4-BE49-F238E27FC236}">
+                <a16:creationId xmlns:a16="http://schemas.microsoft.com/office/drawing/2014/main" id="{1F41E33C-8C9B-4093-A3E9-F45FF3D900A7}"/>
+              </a:ext>
+            </a:extLst>
+          </p:cNvPr>
+          <p:cNvSpPr txBox="1"/>
+          <p:nvPr/>
+        </p:nvSpPr>
+        <p:spPr>
+          <a:xfrm>
+            <a:off x="8932607" y="2589253"/>
+            <a:ext cx="3116826" cy="369332"/>
+          </a:xfrm>
+          <a:prstGeom prst="rect">
+            <a:avLst/>
+          </a:prstGeom>
+          <a:noFill/>
+        </p:spPr>
+        <p:txBody>
+          <a:bodyPr wrap="square" rtlCol="0">
+            <a:spAutoFit/>
+          </a:bodyPr>
+          <a:lstStyle/>
+          <a:p>
+            <a:r>
+              <a:rPr lang="en-IN" dirty="0"/>
+              <a:t>http://xyz.azurewebsites.net</a:t>
+            </a:r>
+          </a:p>
+        </p:txBody>
+      </p:sp>
+      <p:sp>
+        <p:nvSpPr>
+          <p:cNvPr id="15" name="TextBox 14">
+            <a:extLst>
+              <a:ext uri="{FF2B5EF4-FFF2-40B4-BE49-F238E27FC236}">
+                <a16:creationId xmlns:a16="http://schemas.microsoft.com/office/drawing/2014/main" id="{E99797ED-4616-4F18-AD8A-6D6C702F353D}"/>
+              </a:ext>
+            </a:extLst>
+          </p:cNvPr>
+          <p:cNvSpPr txBox="1"/>
+          <p:nvPr/>
+        </p:nvSpPr>
+        <p:spPr>
+          <a:xfrm>
+            <a:off x="8246807" y="1556563"/>
+            <a:ext cx="4488425" cy="369332"/>
+          </a:xfrm>
+          <a:prstGeom prst="rect">
+            <a:avLst/>
+          </a:prstGeom>
+          <a:noFill/>
+        </p:spPr>
+        <p:txBody>
+          <a:bodyPr wrap="square" rtlCol="0">
+            <a:spAutoFit/>
+          </a:bodyPr>
+          <a:lstStyle/>
+          <a:p>
+            <a:r>
+              <a:rPr lang="en-IN" dirty="0"/>
+              <a:t>GET http://xyz.azurewebsites.net/api/orders</a:t>
+            </a:r>
+          </a:p>
+        </p:txBody>
+      </p:sp>
+      <p:sp>
+        <p:nvSpPr>
+          <p:cNvPr id="16" name="Oval 15">
+            <a:extLst>
+              <a:ext uri="{FF2B5EF4-FFF2-40B4-BE49-F238E27FC236}">
+                <a16:creationId xmlns:a16="http://schemas.microsoft.com/office/drawing/2014/main" id="{5D121C4B-8835-48B5-A63A-D9196BAB454B}"/>
+              </a:ext>
+            </a:extLst>
+          </p:cNvPr>
+          <p:cNvSpPr/>
+          <p:nvPr/>
+        </p:nvSpPr>
+        <p:spPr>
+          <a:xfrm>
+            <a:off x="4463848" y="2653514"/>
+            <a:ext cx="2217172" cy="2182693"/>
+          </a:xfrm>
+          <a:prstGeom prst="ellipse">
+            <a:avLst/>
+          </a:prstGeom>
+        </p:spPr>
+        <p:style>
+          <a:lnRef idx="2">
+            <a:schemeClr val="accent1">
+              <a:shade val="50000"/>
+            </a:schemeClr>
+          </a:lnRef>
+          <a:fillRef idx="1">
+            <a:schemeClr val="accent1"/>
+          </a:fillRef>
+          <a:effectRef idx="0">
+            <a:schemeClr val="accent1"/>
+          </a:effectRef>
+          <a:fontRef idx="minor">
+            <a:schemeClr val="lt1"/>
+          </a:fontRef>
+        </p:style>
+        <p:txBody>
+          <a:bodyPr rtlCol="0" anchor="ctr"/>
+          <a:lstStyle/>
+          <a:p>
+            <a:pPr algn="ctr"/>
+            <a:r>
+              <a:rPr lang="en-IN" dirty="0"/>
+              <a:t>Proxy</a:t>
+            </a:r>
+          </a:p>
+        </p:txBody>
+      </p:sp>
+      <p:cxnSp>
+        <p:nvCxnSpPr>
+          <p:cNvPr id="20" name="Straight Arrow Connector 19">
+            <a:extLst>
+              <a:ext uri="{FF2B5EF4-FFF2-40B4-BE49-F238E27FC236}">
+                <a16:creationId xmlns:a16="http://schemas.microsoft.com/office/drawing/2014/main" id="{640C947B-1793-489A-89A8-88549F42EF9E}"/>
+              </a:ext>
+            </a:extLst>
+          </p:cNvPr>
+          <p:cNvCxnSpPr>
+            <a:stCxn id="16" idx="6"/>
+            <a:endCxn id="11" idx="1"/>
+          </p:cNvCxnSpPr>
+          <p:nvPr/>
+        </p:nvCxnSpPr>
+        <p:spPr>
+          <a:xfrm flipV="1">
+            <a:off x="6681020" y="2262186"/>
+            <a:ext cx="2713702" cy="1482675"/>
+          </a:xfrm>
+          <a:prstGeom prst="straightConnector1">
+            <a:avLst/>
+          </a:prstGeom>
+          <a:ln>
+            <a:tailEnd type="triangle"/>
+          </a:ln>
+        </p:spPr>
+        <p:style>
+          <a:lnRef idx="1">
+            <a:schemeClr val="accent1"/>
+          </a:lnRef>
+          <a:fillRef idx="0">
+            <a:schemeClr val="accent1"/>
+          </a:fillRef>
+          <a:effectRef idx="0">
+            <a:schemeClr val="accent1"/>
+          </a:effectRef>
+          <a:fontRef idx="minor">
+            <a:schemeClr val="tx1"/>
+          </a:fontRef>
+        </p:style>
+      </p:cxnSp>
+      <p:cxnSp>
+        <p:nvCxnSpPr>
+          <p:cNvPr id="22" name="Straight Arrow Connector 21">
+            <a:extLst>
+              <a:ext uri="{FF2B5EF4-FFF2-40B4-BE49-F238E27FC236}">
+                <a16:creationId xmlns:a16="http://schemas.microsoft.com/office/drawing/2014/main" id="{95F49C34-00AE-4C97-9247-D6A658EFC928}"/>
+              </a:ext>
+            </a:extLst>
+          </p:cNvPr>
+          <p:cNvCxnSpPr>
+            <a:stCxn id="16" idx="6"/>
+            <a:endCxn id="5" idx="1"/>
+          </p:cNvCxnSpPr>
+          <p:nvPr/>
+        </p:nvCxnSpPr>
+        <p:spPr>
+          <a:xfrm>
+            <a:off x="6681020" y="3744861"/>
+            <a:ext cx="2713702" cy="1"/>
+          </a:xfrm>
+          <a:prstGeom prst="straightConnector1">
+            <a:avLst/>
+          </a:prstGeom>
+          <a:ln>
+            <a:tailEnd type="triangle"/>
+          </a:ln>
+        </p:spPr>
+        <p:style>
+          <a:lnRef idx="1">
+            <a:schemeClr val="accent1"/>
+          </a:lnRef>
+          <a:fillRef idx="0">
+            <a:schemeClr val="accent1"/>
+          </a:fillRef>
+          <a:effectRef idx="0">
+            <a:schemeClr val="accent1"/>
+          </a:effectRef>
+          <a:fontRef idx="minor">
+            <a:schemeClr val="tx1"/>
+          </a:fontRef>
+        </p:style>
+      </p:cxnSp>
+      <p:sp>
+        <p:nvSpPr>
+          <p:cNvPr id="23" name="TextBox 22">
+            <a:extLst>
+              <a:ext uri="{FF2B5EF4-FFF2-40B4-BE49-F238E27FC236}">
+                <a16:creationId xmlns:a16="http://schemas.microsoft.com/office/drawing/2014/main" id="{7D3A1606-A6B5-4465-93C7-5EFF097F303A}"/>
+              </a:ext>
+            </a:extLst>
+          </p:cNvPr>
+          <p:cNvSpPr txBox="1"/>
+          <p:nvPr/>
+        </p:nvSpPr>
+        <p:spPr>
+          <a:xfrm>
+            <a:off x="3932903" y="4848182"/>
+            <a:ext cx="3067665" cy="369332"/>
+          </a:xfrm>
+          <a:prstGeom prst="rect">
+            <a:avLst/>
+          </a:prstGeom>
+          <a:noFill/>
+        </p:spPr>
+        <p:txBody>
+          <a:bodyPr wrap="square" rtlCol="0">
+            <a:spAutoFit/>
+          </a:bodyPr>
+          <a:lstStyle/>
+          <a:p>
+            <a:r>
+              <a:rPr lang="en-IN" dirty="0"/>
+              <a:t>http://myfn.azurewebsites.net</a:t>
+            </a:r>
+          </a:p>
+        </p:txBody>
+      </p:sp>
+      <p:sp>
+        <p:nvSpPr>
+          <p:cNvPr id="24" name="TextBox 23">
+            <a:extLst>
+              <a:ext uri="{FF2B5EF4-FFF2-40B4-BE49-F238E27FC236}">
+                <a16:creationId xmlns:a16="http://schemas.microsoft.com/office/drawing/2014/main" id="{2D2C3D88-F07B-420E-8A3A-275D56ED306C}"/>
+              </a:ext>
+            </a:extLst>
+          </p:cNvPr>
+          <p:cNvSpPr txBox="1"/>
+          <p:nvPr/>
+        </p:nvSpPr>
+        <p:spPr>
+          <a:xfrm>
+            <a:off x="206478" y="2051694"/>
+            <a:ext cx="6607277" cy="369332"/>
+          </a:xfrm>
+          <a:prstGeom prst="rect">
+            <a:avLst/>
+          </a:prstGeom>
+          <a:noFill/>
+        </p:spPr>
+        <p:txBody>
+          <a:bodyPr wrap="square" rtlCol="0">
+            <a:spAutoFit/>
+          </a:bodyPr>
+          <a:lstStyle/>
+          <a:p>
+            <a:r>
+              <a:rPr lang="en-IN" dirty="0"/>
+              <a:t>GET http://myfn.azurewebsites.net/api/catalog?id=101</a:t>
+            </a:r>
+          </a:p>
+        </p:txBody>
+      </p:sp>
+      <p:sp>
+        <p:nvSpPr>
+          <p:cNvPr id="25" name="TextBox 24">
+            <a:extLst>
+              <a:ext uri="{FF2B5EF4-FFF2-40B4-BE49-F238E27FC236}">
+                <a16:creationId xmlns:a16="http://schemas.microsoft.com/office/drawing/2014/main" id="{47690223-F338-4194-99B5-A70F7B721AFF}"/>
+              </a:ext>
+            </a:extLst>
+          </p:cNvPr>
+          <p:cNvSpPr txBox="1"/>
+          <p:nvPr/>
+        </p:nvSpPr>
+        <p:spPr>
+          <a:xfrm>
+            <a:off x="206478" y="2450228"/>
+            <a:ext cx="5304503" cy="369332"/>
+          </a:xfrm>
+          <a:prstGeom prst="rect">
+            <a:avLst/>
+          </a:prstGeom>
+          <a:noFill/>
+        </p:spPr>
+        <p:txBody>
+          <a:bodyPr wrap="square" rtlCol="0">
+            <a:spAutoFit/>
+          </a:bodyPr>
+          <a:lstStyle/>
+          <a:p>
+            <a:r>
+              <a:rPr lang="en-IN" dirty="0"/>
+              <a:t>http://myfn.azurewebsites.net/api/orders</a:t>
+            </a:r>
           </a:p>
         </p:txBody>
       </p:sp>
     </p:spTree>
     <p:extLst>
       <p:ext uri="{BB962C8B-B14F-4D97-AF65-F5344CB8AC3E}">
-        <p14:creationId xmlns:p14="http://schemas.microsoft.com/office/powerpoint/2010/main" val="3774532437"/>
+        <p14:creationId xmlns:p14="http://schemas.microsoft.com/office/powerpoint/2010/main" val="288620485"/>
       </p:ext>
     </p:extLst>
   </p:cSld>
@@ -19750,10 +20348,10 @@
       </p:grpSpPr>
       <p:sp>
         <p:nvSpPr>
-          <p:cNvPr id="2" name="Title 1">
-            <a:extLst>
-              <a:ext uri="{FF2B5EF4-FFF2-40B4-BE49-F238E27FC236}">
-                <a16:creationId xmlns:a16="http://schemas.microsoft.com/office/drawing/2014/main" id="{2C4DFA19-AE8D-4448-91F9-41CDFC323526}"/>
+          <p:cNvPr id="4" name="Title 3">
+            <a:extLst>
+              <a:ext uri="{FF2B5EF4-FFF2-40B4-BE49-F238E27FC236}">
+                <a16:creationId xmlns:a16="http://schemas.microsoft.com/office/drawing/2014/main" id="{F266A821-3B79-4E4C-AC64-BCB62547C3A1}"/>
               </a:ext>
             </a:extLst>
           </p:cNvPr>
@@ -19771,17 +20369,17 @@
           <a:p>
             <a:r>
               <a:rPr lang="en-IN" dirty="0"/>
-              <a:t>Communication patterns</a:t>
-            </a:r>
-          </a:p>
-        </p:txBody>
-      </p:sp>
-      <p:sp>
-        <p:nvSpPr>
-          <p:cNvPr id="3" name="Content Placeholder 2">
-            <a:extLst>
-              <a:ext uri="{FF2B5EF4-FFF2-40B4-BE49-F238E27FC236}">
-                <a16:creationId xmlns:a16="http://schemas.microsoft.com/office/drawing/2014/main" id="{92492814-BCBE-435B-AB49-2951C60120CD}"/>
+              <a:t>Azure Event Grid</a:t>
+            </a:r>
+          </a:p>
+        </p:txBody>
+      </p:sp>
+      <p:sp>
+        <p:nvSpPr>
+          <p:cNvPr id="5" name="Text Placeholder 4">
+            <a:extLst>
+              <a:ext uri="{FF2B5EF4-FFF2-40B4-BE49-F238E27FC236}">
+                <a16:creationId xmlns:a16="http://schemas.microsoft.com/office/drawing/2014/main" id="{575A2C01-8C2D-4A60-B990-E2177056D631}"/>
               </a:ext>
             </a:extLst>
           </p:cNvPr>
@@ -19789,7 +20387,7 @@
             <a:spLocks noGrp="1"/>
           </p:cNvSpPr>
           <p:nvPr>
-            <p:ph idx="1"/>
+            <p:ph type="body" idx="1"/>
           </p:nvPr>
         </p:nvSpPr>
         <p:spPr/>
@@ -19797,38 +20395,14 @@
           <a:bodyPr/>
           <a:lstStyle/>
           <a:p>
-            <a:r>
-              <a:rPr lang="en-IN" dirty="0"/>
-              <a:t>Patterns</a:t>
-            </a:r>
-          </a:p>
-          <a:p>
-            <a:pPr lvl="1"/>
-            <a:r>
-              <a:rPr lang="en-IN" dirty="0"/>
-              <a:t>Request – Response (REST API calls) (sync)</a:t>
-            </a:r>
-          </a:p>
-          <a:p>
-            <a:pPr lvl="1"/>
-            <a:r>
-              <a:rPr lang="en-IN" dirty="0"/>
-              <a:t>Messaging  - Async communication</a:t>
-            </a:r>
-          </a:p>
-          <a:p>
-            <a:pPr lvl="1"/>
-            <a:r>
-              <a:rPr lang="en-IN" dirty="0"/>
-              <a:t>Event driven – (sync) – real time </a:t>
-            </a:r>
+            <a:endParaRPr lang="en-IN"/>
           </a:p>
         </p:txBody>
       </p:sp>
     </p:spTree>
     <p:extLst>
       <p:ext uri="{BB962C8B-B14F-4D97-AF65-F5344CB8AC3E}">
-        <p14:creationId xmlns:p14="http://schemas.microsoft.com/office/powerpoint/2010/main" val="3715096269"/>
+        <p14:creationId xmlns:p14="http://schemas.microsoft.com/office/powerpoint/2010/main" val="3774532437"/>
       </p:ext>
     </p:extLst>
   </p:cSld>
@@ -19860,6 +20434,113 @@
           <p:cNvPr id="2" name="Title 1">
             <a:extLst>
               <a:ext uri="{FF2B5EF4-FFF2-40B4-BE49-F238E27FC236}">
+                <a16:creationId xmlns:a16="http://schemas.microsoft.com/office/drawing/2014/main" id="{2C4DFA19-AE8D-4448-91F9-41CDFC323526}"/>
+              </a:ext>
+            </a:extLst>
+          </p:cNvPr>
+          <p:cNvSpPr>
+            <a:spLocks noGrp="1"/>
+          </p:cNvSpPr>
+          <p:nvPr>
+            <p:ph type="title"/>
+          </p:nvPr>
+        </p:nvSpPr>
+        <p:spPr/>
+        <p:txBody>
+          <a:bodyPr/>
+          <a:lstStyle/>
+          <a:p>
+            <a:r>
+              <a:rPr lang="en-IN" dirty="0"/>
+              <a:t>Communication patterns</a:t>
+            </a:r>
+          </a:p>
+        </p:txBody>
+      </p:sp>
+      <p:sp>
+        <p:nvSpPr>
+          <p:cNvPr id="3" name="Content Placeholder 2">
+            <a:extLst>
+              <a:ext uri="{FF2B5EF4-FFF2-40B4-BE49-F238E27FC236}">
+                <a16:creationId xmlns:a16="http://schemas.microsoft.com/office/drawing/2014/main" id="{92492814-BCBE-435B-AB49-2951C60120CD}"/>
+              </a:ext>
+            </a:extLst>
+          </p:cNvPr>
+          <p:cNvSpPr>
+            <a:spLocks noGrp="1"/>
+          </p:cNvSpPr>
+          <p:nvPr>
+            <p:ph idx="1"/>
+          </p:nvPr>
+        </p:nvSpPr>
+        <p:spPr/>
+        <p:txBody>
+          <a:bodyPr/>
+          <a:lstStyle/>
+          <a:p>
+            <a:r>
+              <a:rPr lang="en-IN" dirty="0"/>
+              <a:t>Patterns</a:t>
+            </a:r>
+          </a:p>
+          <a:p>
+            <a:pPr lvl="1"/>
+            <a:r>
+              <a:rPr lang="en-IN" dirty="0"/>
+              <a:t>Request – Response (REST API calls) (sync)</a:t>
+            </a:r>
+          </a:p>
+          <a:p>
+            <a:pPr lvl="1"/>
+            <a:r>
+              <a:rPr lang="en-IN" dirty="0"/>
+              <a:t>Messaging  - Async communication</a:t>
+            </a:r>
+          </a:p>
+          <a:p>
+            <a:pPr lvl="1"/>
+            <a:r>
+              <a:rPr lang="en-IN" dirty="0"/>
+              <a:t>Event driven – (sync) – real time </a:t>
+            </a:r>
+          </a:p>
+        </p:txBody>
+      </p:sp>
+    </p:spTree>
+    <p:extLst>
+      <p:ext uri="{BB962C8B-B14F-4D97-AF65-F5344CB8AC3E}">
+        <p14:creationId xmlns:p14="http://schemas.microsoft.com/office/powerpoint/2010/main" val="3715096269"/>
+      </p:ext>
+    </p:extLst>
+  </p:cSld>
+  <p:clrMapOvr>
+    <a:masterClrMapping/>
+  </p:clrMapOvr>
+</p:sld>
+</file>
+
+<file path=ppt/slides/slide33.xml><?xml version="1.0" encoding="utf-8"?>
+<p:sld xmlns:a="http://schemas.openxmlformats.org/drawingml/2006/main" xmlns:r="http://schemas.openxmlformats.org/officeDocument/2006/relationships" xmlns:p="http://schemas.openxmlformats.org/presentationml/2006/main">
+  <p:cSld>
+    <p:spTree>
+      <p:nvGrpSpPr>
+        <p:cNvPr id="1" name=""/>
+        <p:cNvGrpSpPr/>
+        <p:nvPr/>
+      </p:nvGrpSpPr>
+      <p:grpSpPr>
+        <a:xfrm>
+          <a:off x="0" y="0"/>
+          <a:ext cx="0" cy="0"/>
+          <a:chOff x="0" y="0"/>
+          <a:chExt cx="0" cy="0"/>
+        </a:xfrm>
+      </p:grpSpPr>
+      <p:sp>
+        <p:nvSpPr>
+          <p:cNvPr id="2" name="Title 1">
+            <a:extLst>
+              <a:ext uri="{FF2B5EF4-FFF2-40B4-BE49-F238E27FC236}">
                 <a16:creationId xmlns:a16="http://schemas.microsoft.com/office/drawing/2014/main" id="{943B92FE-D7A8-4CFC-AF2C-516F899917EA}"/>
               </a:ext>
             </a:extLst>
@@ -20350,7 +21031,7 @@
 </p:sld>
 </file>
 
-<file path=ppt/slides/slide33.xml><?xml version="1.0" encoding="utf-8"?>
+<file path=ppt/slides/slide34.xml><?xml version="1.0" encoding="utf-8"?>
 <p:sld xmlns:a="http://schemas.openxmlformats.org/drawingml/2006/main" xmlns:r="http://schemas.openxmlformats.org/officeDocument/2006/relationships" xmlns:p="http://schemas.openxmlformats.org/presentationml/2006/main">
   <p:cSld>
     <p:spTree>
